--- a/New Approach/Figures/Figures.pptx
+++ b/New Approach/Figures/Figures.pptx
@@ -7,6 +7,9 @@
   <p:sldIdLst>
     <p:sldId id="256" r:id="rId2"/>
     <p:sldId id="257" r:id="rId3"/>
+    <p:sldId id="258" r:id="rId4"/>
+    <p:sldId id="259" r:id="rId5"/>
+    <p:sldId id="260" r:id="rId6"/>
   </p:sldIdLst>
   <p:sldSz cx="12192000" cy="6858000"/>
   <p:notesSz cx="6858000" cy="9144000"/>
@@ -122,6 +125,3215 @@
     </p:ext>
   </p:extLst>
 </p:presentation>
+</file>
+
+<file path=ppt/diagrams/colors1.xml><?xml version="1.0" encoding="utf-8"?>
+<dgm:colorsDef xmlns:dgm="http://schemas.openxmlformats.org/drawingml/2006/diagram" xmlns:a="http://schemas.openxmlformats.org/drawingml/2006/main" uniqueId="urn:microsoft.com/office/officeart/2005/8/colors/accent1_2">
+  <dgm:title val=""/>
+  <dgm:desc val=""/>
+  <dgm:catLst>
+    <dgm:cat type="accent1" pri="11200"/>
+  </dgm:catLst>
+  <dgm:styleLbl name="node0">
+    <dgm:fillClrLst meth="repeat">
+      <a:schemeClr val="accent1"/>
+    </dgm:fillClrLst>
+    <dgm:linClrLst meth="repeat">
+      <a:schemeClr val="lt1"/>
+    </dgm:linClrLst>
+    <dgm:effectClrLst/>
+    <dgm:txLinClrLst/>
+    <dgm:txFillClrLst/>
+    <dgm:txEffectClrLst/>
+  </dgm:styleLbl>
+  <dgm:styleLbl name="alignNode1">
+    <dgm:fillClrLst meth="repeat">
+      <a:schemeClr val="accent1"/>
+    </dgm:fillClrLst>
+    <dgm:linClrLst meth="repeat">
+      <a:schemeClr val="accent1"/>
+    </dgm:linClrLst>
+    <dgm:effectClrLst/>
+    <dgm:txLinClrLst/>
+    <dgm:txFillClrLst/>
+    <dgm:txEffectClrLst/>
+  </dgm:styleLbl>
+  <dgm:styleLbl name="node1">
+    <dgm:fillClrLst meth="repeat">
+      <a:schemeClr val="accent1"/>
+    </dgm:fillClrLst>
+    <dgm:linClrLst meth="repeat">
+      <a:schemeClr val="lt1"/>
+    </dgm:linClrLst>
+    <dgm:effectClrLst/>
+    <dgm:txLinClrLst/>
+    <dgm:txFillClrLst/>
+    <dgm:txEffectClrLst/>
+  </dgm:styleLbl>
+  <dgm:styleLbl name="lnNode1">
+    <dgm:fillClrLst meth="repeat">
+      <a:schemeClr val="accent1"/>
+    </dgm:fillClrLst>
+    <dgm:linClrLst meth="repeat">
+      <a:schemeClr val="lt1"/>
+    </dgm:linClrLst>
+    <dgm:effectClrLst/>
+    <dgm:txLinClrLst/>
+    <dgm:txFillClrLst/>
+    <dgm:txEffectClrLst/>
+  </dgm:styleLbl>
+  <dgm:styleLbl name="vennNode1">
+    <dgm:fillClrLst meth="repeat">
+      <a:schemeClr val="accent1">
+        <a:alpha val="50000"/>
+      </a:schemeClr>
+    </dgm:fillClrLst>
+    <dgm:linClrLst meth="repeat">
+      <a:schemeClr val="lt1"/>
+    </dgm:linClrLst>
+    <dgm:effectClrLst/>
+    <dgm:txLinClrLst/>
+    <dgm:txFillClrLst/>
+    <dgm:txEffectClrLst/>
+  </dgm:styleLbl>
+  <dgm:styleLbl name="node2">
+    <dgm:fillClrLst meth="repeat">
+      <a:schemeClr val="accent1"/>
+    </dgm:fillClrLst>
+    <dgm:linClrLst meth="repeat">
+      <a:schemeClr val="lt1"/>
+    </dgm:linClrLst>
+    <dgm:effectClrLst/>
+    <dgm:txLinClrLst/>
+    <dgm:txFillClrLst/>
+    <dgm:txEffectClrLst/>
+  </dgm:styleLbl>
+  <dgm:styleLbl name="node3">
+    <dgm:fillClrLst meth="repeat">
+      <a:schemeClr val="accent1"/>
+    </dgm:fillClrLst>
+    <dgm:linClrLst meth="repeat">
+      <a:schemeClr val="lt1"/>
+    </dgm:linClrLst>
+    <dgm:effectClrLst/>
+    <dgm:txLinClrLst/>
+    <dgm:txFillClrLst/>
+    <dgm:txEffectClrLst/>
+  </dgm:styleLbl>
+  <dgm:styleLbl name="node4">
+    <dgm:fillClrLst meth="repeat">
+      <a:schemeClr val="accent1"/>
+    </dgm:fillClrLst>
+    <dgm:linClrLst meth="repeat">
+      <a:schemeClr val="lt1"/>
+    </dgm:linClrLst>
+    <dgm:effectClrLst/>
+    <dgm:txLinClrLst/>
+    <dgm:txFillClrLst/>
+    <dgm:txEffectClrLst/>
+  </dgm:styleLbl>
+  <dgm:styleLbl name="fgImgPlace1">
+    <dgm:fillClrLst meth="repeat">
+      <a:schemeClr val="accent1">
+        <a:tint val="50000"/>
+      </a:schemeClr>
+    </dgm:fillClrLst>
+    <dgm:linClrLst meth="repeat">
+      <a:schemeClr val="lt1"/>
+    </dgm:linClrLst>
+    <dgm:effectClrLst/>
+    <dgm:txLinClrLst/>
+    <dgm:txFillClrLst meth="repeat">
+      <a:schemeClr val="lt1"/>
+    </dgm:txFillClrLst>
+    <dgm:txEffectClrLst/>
+  </dgm:styleLbl>
+  <dgm:styleLbl name="alignImgPlace1">
+    <dgm:fillClrLst meth="repeat">
+      <a:schemeClr val="accent1">
+        <a:tint val="50000"/>
+      </a:schemeClr>
+    </dgm:fillClrLst>
+    <dgm:linClrLst meth="repeat">
+      <a:schemeClr val="lt1"/>
+    </dgm:linClrLst>
+    <dgm:effectClrLst/>
+    <dgm:txLinClrLst/>
+    <dgm:txFillClrLst meth="repeat">
+      <a:schemeClr val="lt1"/>
+    </dgm:txFillClrLst>
+    <dgm:txEffectClrLst/>
+  </dgm:styleLbl>
+  <dgm:styleLbl name="bgImgPlace1">
+    <dgm:fillClrLst meth="repeat">
+      <a:schemeClr val="accent1">
+        <a:tint val="50000"/>
+      </a:schemeClr>
+    </dgm:fillClrLst>
+    <dgm:linClrLst meth="repeat">
+      <a:schemeClr val="lt1"/>
+    </dgm:linClrLst>
+    <dgm:effectClrLst/>
+    <dgm:txLinClrLst/>
+    <dgm:txFillClrLst meth="repeat">
+      <a:schemeClr val="lt1"/>
+    </dgm:txFillClrLst>
+    <dgm:txEffectClrLst/>
+  </dgm:styleLbl>
+  <dgm:styleLbl name="sibTrans2D1">
+    <dgm:fillClrLst meth="repeat">
+      <a:schemeClr val="accent1">
+        <a:tint val="60000"/>
+      </a:schemeClr>
+    </dgm:fillClrLst>
+    <dgm:linClrLst meth="repeat">
+      <a:schemeClr val="accent1">
+        <a:tint val="60000"/>
+      </a:schemeClr>
+    </dgm:linClrLst>
+    <dgm:effectClrLst/>
+    <dgm:txLinClrLst/>
+    <dgm:txFillClrLst/>
+    <dgm:txEffectClrLst/>
+  </dgm:styleLbl>
+  <dgm:styleLbl name="fgSibTrans2D1">
+    <dgm:fillClrLst meth="repeat">
+      <a:schemeClr val="accent1">
+        <a:tint val="60000"/>
+      </a:schemeClr>
+    </dgm:fillClrLst>
+    <dgm:linClrLst meth="repeat">
+      <a:schemeClr val="accent1">
+        <a:tint val="60000"/>
+      </a:schemeClr>
+    </dgm:linClrLst>
+    <dgm:effectClrLst/>
+    <dgm:txLinClrLst/>
+    <dgm:txFillClrLst/>
+    <dgm:txEffectClrLst/>
+  </dgm:styleLbl>
+  <dgm:styleLbl name="bgSibTrans2D1">
+    <dgm:fillClrLst meth="repeat">
+      <a:schemeClr val="accent1">
+        <a:tint val="60000"/>
+      </a:schemeClr>
+    </dgm:fillClrLst>
+    <dgm:linClrLst meth="repeat">
+      <a:schemeClr val="accent1">
+        <a:tint val="60000"/>
+      </a:schemeClr>
+    </dgm:linClrLst>
+    <dgm:effectClrLst/>
+    <dgm:txLinClrLst/>
+    <dgm:txFillClrLst/>
+    <dgm:txEffectClrLst/>
+  </dgm:styleLbl>
+  <dgm:styleLbl name="sibTrans1D1">
+    <dgm:fillClrLst meth="repeat">
+      <a:schemeClr val="accent1"/>
+    </dgm:fillClrLst>
+    <dgm:linClrLst meth="repeat">
+      <a:schemeClr val="accent1"/>
+    </dgm:linClrLst>
+    <dgm:effectClrLst/>
+    <dgm:txLinClrLst/>
+    <dgm:txFillClrLst meth="repeat">
+      <a:schemeClr val="tx1"/>
+    </dgm:txFillClrLst>
+    <dgm:txEffectClrLst/>
+  </dgm:styleLbl>
+  <dgm:styleLbl name="callout">
+    <dgm:fillClrLst meth="repeat">
+      <a:schemeClr val="accent1"/>
+    </dgm:fillClrLst>
+    <dgm:linClrLst meth="repeat">
+      <a:schemeClr val="accent1">
+        <a:tint val="50000"/>
+      </a:schemeClr>
+    </dgm:linClrLst>
+    <dgm:effectClrLst/>
+    <dgm:txLinClrLst/>
+    <dgm:txFillClrLst meth="repeat">
+      <a:schemeClr val="tx1"/>
+    </dgm:txFillClrLst>
+    <dgm:txEffectClrLst/>
+  </dgm:styleLbl>
+  <dgm:styleLbl name="asst0">
+    <dgm:fillClrLst meth="repeat">
+      <a:schemeClr val="accent1"/>
+    </dgm:fillClrLst>
+    <dgm:linClrLst meth="repeat">
+      <a:schemeClr val="lt1"/>
+    </dgm:linClrLst>
+    <dgm:effectClrLst/>
+    <dgm:txLinClrLst/>
+    <dgm:txFillClrLst/>
+    <dgm:txEffectClrLst/>
+  </dgm:styleLbl>
+  <dgm:styleLbl name="asst1">
+    <dgm:fillClrLst meth="repeat">
+      <a:schemeClr val="accent1"/>
+    </dgm:fillClrLst>
+    <dgm:linClrLst meth="repeat">
+      <a:schemeClr val="lt1"/>
+    </dgm:linClrLst>
+    <dgm:effectClrLst/>
+    <dgm:txLinClrLst/>
+    <dgm:txFillClrLst/>
+    <dgm:txEffectClrLst/>
+  </dgm:styleLbl>
+  <dgm:styleLbl name="asst2">
+    <dgm:fillClrLst meth="repeat">
+      <a:schemeClr val="accent1"/>
+    </dgm:fillClrLst>
+    <dgm:linClrLst meth="repeat">
+      <a:schemeClr val="lt1"/>
+    </dgm:linClrLst>
+    <dgm:effectClrLst/>
+    <dgm:txLinClrLst/>
+    <dgm:txFillClrLst/>
+    <dgm:txEffectClrLst/>
+  </dgm:styleLbl>
+  <dgm:styleLbl name="asst3">
+    <dgm:fillClrLst meth="repeat">
+      <a:schemeClr val="accent1"/>
+    </dgm:fillClrLst>
+    <dgm:linClrLst meth="repeat">
+      <a:schemeClr val="lt1"/>
+    </dgm:linClrLst>
+    <dgm:effectClrLst/>
+    <dgm:txLinClrLst/>
+    <dgm:txFillClrLst/>
+    <dgm:txEffectClrLst/>
+  </dgm:styleLbl>
+  <dgm:styleLbl name="asst4">
+    <dgm:fillClrLst meth="repeat">
+      <a:schemeClr val="accent1"/>
+    </dgm:fillClrLst>
+    <dgm:linClrLst meth="repeat">
+      <a:schemeClr val="lt1"/>
+    </dgm:linClrLst>
+    <dgm:effectClrLst/>
+    <dgm:txLinClrLst/>
+    <dgm:txFillClrLst/>
+    <dgm:txEffectClrLst/>
+  </dgm:styleLbl>
+  <dgm:styleLbl name="parChTrans2D1">
+    <dgm:fillClrLst meth="repeat">
+      <a:schemeClr val="accent1">
+        <a:tint val="60000"/>
+      </a:schemeClr>
+    </dgm:fillClrLst>
+    <dgm:linClrLst meth="repeat">
+      <a:schemeClr val="accent1">
+        <a:tint val="60000"/>
+      </a:schemeClr>
+    </dgm:linClrLst>
+    <dgm:effectClrLst/>
+    <dgm:txLinClrLst/>
+    <dgm:txFillClrLst meth="repeat">
+      <a:schemeClr val="lt1"/>
+    </dgm:txFillClrLst>
+    <dgm:txEffectClrLst/>
+  </dgm:styleLbl>
+  <dgm:styleLbl name="parChTrans2D2">
+    <dgm:fillClrLst meth="repeat">
+      <a:schemeClr val="accent1"/>
+    </dgm:fillClrLst>
+    <dgm:linClrLst meth="repeat">
+      <a:schemeClr val="accent1"/>
+    </dgm:linClrLst>
+    <dgm:effectClrLst/>
+    <dgm:txLinClrLst/>
+    <dgm:txFillClrLst meth="repeat">
+      <a:schemeClr val="lt1"/>
+    </dgm:txFillClrLst>
+    <dgm:txEffectClrLst/>
+  </dgm:styleLbl>
+  <dgm:styleLbl name="parChTrans2D3">
+    <dgm:fillClrLst meth="repeat">
+      <a:schemeClr val="accent1"/>
+    </dgm:fillClrLst>
+    <dgm:linClrLst meth="repeat">
+      <a:schemeClr val="accent1"/>
+    </dgm:linClrLst>
+    <dgm:effectClrLst/>
+    <dgm:txLinClrLst/>
+    <dgm:txFillClrLst meth="repeat">
+      <a:schemeClr val="lt1"/>
+    </dgm:txFillClrLst>
+    <dgm:txEffectClrLst/>
+  </dgm:styleLbl>
+  <dgm:styleLbl name="parChTrans2D4">
+    <dgm:fillClrLst meth="repeat">
+      <a:schemeClr val="accent1"/>
+    </dgm:fillClrLst>
+    <dgm:linClrLst meth="repeat">
+      <a:schemeClr val="accent1"/>
+    </dgm:linClrLst>
+    <dgm:effectClrLst/>
+    <dgm:txLinClrLst/>
+    <dgm:txFillClrLst meth="repeat">
+      <a:schemeClr val="lt1"/>
+    </dgm:txFillClrLst>
+    <dgm:txEffectClrLst/>
+  </dgm:styleLbl>
+  <dgm:styleLbl name="parChTrans1D1">
+    <dgm:fillClrLst meth="repeat">
+      <a:schemeClr val="accent1"/>
+    </dgm:fillClrLst>
+    <dgm:linClrLst meth="repeat">
+      <a:schemeClr val="accent1">
+        <a:shade val="60000"/>
+      </a:schemeClr>
+    </dgm:linClrLst>
+    <dgm:effectClrLst/>
+    <dgm:txLinClrLst/>
+    <dgm:txFillClrLst meth="repeat">
+      <a:schemeClr val="tx1"/>
+    </dgm:txFillClrLst>
+    <dgm:txEffectClrLst/>
+  </dgm:styleLbl>
+  <dgm:styleLbl name="parChTrans1D2">
+    <dgm:fillClrLst meth="repeat">
+      <a:schemeClr val="accent1"/>
+    </dgm:fillClrLst>
+    <dgm:linClrLst meth="repeat">
+      <a:schemeClr val="accent1">
+        <a:shade val="60000"/>
+      </a:schemeClr>
+    </dgm:linClrLst>
+    <dgm:effectClrLst/>
+    <dgm:txLinClrLst/>
+    <dgm:txFillClrLst meth="repeat">
+      <a:schemeClr val="tx1"/>
+    </dgm:txFillClrLst>
+    <dgm:txEffectClrLst/>
+  </dgm:styleLbl>
+  <dgm:styleLbl name="parChTrans1D3">
+    <dgm:fillClrLst meth="repeat">
+      <a:schemeClr val="accent1"/>
+    </dgm:fillClrLst>
+    <dgm:linClrLst meth="repeat">
+      <a:schemeClr val="accent1">
+        <a:shade val="80000"/>
+      </a:schemeClr>
+    </dgm:linClrLst>
+    <dgm:effectClrLst/>
+    <dgm:txLinClrLst/>
+    <dgm:txFillClrLst meth="repeat">
+      <a:schemeClr val="tx1"/>
+    </dgm:txFillClrLst>
+    <dgm:txEffectClrLst/>
+  </dgm:styleLbl>
+  <dgm:styleLbl name="parChTrans1D4">
+    <dgm:fillClrLst meth="repeat">
+      <a:schemeClr val="accent1"/>
+    </dgm:fillClrLst>
+    <dgm:linClrLst meth="repeat">
+      <a:schemeClr val="accent1">
+        <a:shade val="80000"/>
+      </a:schemeClr>
+    </dgm:linClrLst>
+    <dgm:effectClrLst/>
+    <dgm:txLinClrLst/>
+    <dgm:txFillClrLst meth="repeat">
+      <a:schemeClr val="tx1"/>
+    </dgm:txFillClrLst>
+    <dgm:txEffectClrLst/>
+  </dgm:styleLbl>
+  <dgm:styleLbl name="fgAcc1">
+    <dgm:fillClrLst meth="repeat">
+      <a:schemeClr val="lt1">
+        <a:alpha val="90000"/>
+      </a:schemeClr>
+    </dgm:fillClrLst>
+    <dgm:linClrLst meth="repeat">
+      <a:schemeClr val="accent1"/>
+    </dgm:linClrLst>
+    <dgm:effectClrLst/>
+    <dgm:txLinClrLst/>
+    <dgm:txFillClrLst meth="repeat">
+      <a:schemeClr val="dk1"/>
+    </dgm:txFillClrLst>
+    <dgm:txEffectClrLst/>
+  </dgm:styleLbl>
+  <dgm:styleLbl name="conFgAcc1">
+    <dgm:fillClrLst meth="repeat">
+      <a:schemeClr val="lt1">
+        <a:alpha val="90000"/>
+      </a:schemeClr>
+    </dgm:fillClrLst>
+    <dgm:linClrLst meth="repeat">
+      <a:schemeClr val="accent1"/>
+    </dgm:linClrLst>
+    <dgm:effectClrLst/>
+    <dgm:txLinClrLst/>
+    <dgm:txFillClrLst meth="repeat">
+      <a:schemeClr val="dk1"/>
+    </dgm:txFillClrLst>
+    <dgm:txEffectClrLst/>
+  </dgm:styleLbl>
+  <dgm:styleLbl name="alignAcc1">
+    <dgm:fillClrLst meth="repeat">
+      <a:schemeClr val="lt1">
+        <a:alpha val="90000"/>
+      </a:schemeClr>
+    </dgm:fillClrLst>
+    <dgm:linClrLst meth="repeat">
+      <a:schemeClr val="accent1"/>
+    </dgm:linClrLst>
+    <dgm:effectClrLst/>
+    <dgm:txLinClrLst/>
+    <dgm:txFillClrLst meth="repeat">
+      <a:schemeClr val="dk1"/>
+    </dgm:txFillClrLst>
+    <dgm:txEffectClrLst/>
+  </dgm:styleLbl>
+  <dgm:styleLbl name="trAlignAcc1">
+    <dgm:fillClrLst meth="repeat">
+      <a:schemeClr val="lt1">
+        <a:alpha val="40000"/>
+      </a:schemeClr>
+    </dgm:fillClrLst>
+    <dgm:linClrLst meth="repeat">
+      <a:schemeClr val="accent1"/>
+    </dgm:linClrLst>
+    <dgm:effectClrLst/>
+    <dgm:txLinClrLst/>
+    <dgm:txFillClrLst meth="repeat">
+      <a:schemeClr val="dk1"/>
+    </dgm:txFillClrLst>
+    <dgm:txEffectClrLst/>
+  </dgm:styleLbl>
+  <dgm:styleLbl name="bgAcc1">
+    <dgm:fillClrLst meth="repeat">
+      <a:schemeClr val="lt1">
+        <a:alpha val="90000"/>
+      </a:schemeClr>
+    </dgm:fillClrLst>
+    <dgm:linClrLst meth="repeat">
+      <a:schemeClr val="accent1"/>
+    </dgm:linClrLst>
+    <dgm:effectClrLst/>
+    <dgm:txLinClrLst/>
+    <dgm:txFillClrLst meth="repeat">
+      <a:schemeClr val="dk1"/>
+    </dgm:txFillClrLst>
+    <dgm:txEffectClrLst/>
+  </dgm:styleLbl>
+  <dgm:styleLbl name="solidFgAcc1">
+    <dgm:fillClrLst meth="repeat">
+      <a:schemeClr val="lt1"/>
+    </dgm:fillClrLst>
+    <dgm:linClrLst meth="repeat">
+      <a:schemeClr val="accent1"/>
+    </dgm:linClrLst>
+    <dgm:effectClrLst/>
+    <dgm:txLinClrLst/>
+    <dgm:txFillClrLst meth="repeat">
+      <a:schemeClr val="dk1"/>
+    </dgm:txFillClrLst>
+    <dgm:txEffectClrLst/>
+  </dgm:styleLbl>
+  <dgm:styleLbl name="solidAlignAcc1">
+    <dgm:fillClrLst meth="repeat">
+      <a:schemeClr val="lt1"/>
+    </dgm:fillClrLst>
+    <dgm:linClrLst meth="repeat">
+      <a:schemeClr val="accent1"/>
+    </dgm:linClrLst>
+    <dgm:effectClrLst/>
+    <dgm:txLinClrLst/>
+    <dgm:txFillClrLst meth="repeat">
+      <a:schemeClr val="dk1"/>
+    </dgm:txFillClrLst>
+    <dgm:txEffectClrLst/>
+  </dgm:styleLbl>
+  <dgm:styleLbl name="solidBgAcc1">
+    <dgm:fillClrLst meth="repeat">
+      <a:schemeClr val="lt1"/>
+    </dgm:fillClrLst>
+    <dgm:linClrLst meth="repeat">
+      <a:schemeClr val="accent1"/>
+    </dgm:linClrLst>
+    <dgm:effectClrLst/>
+    <dgm:txLinClrLst/>
+    <dgm:txFillClrLst meth="repeat">
+      <a:schemeClr val="dk1"/>
+    </dgm:txFillClrLst>
+    <dgm:txEffectClrLst/>
+  </dgm:styleLbl>
+  <dgm:styleLbl name="fgAccFollowNode1">
+    <dgm:fillClrLst meth="repeat">
+      <a:schemeClr val="accent1">
+        <a:alpha val="90000"/>
+        <a:tint val="40000"/>
+      </a:schemeClr>
+    </dgm:fillClrLst>
+    <dgm:linClrLst meth="repeat">
+      <a:schemeClr val="accent1">
+        <a:alpha val="90000"/>
+        <a:tint val="40000"/>
+      </a:schemeClr>
+    </dgm:linClrLst>
+    <dgm:effectClrLst/>
+    <dgm:txLinClrLst/>
+    <dgm:txFillClrLst meth="repeat">
+      <a:schemeClr val="dk1"/>
+    </dgm:txFillClrLst>
+    <dgm:txEffectClrLst/>
+  </dgm:styleLbl>
+  <dgm:styleLbl name="alignAccFollowNode1">
+    <dgm:fillClrLst meth="repeat">
+      <a:schemeClr val="accent1">
+        <a:alpha val="90000"/>
+        <a:tint val="40000"/>
+      </a:schemeClr>
+    </dgm:fillClrLst>
+    <dgm:linClrLst meth="repeat">
+      <a:schemeClr val="accent1">
+        <a:alpha val="90000"/>
+        <a:tint val="40000"/>
+      </a:schemeClr>
+    </dgm:linClrLst>
+    <dgm:effectClrLst/>
+    <dgm:txLinClrLst/>
+    <dgm:txFillClrLst meth="repeat">
+      <a:schemeClr val="dk1"/>
+    </dgm:txFillClrLst>
+    <dgm:txEffectClrLst/>
+  </dgm:styleLbl>
+  <dgm:styleLbl name="bgAccFollowNode1">
+    <dgm:fillClrLst meth="repeat">
+      <a:schemeClr val="accent1">
+        <a:alpha val="90000"/>
+        <a:tint val="40000"/>
+      </a:schemeClr>
+    </dgm:fillClrLst>
+    <dgm:linClrLst meth="repeat">
+      <a:schemeClr val="accent1">
+        <a:alpha val="90000"/>
+        <a:tint val="40000"/>
+      </a:schemeClr>
+    </dgm:linClrLst>
+    <dgm:effectClrLst/>
+    <dgm:txLinClrLst/>
+    <dgm:txFillClrLst meth="repeat">
+      <a:schemeClr val="dk1"/>
+    </dgm:txFillClrLst>
+    <dgm:txEffectClrLst/>
+  </dgm:styleLbl>
+  <dgm:styleLbl name="fgAcc0">
+    <dgm:fillClrLst meth="repeat">
+      <a:schemeClr val="lt1">
+        <a:alpha val="90000"/>
+      </a:schemeClr>
+    </dgm:fillClrLst>
+    <dgm:linClrLst meth="repeat">
+      <a:schemeClr val="accent1"/>
+    </dgm:linClrLst>
+    <dgm:effectClrLst/>
+    <dgm:txLinClrLst/>
+    <dgm:txFillClrLst meth="repeat">
+      <a:schemeClr val="dk1"/>
+    </dgm:txFillClrLst>
+    <dgm:txEffectClrLst/>
+  </dgm:styleLbl>
+  <dgm:styleLbl name="fgAcc2">
+    <dgm:fillClrLst meth="repeat">
+      <a:schemeClr val="lt1">
+        <a:alpha val="90000"/>
+      </a:schemeClr>
+    </dgm:fillClrLst>
+    <dgm:linClrLst meth="repeat">
+      <a:schemeClr val="accent1"/>
+    </dgm:linClrLst>
+    <dgm:effectClrLst/>
+    <dgm:txLinClrLst/>
+    <dgm:txFillClrLst meth="repeat">
+      <a:schemeClr val="dk1"/>
+    </dgm:txFillClrLst>
+    <dgm:txEffectClrLst/>
+  </dgm:styleLbl>
+  <dgm:styleLbl name="fgAcc3">
+    <dgm:fillClrLst meth="repeat">
+      <a:schemeClr val="lt1">
+        <a:alpha val="90000"/>
+      </a:schemeClr>
+    </dgm:fillClrLst>
+    <dgm:linClrLst meth="repeat">
+      <a:schemeClr val="accent1"/>
+    </dgm:linClrLst>
+    <dgm:effectClrLst/>
+    <dgm:txLinClrLst/>
+    <dgm:txFillClrLst meth="repeat">
+      <a:schemeClr val="dk1"/>
+    </dgm:txFillClrLst>
+    <dgm:txEffectClrLst/>
+  </dgm:styleLbl>
+  <dgm:styleLbl name="fgAcc4">
+    <dgm:fillClrLst meth="repeat">
+      <a:schemeClr val="lt1">
+        <a:alpha val="90000"/>
+      </a:schemeClr>
+    </dgm:fillClrLst>
+    <dgm:linClrLst meth="repeat">
+      <a:schemeClr val="accent1"/>
+    </dgm:linClrLst>
+    <dgm:effectClrLst/>
+    <dgm:txLinClrLst/>
+    <dgm:txFillClrLst meth="repeat">
+      <a:schemeClr val="dk1"/>
+    </dgm:txFillClrLst>
+    <dgm:txEffectClrLst/>
+  </dgm:styleLbl>
+  <dgm:styleLbl name="bgShp">
+    <dgm:fillClrLst meth="repeat">
+      <a:schemeClr val="accent1">
+        <a:tint val="40000"/>
+      </a:schemeClr>
+    </dgm:fillClrLst>
+    <dgm:linClrLst meth="repeat">
+      <a:schemeClr val="accent1"/>
+    </dgm:linClrLst>
+    <dgm:effectClrLst/>
+    <dgm:txLinClrLst/>
+    <dgm:txFillClrLst meth="repeat">
+      <a:schemeClr val="dk1"/>
+    </dgm:txFillClrLst>
+    <dgm:txEffectClrLst/>
+  </dgm:styleLbl>
+  <dgm:styleLbl name="dkBgShp">
+    <dgm:fillClrLst meth="repeat">
+      <a:schemeClr val="accent1">
+        <a:shade val="80000"/>
+      </a:schemeClr>
+    </dgm:fillClrLst>
+    <dgm:linClrLst meth="repeat">
+      <a:schemeClr val="accent1"/>
+    </dgm:linClrLst>
+    <dgm:effectClrLst/>
+    <dgm:txLinClrLst/>
+    <dgm:txFillClrLst meth="repeat">
+      <a:schemeClr val="lt1"/>
+    </dgm:txFillClrLst>
+    <dgm:txEffectClrLst/>
+  </dgm:styleLbl>
+  <dgm:styleLbl name="trBgShp">
+    <dgm:fillClrLst meth="repeat">
+      <a:schemeClr val="accent1">
+        <a:tint val="50000"/>
+        <a:alpha val="40000"/>
+      </a:schemeClr>
+    </dgm:fillClrLst>
+    <dgm:linClrLst meth="repeat">
+      <a:schemeClr val="accent1"/>
+    </dgm:linClrLst>
+    <dgm:effectClrLst/>
+    <dgm:txLinClrLst/>
+    <dgm:txFillClrLst meth="repeat">
+      <a:schemeClr val="lt1"/>
+    </dgm:txFillClrLst>
+    <dgm:txEffectClrLst/>
+  </dgm:styleLbl>
+  <dgm:styleLbl name="fgShp">
+    <dgm:fillClrLst meth="repeat">
+      <a:schemeClr val="accent1">
+        <a:tint val="60000"/>
+      </a:schemeClr>
+    </dgm:fillClrLst>
+    <dgm:linClrLst meth="repeat">
+      <a:schemeClr val="lt1"/>
+    </dgm:linClrLst>
+    <dgm:effectClrLst/>
+    <dgm:txLinClrLst/>
+    <dgm:txFillClrLst meth="repeat">
+      <a:schemeClr val="dk1"/>
+    </dgm:txFillClrLst>
+    <dgm:txEffectClrLst/>
+  </dgm:styleLbl>
+  <dgm:styleLbl name="revTx">
+    <dgm:fillClrLst meth="repeat">
+      <a:schemeClr val="lt1">
+        <a:alpha val="0"/>
+      </a:schemeClr>
+    </dgm:fillClrLst>
+    <dgm:linClrLst meth="repeat">
+      <a:schemeClr val="dk1">
+        <a:alpha val="0"/>
+      </a:schemeClr>
+    </dgm:linClrLst>
+    <dgm:effectClrLst/>
+    <dgm:txLinClrLst/>
+    <dgm:txFillClrLst meth="repeat">
+      <a:schemeClr val="tx1"/>
+    </dgm:txFillClrLst>
+    <dgm:txEffectClrLst/>
+  </dgm:styleLbl>
+</dgm:colorsDef>
+</file>
+
+<file path=ppt/diagrams/data1.xml><?xml version="1.0" encoding="utf-8"?>
+<dgm:dataModel xmlns:dgm="http://schemas.openxmlformats.org/drawingml/2006/diagram" xmlns:a="http://schemas.openxmlformats.org/drawingml/2006/main">
+  <dgm:ptLst>
+    <dgm:pt modelId="{0A049624-F252-4B91-BC7F-0E85573DA264}" type="doc">
+      <dgm:prSet loTypeId="urn:microsoft.com/office/officeart/2005/8/layout/process2" loCatId="process" qsTypeId="urn:microsoft.com/office/officeart/2005/8/quickstyle/simple1" qsCatId="simple" csTypeId="urn:microsoft.com/office/officeart/2005/8/colors/accent1_2" csCatId="accent1" phldr="1"/>
+      <dgm:spPr/>
+    </dgm:pt>
+    <dgm:pt modelId="{AAB946D0-0D78-4E1B-A7CC-E4F348169FF1}">
+      <dgm:prSet phldrT="[Text]"/>
+      <dgm:spPr/>
+      <dgm:t>
+        <a:bodyPr/>
+        <a:lstStyle/>
+        <a:p>
+          <a:r>
+            <a:rPr lang="en-GB" dirty="0">
+              <a:latin typeface="Times New Roman" panose="02020603050405020304" pitchFamily="18" charset="0"/>
+              <a:cs typeface="Times New Roman" panose="02020603050405020304" pitchFamily="18" charset="0"/>
+            </a:rPr>
+            <a:t>Input Layer</a:t>
+          </a:r>
+        </a:p>
+      </dgm:t>
+    </dgm:pt>
+    <dgm:pt modelId="{1D013CB5-2740-4BDC-BB51-9C554EC1D6A8}" type="parTrans" cxnId="{5A7BF5B3-F41B-4ACD-BBA0-9A25579A0FEC}">
+      <dgm:prSet/>
+      <dgm:spPr/>
+      <dgm:t>
+        <a:bodyPr/>
+        <a:lstStyle/>
+        <a:p>
+          <a:endParaRPr lang="en-GB"/>
+        </a:p>
+      </dgm:t>
+    </dgm:pt>
+    <dgm:pt modelId="{C3856AAB-159D-4D93-AE11-EA938296641B}" type="sibTrans" cxnId="{5A7BF5B3-F41B-4ACD-BBA0-9A25579A0FEC}">
+      <dgm:prSet/>
+      <dgm:spPr/>
+      <dgm:t>
+        <a:bodyPr/>
+        <a:lstStyle/>
+        <a:p>
+          <a:endParaRPr lang="en-GB">
+            <a:latin typeface="Times New Roman" panose="02020603050405020304" pitchFamily="18" charset="0"/>
+            <a:cs typeface="Times New Roman" panose="02020603050405020304" pitchFamily="18" charset="0"/>
+          </a:endParaRPr>
+        </a:p>
+      </dgm:t>
+    </dgm:pt>
+    <dgm:pt modelId="{43788545-8846-4862-905A-755C531EF1C1}">
+      <dgm:prSet phldrT="[Text]"/>
+      <dgm:spPr/>
+      <dgm:t>
+        <a:bodyPr/>
+        <a:lstStyle/>
+        <a:p>
+          <a:r>
+            <a:rPr lang="en-GB" dirty="0">
+              <a:latin typeface="Times New Roman" panose="02020603050405020304" pitchFamily="18" charset="0"/>
+              <a:cs typeface="Times New Roman" panose="02020603050405020304" pitchFamily="18" charset="0"/>
+            </a:rPr>
+            <a:t>LSTM</a:t>
+          </a:r>
+        </a:p>
+      </dgm:t>
+    </dgm:pt>
+    <dgm:pt modelId="{11E9BE05-8747-4BE9-8325-D4440D3A79D4}" type="parTrans" cxnId="{6320593F-7898-465F-A4AA-97B511EDC010}">
+      <dgm:prSet/>
+      <dgm:spPr/>
+      <dgm:t>
+        <a:bodyPr/>
+        <a:lstStyle/>
+        <a:p>
+          <a:endParaRPr lang="en-GB"/>
+        </a:p>
+      </dgm:t>
+    </dgm:pt>
+    <dgm:pt modelId="{1221B884-3C01-4648-9765-B6CAE78EB571}" type="sibTrans" cxnId="{6320593F-7898-465F-A4AA-97B511EDC010}">
+      <dgm:prSet/>
+      <dgm:spPr/>
+      <dgm:t>
+        <a:bodyPr/>
+        <a:lstStyle/>
+        <a:p>
+          <a:endParaRPr lang="en-GB">
+            <a:latin typeface="Times New Roman" panose="02020603050405020304" pitchFamily="18" charset="0"/>
+            <a:cs typeface="Times New Roman" panose="02020603050405020304" pitchFamily="18" charset="0"/>
+          </a:endParaRPr>
+        </a:p>
+      </dgm:t>
+    </dgm:pt>
+    <dgm:pt modelId="{FE623734-9450-408E-B160-A3CC08C995DA}">
+      <dgm:prSet phldrT="[Text]"/>
+      <dgm:spPr/>
+      <dgm:t>
+        <a:bodyPr/>
+        <a:lstStyle/>
+        <a:p>
+          <a:r>
+            <a:rPr lang="en-GB" dirty="0">
+              <a:latin typeface="Times New Roman" panose="02020603050405020304" pitchFamily="18" charset="0"/>
+              <a:cs typeface="Times New Roman" panose="02020603050405020304" pitchFamily="18" charset="0"/>
+            </a:rPr>
+            <a:t>Dropout</a:t>
+          </a:r>
+        </a:p>
+      </dgm:t>
+    </dgm:pt>
+    <dgm:pt modelId="{6E55F268-8D98-434E-A6FC-2998838F1283}" type="parTrans" cxnId="{D1D04ADB-C4D2-4F35-B1E0-00DFF95F7A5C}">
+      <dgm:prSet/>
+      <dgm:spPr/>
+      <dgm:t>
+        <a:bodyPr/>
+        <a:lstStyle/>
+        <a:p>
+          <a:endParaRPr lang="en-GB"/>
+        </a:p>
+      </dgm:t>
+    </dgm:pt>
+    <dgm:pt modelId="{D134C256-D55E-4A7B-9388-DA06867FA942}" type="sibTrans" cxnId="{D1D04ADB-C4D2-4F35-B1E0-00DFF95F7A5C}">
+      <dgm:prSet/>
+      <dgm:spPr/>
+      <dgm:t>
+        <a:bodyPr/>
+        <a:lstStyle/>
+        <a:p>
+          <a:endParaRPr lang="en-GB">
+            <a:latin typeface="Times New Roman" panose="02020603050405020304" pitchFamily="18" charset="0"/>
+            <a:cs typeface="Times New Roman" panose="02020603050405020304" pitchFamily="18" charset="0"/>
+          </a:endParaRPr>
+        </a:p>
+      </dgm:t>
+    </dgm:pt>
+    <dgm:pt modelId="{2BC3420C-E36F-4553-A2C9-DF1A5A05697B}">
+      <dgm:prSet/>
+      <dgm:spPr/>
+      <dgm:t>
+        <a:bodyPr/>
+        <a:lstStyle/>
+        <a:p>
+          <a:r>
+            <a:rPr lang="en-GB" dirty="0">
+              <a:latin typeface="Times New Roman" panose="02020603050405020304" pitchFamily="18" charset="0"/>
+              <a:cs typeface="Times New Roman" panose="02020603050405020304" pitchFamily="18" charset="0"/>
+            </a:rPr>
+            <a:t>LSTM</a:t>
+          </a:r>
+        </a:p>
+      </dgm:t>
+    </dgm:pt>
+    <dgm:pt modelId="{212011DB-1CF7-479F-ACF6-699A7888EC67}" type="parTrans" cxnId="{A701C630-5F39-4F12-8E77-D54FD386945F}">
+      <dgm:prSet/>
+      <dgm:spPr/>
+      <dgm:t>
+        <a:bodyPr/>
+        <a:lstStyle/>
+        <a:p>
+          <a:endParaRPr lang="en-GB"/>
+        </a:p>
+      </dgm:t>
+    </dgm:pt>
+    <dgm:pt modelId="{6121BDA7-B87C-4C74-9D59-A00942ED4108}" type="sibTrans" cxnId="{A701C630-5F39-4F12-8E77-D54FD386945F}">
+      <dgm:prSet/>
+      <dgm:spPr/>
+      <dgm:t>
+        <a:bodyPr/>
+        <a:lstStyle/>
+        <a:p>
+          <a:endParaRPr lang="en-GB">
+            <a:latin typeface="Times New Roman" panose="02020603050405020304" pitchFamily="18" charset="0"/>
+            <a:cs typeface="Times New Roman" panose="02020603050405020304" pitchFamily="18" charset="0"/>
+          </a:endParaRPr>
+        </a:p>
+      </dgm:t>
+    </dgm:pt>
+    <dgm:pt modelId="{4EB6D730-C446-4A8A-9201-CD21585D5392}">
+      <dgm:prSet/>
+      <dgm:spPr/>
+      <dgm:t>
+        <a:bodyPr/>
+        <a:lstStyle/>
+        <a:p>
+          <a:r>
+            <a:rPr lang="en-GB" dirty="0">
+              <a:latin typeface="Times New Roman" panose="02020603050405020304" pitchFamily="18" charset="0"/>
+              <a:cs typeface="Times New Roman" panose="02020603050405020304" pitchFamily="18" charset="0"/>
+            </a:rPr>
+            <a:t>Dropout</a:t>
+          </a:r>
+        </a:p>
+      </dgm:t>
+    </dgm:pt>
+    <dgm:pt modelId="{7D509F0E-7353-4D1E-931D-25495E4B5441}" type="parTrans" cxnId="{635A8E07-0AF4-4EAE-B4E4-A829352EC9BC}">
+      <dgm:prSet/>
+      <dgm:spPr/>
+      <dgm:t>
+        <a:bodyPr/>
+        <a:lstStyle/>
+        <a:p>
+          <a:endParaRPr lang="en-GB"/>
+        </a:p>
+      </dgm:t>
+    </dgm:pt>
+    <dgm:pt modelId="{74A57F98-B0EB-4C55-A15E-95DDC2541BFB}" type="sibTrans" cxnId="{635A8E07-0AF4-4EAE-B4E4-A829352EC9BC}">
+      <dgm:prSet/>
+      <dgm:spPr/>
+      <dgm:t>
+        <a:bodyPr/>
+        <a:lstStyle/>
+        <a:p>
+          <a:endParaRPr lang="en-GB">
+            <a:latin typeface="Times New Roman" panose="02020603050405020304" pitchFamily="18" charset="0"/>
+            <a:cs typeface="Times New Roman" panose="02020603050405020304" pitchFamily="18" charset="0"/>
+          </a:endParaRPr>
+        </a:p>
+      </dgm:t>
+    </dgm:pt>
+    <dgm:pt modelId="{ECE564D6-5105-4EE5-997C-B68B1ACA217A}">
+      <dgm:prSet/>
+      <dgm:spPr/>
+      <dgm:t>
+        <a:bodyPr/>
+        <a:lstStyle/>
+        <a:p>
+          <a:r>
+            <a:rPr lang="en-GB" dirty="0">
+              <a:latin typeface="Times New Roman" panose="02020603050405020304" pitchFamily="18" charset="0"/>
+              <a:cs typeface="Times New Roman" panose="02020603050405020304" pitchFamily="18" charset="0"/>
+            </a:rPr>
+            <a:t>Output Layer</a:t>
+          </a:r>
+        </a:p>
+      </dgm:t>
+    </dgm:pt>
+    <dgm:pt modelId="{60E5F63A-2888-4DBB-8DB1-17BCB477100C}" type="parTrans" cxnId="{DCFF2456-8F42-40D7-8199-796BD0DB1501}">
+      <dgm:prSet/>
+      <dgm:spPr/>
+      <dgm:t>
+        <a:bodyPr/>
+        <a:lstStyle/>
+        <a:p>
+          <a:endParaRPr lang="en-GB"/>
+        </a:p>
+      </dgm:t>
+    </dgm:pt>
+    <dgm:pt modelId="{B5232B65-D95A-41C5-8552-C37C063B16A6}" type="sibTrans" cxnId="{DCFF2456-8F42-40D7-8199-796BD0DB1501}">
+      <dgm:prSet/>
+      <dgm:spPr/>
+      <dgm:t>
+        <a:bodyPr/>
+        <a:lstStyle/>
+        <a:p>
+          <a:endParaRPr lang="en-GB"/>
+        </a:p>
+      </dgm:t>
+    </dgm:pt>
+    <dgm:pt modelId="{11A99403-26B6-4C7A-8D6A-1CD165F91D1C}" type="pres">
+      <dgm:prSet presAssocID="{0A049624-F252-4B91-BC7F-0E85573DA264}" presName="linearFlow" presStyleCnt="0">
+        <dgm:presLayoutVars>
+          <dgm:resizeHandles val="exact"/>
+        </dgm:presLayoutVars>
+      </dgm:prSet>
+      <dgm:spPr/>
+    </dgm:pt>
+    <dgm:pt modelId="{6054A829-7E76-41E6-B71E-91E0914B2620}" type="pres">
+      <dgm:prSet presAssocID="{AAB946D0-0D78-4E1B-A7CC-E4F348169FF1}" presName="node" presStyleLbl="node1" presStyleIdx="0" presStyleCnt="6">
+        <dgm:presLayoutVars>
+          <dgm:bulletEnabled val="1"/>
+        </dgm:presLayoutVars>
+      </dgm:prSet>
+      <dgm:spPr/>
+    </dgm:pt>
+    <dgm:pt modelId="{383E600F-60CC-4447-BAEB-7248A660F830}" type="pres">
+      <dgm:prSet presAssocID="{C3856AAB-159D-4D93-AE11-EA938296641B}" presName="sibTrans" presStyleLbl="sibTrans2D1" presStyleIdx="0" presStyleCnt="5"/>
+      <dgm:spPr/>
+    </dgm:pt>
+    <dgm:pt modelId="{BE52E673-E2E4-49EB-A86D-EB8C467B983E}" type="pres">
+      <dgm:prSet presAssocID="{C3856AAB-159D-4D93-AE11-EA938296641B}" presName="connectorText" presStyleLbl="sibTrans2D1" presStyleIdx="0" presStyleCnt="5"/>
+      <dgm:spPr/>
+    </dgm:pt>
+    <dgm:pt modelId="{6C503D99-30F3-4F36-97EF-24D051AD4848}" type="pres">
+      <dgm:prSet presAssocID="{43788545-8846-4862-905A-755C531EF1C1}" presName="node" presStyleLbl="node1" presStyleIdx="1" presStyleCnt="6">
+        <dgm:presLayoutVars>
+          <dgm:bulletEnabled val="1"/>
+        </dgm:presLayoutVars>
+      </dgm:prSet>
+      <dgm:spPr/>
+    </dgm:pt>
+    <dgm:pt modelId="{E07FDDB8-706E-40BA-B009-3BFCC009D62F}" type="pres">
+      <dgm:prSet presAssocID="{1221B884-3C01-4648-9765-B6CAE78EB571}" presName="sibTrans" presStyleLbl="sibTrans2D1" presStyleIdx="1" presStyleCnt="5"/>
+      <dgm:spPr/>
+    </dgm:pt>
+    <dgm:pt modelId="{AECA3E14-BE0E-4B04-8D01-5CCD0152FA3C}" type="pres">
+      <dgm:prSet presAssocID="{1221B884-3C01-4648-9765-B6CAE78EB571}" presName="connectorText" presStyleLbl="sibTrans2D1" presStyleIdx="1" presStyleCnt="5"/>
+      <dgm:spPr/>
+    </dgm:pt>
+    <dgm:pt modelId="{09649040-238D-4A84-8D74-FD226F965C07}" type="pres">
+      <dgm:prSet presAssocID="{FE623734-9450-408E-B160-A3CC08C995DA}" presName="node" presStyleLbl="node1" presStyleIdx="2" presStyleCnt="6">
+        <dgm:presLayoutVars>
+          <dgm:bulletEnabled val="1"/>
+        </dgm:presLayoutVars>
+      </dgm:prSet>
+      <dgm:spPr/>
+    </dgm:pt>
+    <dgm:pt modelId="{67995EB8-7584-42DC-8514-81BE2E1DF0AA}" type="pres">
+      <dgm:prSet presAssocID="{D134C256-D55E-4A7B-9388-DA06867FA942}" presName="sibTrans" presStyleLbl="sibTrans2D1" presStyleIdx="2" presStyleCnt="5"/>
+      <dgm:spPr/>
+    </dgm:pt>
+    <dgm:pt modelId="{84715C5B-118E-4C61-8EEE-1B071F710CB5}" type="pres">
+      <dgm:prSet presAssocID="{D134C256-D55E-4A7B-9388-DA06867FA942}" presName="connectorText" presStyleLbl="sibTrans2D1" presStyleIdx="2" presStyleCnt="5"/>
+      <dgm:spPr/>
+    </dgm:pt>
+    <dgm:pt modelId="{DE71A388-1059-4B7F-8CC3-41BC54FE047B}" type="pres">
+      <dgm:prSet presAssocID="{2BC3420C-E36F-4553-A2C9-DF1A5A05697B}" presName="node" presStyleLbl="node1" presStyleIdx="3" presStyleCnt="6">
+        <dgm:presLayoutVars>
+          <dgm:bulletEnabled val="1"/>
+        </dgm:presLayoutVars>
+      </dgm:prSet>
+      <dgm:spPr/>
+    </dgm:pt>
+    <dgm:pt modelId="{0173D496-169F-4FE5-A51F-6408D09E87F2}" type="pres">
+      <dgm:prSet presAssocID="{6121BDA7-B87C-4C74-9D59-A00942ED4108}" presName="sibTrans" presStyleLbl="sibTrans2D1" presStyleIdx="3" presStyleCnt="5"/>
+      <dgm:spPr/>
+    </dgm:pt>
+    <dgm:pt modelId="{46296BB0-C931-49C7-A297-A104A48A17B8}" type="pres">
+      <dgm:prSet presAssocID="{6121BDA7-B87C-4C74-9D59-A00942ED4108}" presName="connectorText" presStyleLbl="sibTrans2D1" presStyleIdx="3" presStyleCnt="5"/>
+      <dgm:spPr/>
+    </dgm:pt>
+    <dgm:pt modelId="{2A7F7168-6A81-4C98-BC32-05D499FD3B2B}" type="pres">
+      <dgm:prSet presAssocID="{4EB6D730-C446-4A8A-9201-CD21585D5392}" presName="node" presStyleLbl="node1" presStyleIdx="4" presStyleCnt="6">
+        <dgm:presLayoutVars>
+          <dgm:bulletEnabled val="1"/>
+        </dgm:presLayoutVars>
+      </dgm:prSet>
+      <dgm:spPr/>
+    </dgm:pt>
+    <dgm:pt modelId="{89866E51-491D-4294-AF43-1D99D51564F1}" type="pres">
+      <dgm:prSet presAssocID="{74A57F98-B0EB-4C55-A15E-95DDC2541BFB}" presName="sibTrans" presStyleLbl="sibTrans2D1" presStyleIdx="4" presStyleCnt="5"/>
+      <dgm:spPr/>
+    </dgm:pt>
+    <dgm:pt modelId="{03B9B910-315D-4D37-9B3E-1F25DA666127}" type="pres">
+      <dgm:prSet presAssocID="{74A57F98-B0EB-4C55-A15E-95DDC2541BFB}" presName="connectorText" presStyleLbl="sibTrans2D1" presStyleIdx="4" presStyleCnt="5"/>
+      <dgm:spPr/>
+    </dgm:pt>
+    <dgm:pt modelId="{DBEC4543-E3A7-4707-AA0E-52B7A3A2CBEB}" type="pres">
+      <dgm:prSet presAssocID="{ECE564D6-5105-4EE5-997C-B68B1ACA217A}" presName="node" presStyleLbl="node1" presStyleIdx="5" presStyleCnt="6">
+        <dgm:presLayoutVars>
+          <dgm:bulletEnabled val="1"/>
+        </dgm:presLayoutVars>
+      </dgm:prSet>
+      <dgm:spPr/>
+    </dgm:pt>
+  </dgm:ptLst>
+  <dgm:cxnLst>
+    <dgm:cxn modelId="{C01F3303-40C9-48D1-8322-C3BE47F10CC5}" type="presOf" srcId="{4EB6D730-C446-4A8A-9201-CD21585D5392}" destId="{2A7F7168-6A81-4C98-BC32-05D499FD3B2B}" srcOrd="0" destOrd="0" presId="urn:microsoft.com/office/officeart/2005/8/layout/process2"/>
+    <dgm:cxn modelId="{FDD32004-1669-4766-B88C-EFDABD91C369}" type="presOf" srcId="{6121BDA7-B87C-4C74-9D59-A00942ED4108}" destId="{0173D496-169F-4FE5-A51F-6408D09E87F2}" srcOrd="0" destOrd="0" presId="urn:microsoft.com/office/officeart/2005/8/layout/process2"/>
+    <dgm:cxn modelId="{635A8E07-0AF4-4EAE-B4E4-A829352EC9BC}" srcId="{0A049624-F252-4B91-BC7F-0E85573DA264}" destId="{4EB6D730-C446-4A8A-9201-CD21585D5392}" srcOrd="4" destOrd="0" parTransId="{7D509F0E-7353-4D1E-931D-25495E4B5441}" sibTransId="{74A57F98-B0EB-4C55-A15E-95DDC2541BFB}"/>
+    <dgm:cxn modelId="{41AE0C1B-B4FA-4119-8CD2-E8EB4B20BF8E}" type="presOf" srcId="{1221B884-3C01-4648-9765-B6CAE78EB571}" destId="{E07FDDB8-706E-40BA-B009-3BFCC009D62F}" srcOrd="0" destOrd="0" presId="urn:microsoft.com/office/officeart/2005/8/layout/process2"/>
+    <dgm:cxn modelId="{41CEDE1D-93E8-4250-B210-AEBA92A4820F}" type="presOf" srcId="{D134C256-D55E-4A7B-9388-DA06867FA942}" destId="{84715C5B-118E-4C61-8EEE-1B071F710CB5}" srcOrd="1" destOrd="0" presId="urn:microsoft.com/office/officeart/2005/8/layout/process2"/>
+    <dgm:cxn modelId="{DB83991F-A1F8-4B83-862B-7AD054A87E08}" type="presOf" srcId="{C3856AAB-159D-4D93-AE11-EA938296641B}" destId="{BE52E673-E2E4-49EB-A86D-EB8C467B983E}" srcOrd="1" destOrd="0" presId="urn:microsoft.com/office/officeart/2005/8/layout/process2"/>
+    <dgm:cxn modelId="{A701C630-5F39-4F12-8E77-D54FD386945F}" srcId="{0A049624-F252-4B91-BC7F-0E85573DA264}" destId="{2BC3420C-E36F-4553-A2C9-DF1A5A05697B}" srcOrd="3" destOrd="0" parTransId="{212011DB-1CF7-479F-ACF6-699A7888EC67}" sibTransId="{6121BDA7-B87C-4C74-9D59-A00942ED4108}"/>
+    <dgm:cxn modelId="{6320593F-7898-465F-A4AA-97B511EDC010}" srcId="{0A049624-F252-4B91-BC7F-0E85573DA264}" destId="{43788545-8846-4862-905A-755C531EF1C1}" srcOrd="1" destOrd="0" parTransId="{11E9BE05-8747-4BE9-8325-D4440D3A79D4}" sibTransId="{1221B884-3C01-4648-9765-B6CAE78EB571}"/>
+    <dgm:cxn modelId="{01ADD462-686B-4E28-859F-BFB57E31E0DC}" type="presOf" srcId="{2BC3420C-E36F-4553-A2C9-DF1A5A05697B}" destId="{DE71A388-1059-4B7F-8CC3-41BC54FE047B}" srcOrd="0" destOrd="0" presId="urn:microsoft.com/office/officeart/2005/8/layout/process2"/>
+    <dgm:cxn modelId="{88A1A863-5F39-43C5-9EA4-CFC416E8A9E0}" type="presOf" srcId="{C3856AAB-159D-4D93-AE11-EA938296641B}" destId="{383E600F-60CC-4447-BAEB-7248A660F830}" srcOrd="0" destOrd="0" presId="urn:microsoft.com/office/officeart/2005/8/layout/process2"/>
+    <dgm:cxn modelId="{801EC847-7A2A-4EBB-97E4-DF963F6628C5}" type="presOf" srcId="{74A57F98-B0EB-4C55-A15E-95DDC2541BFB}" destId="{89866E51-491D-4294-AF43-1D99D51564F1}" srcOrd="0" destOrd="0" presId="urn:microsoft.com/office/officeart/2005/8/layout/process2"/>
+    <dgm:cxn modelId="{63819071-7BEC-44F8-92EB-A6F7D8313AFB}" type="presOf" srcId="{ECE564D6-5105-4EE5-997C-B68B1ACA217A}" destId="{DBEC4543-E3A7-4707-AA0E-52B7A3A2CBEB}" srcOrd="0" destOrd="0" presId="urn:microsoft.com/office/officeart/2005/8/layout/process2"/>
+    <dgm:cxn modelId="{DCFF2456-8F42-40D7-8199-796BD0DB1501}" srcId="{0A049624-F252-4B91-BC7F-0E85573DA264}" destId="{ECE564D6-5105-4EE5-997C-B68B1ACA217A}" srcOrd="5" destOrd="0" parTransId="{60E5F63A-2888-4DBB-8DB1-17BCB477100C}" sibTransId="{B5232B65-D95A-41C5-8552-C37C063B16A6}"/>
+    <dgm:cxn modelId="{13914889-A4FD-4D02-9148-7B219526954A}" type="presOf" srcId="{0A049624-F252-4B91-BC7F-0E85573DA264}" destId="{11A99403-26B6-4C7A-8D6A-1CD165F91D1C}" srcOrd="0" destOrd="0" presId="urn:microsoft.com/office/officeart/2005/8/layout/process2"/>
+    <dgm:cxn modelId="{0303A992-9E2A-47F9-A975-DF41AB349276}" type="presOf" srcId="{FE623734-9450-408E-B160-A3CC08C995DA}" destId="{09649040-238D-4A84-8D74-FD226F965C07}" srcOrd="0" destOrd="0" presId="urn:microsoft.com/office/officeart/2005/8/layout/process2"/>
+    <dgm:cxn modelId="{40142396-830B-49D0-9194-83FBE2B378E4}" type="presOf" srcId="{1221B884-3C01-4648-9765-B6CAE78EB571}" destId="{AECA3E14-BE0E-4B04-8D01-5CCD0152FA3C}" srcOrd="1" destOrd="0" presId="urn:microsoft.com/office/officeart/2005/8/layout/process2"/>
+    <dgm:cxn modelId="{36BB7A9D-F557-4BAD-B14F-88F89A72C775}" type="presOf" srcId="{43788545-8846-4862-905A-755C531EF1C1}" destId="{6C503D99-30F3-4F36-97EF-24D051AD4848}" srcOrd="0" destOrd="0" presId="urn:microsoft.com/office/officeart/2005/8/layout/process2"/>
+    <dgm:cxn modelId="{8F08D9A2-E2D4-43C0-989F-EE30CF50BAF7}" type="presOf" srcId="{AAB946D0-0D78-4E1B-A7CC-E4F348169FF1}" destId="{6054A829-7E76-41E6-B71E-91E0914B2620}" srcOrd="0" destOrd="0" presId="urn:microsoft.com/office/officeart/2005/8/layout/process2"/>
+    <dgm:cxn modelId="{5A7BF5B3-F41B-4ACD-BBA0-9A25579A0FEC}" srcId="{0A049624-F252-4B91-BC7F-0E85573DA264}" destId="{AAB946D0-0D78-4E1B-A7CC-E4F348169FF1}" srcOrd="0" destOrd="0" parTransId="{1D013CB5-2740-4BDC-BB51-9C554EC1D6A8}" sibTransId="{C3856AAB-159D-4D93-AE11-EA938296641B}"/>
+    <dgm:cxn modelId="{E952A1BC-224F-4265-8B0C-705E65037008}" type="presOf" srcId="{74A57F98-B0EB-4C55-A15E-95DDC2541BFB}" destId="{03B9B910-315D-4D37-9B3E-1F25DA666127}" srcOrd="1" destOrd="0" presId="urn:microsoft.com/office/officeart/2005/8/layout/process2"/>
+    <dgm:cxn modelId="{D1D04ADB-C4D2-4F35-B1E0-00DFF95F7A5C}" srcId="{0A049624-F252-4B91-BC7F-0E85573DA264}" destId="{FE623734-9450-408E-B160-A3CC08C995DA}" srcOrd="2" destOrd="0" parTransId="{6E55F268-8D98-434E-A6FC-2998838F1283}" sibTransId="{D134C256-D55E-4A7B-9388-DA06867FA942}"/>
+    <dgm:cxn modelId="{1BE1AAEA-EB03-4F09-A7E0-3345180F5F03}" type="presOf" srcId="{6121BDA7-B87C-4C74-9D59-A00942ED4108}" destId="{46296BB0-C931-49C7-A297-A104A48A17B8}" srcOrd="1" destOrd="0" presId="urn:microsoft.com/office/officeart/2005/8/layout/process2"/>
+    <dgm:cxn modelId="{1A3377FF-4EBD-44E2-9D65-099A278DCC88}" type="presOf" srcId="{D134C256-D55E-4A7B-9388-DA06867FA942}" destId="{67995EB8-7584-42DC-8514-81BE2E1DF0AA}" srcOrd="0" destOrd="0" presId="urn:microsoft.com/office/officeart/2005/8/layout/process2"/>
+    <dgm:cxn modelId="{05E51A7B-9D5C-4552-BEBD-A884ED62DA35}" type="presParOf" srcId="{11A99403-26B6-4C7A-8D6A-1CD165F91D1C}" destId="{6054A829-7E76-41E6-B71E-91E0914B2620}" srcOrd="0" destOrd="0" presId="urn:microsoft.com/office/officeart/2005/8/layout/process2"/>
+    <dgm:cxn modelId="{75B9AAD8-4C84-4384-9058-8CF44A73D676}" type="presParOf" srcId="{11A99403-26B6-4C7A-8D6A-1CD165F91D1C}" destId="{383E600F-60CC-4447-BAEB-7248A660F830}" srcOrd="1" destOrd="0" presId="urn:microsoft.com/office/officeart/2005/8/layout/process2"/>
+    <dgm:cxn modelId="{345E5913-7FCF-4320-9491-86B9804E9485}" type="presParOf" srcId="{383E600F-60CC-4447-BAEB-7248A660F830}" destId="{BE52E673-E2E4-49EB-A86D-EB8C467B983E}" srcOrd="0" destOrd="0" presId="urn:microsoft.com/office/officeart/2005/8/layout/process2"/>
+    <dgm:cxn modelId="{59929FA7-1AAC-4875-86BF-469B2B1CF871}" type="presParOf" srcId="{11A99403-26B6-4C7A-8D6A-1CD165F91D1C}" destId="{6C503D99-30F3-4F36-97EF-24D051AD4848}" srcOrd="2" destOrd="0" presId="urn:microsoft.com/office/officeart/2005/8/layout/process2"/>
+    <dgm:cxn modelId="{E7984ECD-06B6-4CEE-9BA1-CE7473FFA3C1}" type="presParOf" srcId="{11A99403-26B6-4C7A-8D6A-1CD165F91D1C}" destId="{E07FDDB8-706E-40BA-B009-3BFCC009D62F}" srcOrd="3" destOrd="0" presId="urn:microsoft.com/office/officeart/2005/8/layout/process2"/>
+    <dgm:cxn modelId="{8A0C91C4-FDB8-4DD1-BE5E-BAD44D92A246}" type="presParOf" srcId="{E07FDDB8-706E-40BA-B009-3BFCC009D62F}" destId="{AECA3E14-BE0E-4B04-8D01-5CCD0152FA3C}" srcOrd="0" destOrd="0" presId="urn:microsoft.com/office/officeart/2005/8/layout/process2"/>
+    <dgm:cxn modelId="{37B91E0C-A365-4183-BF8C-73F24FB4E776}" type="presParOf" srcId="{11A99403-26B6-4C7A-8D6A-1CD165F91D1C}" destId="{09649040-238D-4A84-8D74-FD226F965C07}" srcOrd="4" destOrd="0" presId="urn:microsoft.com/office/officeart/2005/8/layout/process2"/>
+    <dgm:cxn modelId="{7D19F3F7-5B55-4A19-8F84-771E6DC0B649}" type="presParOf" srcId="{11A99403-26B6-4C7A-8D6A-1CD165F91D1C}" destId="{67995EB8-7584-42DC-8514-81BE2E1DF0AA}" srcOrd="5" destOrd="0" presId="urn:microsoft.com/office/officeart/2005/8/layout/process2"/>
+    <dgm:cxn modelId="{640B3448-11DE-48CF-950D-59C94EC291A6}" type="presParOf" srcId="{67995EB8-7584-42DC-8514-81BE2E1DF0AA}" destId="{84715C5B-118E-4C61-8EEE-1B071F710CB5}" srcOrd="0" destOrd="0" presId="urn:microsoft.com/office/officeart/2005/8/layout/process2"/>
+    <dgm:cxn modelId="{4A5F7FA1-B9EA-4BFA-BBD6-FF243EFCB40A}" type="presParOf" srcId="{11A99403-26B6-4C7A-8D6A-1CD165F91D1C}" destId="{DE71A388-1059-4B7F-8CC3-41BC54FE047B}" srcOrd="6" destOrd="0" presId="urn:microsoft.com/office/officeart/2005/8/layout/process2"/>
+    <dgm:cxn modelId="{6D6B90A7-4279-4EF9-9238-8B7D6036061C}" type="presParOf" srcId="{11A99403-26B6-4C7A-8D6A-1CD165F91D1C}" destId="{0173D496-169F-4FE5-A51F-6408D09E87F2}" srcOrd="7" destOrd="0" presId="urn:microsoft.com/office/officeart/2005/8/layout/process2"/>
+    <dgm:cxn modelId="{37018BB3-F390-487C-B93A-5DE27ED09307}" type="presParOf" srcId="{0173D496-169F-4FE5-A51F-6408D09E87F2}" destId="{46296BB0-C931-49C7-A297-A104A48A17B8}" srcOrd="0" destOrd="0" presId="urn:microsoft.com/office/officeart/2005/8/layout/process2"/>
+    <dgm:cxn modelId="{F3806CF7-FF0A-4E9E-91F6-700088CEECF4}" type="presParOf" srcId="{11A99403-26B6-4C7A-8D6A-1CD165F91D1C}" destId="{2A7F7168-6A81-4C98-BC32-05D499FD3B2B}" srcOrd="8" destOrd="0" presId="urn:microsoft.com/office/officeart/2005/8/layout/process2"/>
+    <dgm:cxn modelId="{CB7FDACD-5ADB-4A25-B834-BE935274A336}" type="presParOf" srcId="{11A99403-26B6-4C7A-8D6A-1CD165F91D1C}" destId="{89866E51-491D-4294-AF43-1D99D51564F1}" srcOrd="9" destOrd="0" presId="urn:microsoft.com/office/officeart/2005/8/layout/process2"/>
+    <dgm:cxn modelId="{7303D798-087D-4473-A69E-CD89C340FA35}" type="presParOf" srcId="{89866E51-491D-4294-AF43-1D99D51564F1}" destId="{03B9B910-315D-4D37-9B3E-1F25DA666127}" srcOrd="0" destOrd="0" presId="urn:microsoft.com/office/officeart/2005/8/layout/process2"/>
+    <dgm:cxn modelId="{C0011B0C-F2C3-491C-95DA-A563B5FF6037}" type="presParOf" srcId="{11A99403-26B6-4C7A-8D6A-1CD165F91D1C}" destId="{DBEC4543-E3A7-4707-AA0E-52B7A3A2CBEB}" srcOrd="10" destOrd="0" presId="urn:microsoft.com/office/officeart/2005/8/layout/process2"/>
+  </dgm:cxnLst>
+  <dgm:bg/>
+  <dgm:whole/>
+  <dgm:extLst>
+    <a:ext uri="http://schemas.microsoft.com/office/drawing/2008/diagram">
+      <dsp:dataModelExt xmlns:dsp="http://schemas.microsoft.com/office/drawing/2008/diagram" relId="rId6" minVer="http://schemas.openxmlformats.org/drawingml/2006/diagram"/>
+    </a:ext>
+  </dgm:extLst>
+</dgm:dataModel>
+</file>
+
+<file path=ppt/diagrams/drawing1.xml><?xml version="1.0" encoding="utf-8"?>
+<dsp:drawing xmlns:dgm="http://schemas.openxmlformats.org/drawingml/2006/diagram" xmlns:dsp="http://schemas.microsoft.com/office/drawing/2008/diagram" xmlns:a="http://schemas.openxmlformats.org/drawingml/2006/main">
+  <dsp:spTree>
+    <dsp:nvGrpSpPr>
+      <dsp:cNvPr id="0" name=""/>
+      <dsp:cNvGrpSpPr/>
+    </dsp:nvGrpSpPr>
+    <dsp:grpSpPr/>
+    <dsp:sp modelId="{6054A829-7E76-41E6-B71E-91E0914B2620}">
+      <dsp:nvSpPr>
+        <dsp:cNvPr id="0" name=""/>
+        <dsp:cNvSpPr/>
+      </dsp:nvSpPr>
+      <dsp:spPr>
+        <a:xfrm>
+          <a:off x="4561159" y="1726"/>
+          <a:ext cx="1393281" cy="511515"/>
+        </a:xfrm>
+        <a:prstGeom prst="roundRect">
+          <a:avLst>
+            <a:gd name="adj" fmla="val 10000"/>
+          </a:avLst>
+        </a:prstGeom>
+        <a:solidFill>
+          <a:schemeClr val="accent1">
+            <a:hueOff val="0"/>
+            <a:satOff val="0"/>
+            <a:lumOff val="0"/>
+            <a:alphaOff val="0"/>
+          </a:schemeClr>
+        </a:solidFill>
+        <a:ln w="12700" cap="flat" cmpd="sng" algn="ctr">
+          <a:solidFill>
+            <a:schemeClr val="lt1">
+              <a:hueOff val="0"/>
+              <a:satOff val="0"/>
+              <a:lumOff val="0"/>
+              <a:alphaOff val="0"/>
+            </a:schemeClr>
+          </a:solidFill>
+          <a:prstDash val="solid"/>
+          <a:miter lim="800000"/>
+        </a:ln>
+        <a:effectLst/>
+      </dsp:spPr>
+      <dsp:style>
+        <a:lnRef idx="2">
+          <a:scrgbClr r="0" g="0" b="0"/>
+        </a:lnRef>
+        <a:fillRef idx="1">
+          <a:scrgbClr r="0" g="0" b="0"/>
+        </a:fillRef>
+        <a:effectRef idx="0">
+          <a:scrgbClr r="0" g="0" b="0"/>
+        </a:effectRef>
+        <a:fontRef idx="minor">
+          <a:schemeClr val="lt1"/>
+        </a:fontRef>
+      </dsp:style>
+      <dsp:txBody>
+        <a:bodyPr spcFirstLastPara="0" vert="horz" wrap="square" lIns="68580" tIns="68580" rIns="68580" bIns="68580" numCol="1" spcCol="1270" anchor="ctr" anchorCtr="0">
+          <a:noAutofit/>
+        </a:bodyPr>
+        <a:lstStyle/>
+        <a:p>
+          <a:pPr marL="0" lvl="0" indent="0" algn="ctr" defTabSz="800100">
+            <a:lnSpc>
+              <a:spcPct val="90000"/>
+            </a:lnSpc>
+            <a:spcBef>
+              <a:spcPct val="0"/>
+            </a:spcBef>
+            <a:spcAft>
+              <a:spcPct val="35000"/>
+            </a:spcAft>
+            <a:buNone/>
+          </a:pPr>
+          <a:r>
+            <a:rPr lang="en-GB" sz="1800" kern="1200" dirty="0">
+              <a:latin typeface="Times New Roman" panose="02020603050405020304" pitchFamily="18" charset="0"/>
+              <a:cs typeface="Times New Roman" panose="02020603050405020304" pitchFamily="18" charset="0"/>
+            </a:rPr>
+            <a:t>Input Layer</a:t>
+          </a:r>
+        </a:p>
+      </dsp:txBody>
+      <dsp:txXfrm>
+        <a:off x="4576141" y="16708"/>
+        <a:ext cx="1363317" cy="481551"/>
+      </dsp:txXfrm>
+    </dsp:sp>
+    <dsp:sp modelId="{383E600F-60CC-4447-BAEB-7248A660F830}">
+      <dsp:nvSpPr>
+        <dsp:cNvPr id="0" name=""/>
+        <dsp:cNvSpPr/>
+      </dsp:nvSpPr>
+      <dsp:spPr>
+        <a:xfrm rot="5400000">
+          <a:off x="5161890" y="526030"/>
+          <a:ext cx="191818" cy="230182"/>
+        </a:xfrm>
+        <a:prstGeom prst="rightArrow">
+          <a:avLst>
+            <a:gd name="adj1" fmla="val 60000"/>
+            <a:gd name="adj2" fmla="val 50000"/>
+          </a:avLst>
+        </a:prstGeom>
+        <a:solidFill>
+          <a:schemeClr val="accent1">
+            <a:tint val="60000"/>
+            <a:hueOff val="0"/>
+            <a:satOff val="0"/>
+            <a:lumOff val="0"/>
+            <a:alphaOff val="0"/>
+          </a:schemeClr>
+        </a:solidFill>
+        <a:ln>
+          <a:noFill/>
+        </a:ln>
+        <a:effectLst/>
+      </dsp:spPr>
+      <dsp:style>
+        <a:lnRef idx="0">
+          <a:scrgbClr r="0" g="0" b="0"/>
+        </a:lnRef>
+        <a:fillRef idx="1">
+          <a:scrgbClr r="0" g="0" b="0"/>
+        </a:fillRef>
+        <a:effectRef idx="0">
+          <a:scrgbClr r="0" g="0" b="0"/>
+        </a:effectRef>
+        <a:fontRef idx="minor">
+          <a:schemeClr val="lt1"/>
+        </a:fontRef>
+      </dsp:style>
+      <dsp:txBody>
+        <a:bodyPr spcFirstLastPara="0" vert="horz" wrap="square" lIns="0" tIns="0" rIns="0" bIns="0" numCol="1" spcCol="1270" anchor="ctr" anchorCtr="0">
+          <a:noAutofit/>
+        </a:bodyPr>
+        <a:lstStyle/>
+        <a:p>
+          <a:pPr marL="0" lvl="0" indent="0" algn="ctr" defTabSz="444500">
+            <a:lnSpc>
+              <a:spcPct val="90000"/>
+            </a:lnSpc>
+            <a:spcBef>
+              <a:spcPct val="0"/>
+            </a:spcBef>
+            <a:spcAft>
+              <a:spcPct val="35000"/>
+            </a:spcAft>
+            <a:buNone/>
+          </a:pPr>
+          <a:endParaRPr lang="en-GB" sz="1000" kern="1200">
+            <a:latin typeface="Times New Roman" panose="02020603050405020304" pitchFamily="18" charset="0"/>
+            <a:cs typeface="Times New Roman" panose="02020603050405020304" pitchFamily="18" charset="0"/>
+          </a:endParaRPr>
+        </a:p>
+      </dsp:txBody>
+      <dsp:txXfrm rot="-5400000">
+        <a:off x="5188745" y="545212"/>
+        <a:ext cx="138110" cy="134273"/>
+      </dsp:txXfrm>
+    </dsp:sp>
+    <dsp:sp modelId="{6C503D99-30F3-4F36-97EF-24D051AD4848}">
+      <dsp:nvSpPr>
+        <dsp:cNvPr id="0" name=""/>
+        <dsp:cNvSpPr/>
+      </dsp:nvSpPr>
+      <dsp:spPr>
+        <a:xfrm>
+          <a:off x="4561159" y="769000"/>
+          <a:ext cx="1393281" cy="511515"/>
+        </a:xfrm>
+        <a:prstGeom prst="roundRect">
+          <a:avLst>
+            <a:gd name="adj" fmla="val 10000"/>
+          </a:avLst>
+        </a:prstGeom>
+        <a:solidFill>
+          <a:schemeClr val="accent1">
+            <a:hueOff val="0"/>
+            <a:satOff val="0"/>
+            <a:lumOff val="0"/>
+            <a:alphaOff val="0"/>
+          </a:schemeClr>
+        </a:solidFill>
+        <a:ln w="12700" cap="flat" cmpd="sng" algn="ctr">
+          <a:solidFill>
+            <a:schemeClr val="lt1">
+              <a:hueOff val="0"/>
+              <a:satOff val="0"/>
+              <a:lumOff val="0"/>
+              <a:alphaOff val="0"/>
+            </a:schemeClr>
+          </a:solidFill>
+          <a:prstDash val="solid"/>
+          <a:miter lim="800000"/>
+        </a:ln>
+        <a:effectLst/>
+      </dsp:spPr>
+      <dsp:style>
+        <a:lnRef idx="2">
+          <a:scrgbClr r="0" g="0" b="0"/>
+        </a:lnRef>
+        <a:fillRef idx="1">
+          <a:scrgbClr r="0" g="0" b="0"/>
+        </a:fillRef>
+        <a:effectRef idx="0">
+          <a:scrgbClr r="0" g="0" b="0"/>
+        </a:effectRef>
+        <a:fontRef idx="minor">
+          <a:schemeClr val="lt1"/>
+        </a:fontRef>
+      </dsp:style>
+      <dsp:txBody>
+        <a:bodyPr spcFirstLastPara="0" vert="horz" wrap="square" lIns="68580" tIns="68580" rIns="68580" bIns="68580" numCol="1" spcCol="1270" anchor="ctr" anchorCtr="0">
+          <a:noAutofit/>
+        </a:bodyPr>
+        <a:lstStyle/>
+        <a:p>
+          <a:pPr marL="0" lvl="0" indent="0" algn="ctr" defTabSz="800100">
+            <a:lnSpc>
+              <a:spcPct val="90000"/>
+            </a:lnSpc>
+            <a:spcBef>
+              <a:spcPct val="0"/>
+            </a:spcBef>
+            <a:spcAft>
+              <a:spcPct val="35000"/>
+            </a:spcAft>
+            <a:buNone/>
+          </a:pPr>
+          <a:r>
+            <a:rPr lang="en-GB" sz="1800" kern="1200" dirty="0">
+              <a:latin typeface="Times New Roman" panose="02020603050405020304" pitchFamily="18" charset="0"/>
+              <a:cs typeface="Times New Roman" panose="02020603050405020304" pitchFamily="18" charset="0"/>
+            </a:rPr>
+            <a:t>LSTM</a:t>
+          </a:r>
+        </a:p>
+      </dsp:txBody>
+      <dsp:txXfrm>
+        <a:off x="4576141" y="783982"/>
+        <a:ext cx="1363317" cy="481551"/>
+      </dsp:txXfrm>
+    </dsp:sp>
+    <dsp:sp modelId="{E07FDDB8-706E-40BA-B009-3BFCC009D62F}">
+      <dsp:nvSpPr>
+        <dsp:cNvPr id="0" name=""/>
+        <dsp:cNvSpPr/>
+      </dsp:nvSpPr>
+      <dsp:spPr>
+        <a:xfrm rot="5400000">
+          <a:off x="5161890" y="1293304"/>
+          <a:ext cx="191818" cy="230182"/>
+        </a:xfrm>
+        <a:prstGeom prst="rightArrow">
+          <a:avLst>
+            <a:gd name="adj1" fmla="val 60000"/>
+            <a:gd name="adj2" fmla="val 50000"/>
+          </a:avLst>
+        </a:prstGeom>
+        <a:solidFill>
+          <a:schemeClr val="accent1">
+            <a:tint val="60000"/>
+            <a:hueOff val="0"/>
+            <a:satOff val="0"/>
+            <a:lumOff val="0"/>
+            <a:alphaOff val="0"/>
+          </a:schemeClr>
+        </a:solidFill>
+        <a:ln>
+          <a:noFill/>
+        </a:ln>
+        <a:effectLst/>
+      </dsp:spPr>
+      <dsp:style>
+        <a:lnRef idx="0">
+          <a:scrgbClr r="0" g="0" b="0"/>
+        </a:lnRef>
+        <a:fillRef idx="1">
+          <a:scrgbClr r="0" g="0" b="0"/>
+        </a:fillRef>
+        <a:effectRef idx="0">
+          <a:scrgbClr r="0" g="0" b="0"/>
+        </a:effectRef>
+        <a:fontRef idx="minor">
+          <a:schemeClr val="lt1"/>
+        </a:fontRef>
+      </dsp:style>
+      <dsp:txBody>
+        <a:bodyPr spcFirstLastPara="0" vert="horz" wrap="square" lIns="0" tIns="0" rIns="0" bIns="0" numCol="1" spcCol="1270" anchor="ctr" anchorCtr="0">
+          <a:noAutofit/>
+        </a:bodyPr>
+        <a:lstStyle/>
+        <a:p>
+          <a:pPr marL="0" lvl="0" indent="0" algn="ctr" defTabSz="444500">
+            <a:lnSpc>
+              <a:spcPct val="90000"/>
+            </a:lnSpc>
+            <a:spcBef>
+              <a:spcPct val="0"/>
+            </a:spcBef>
+            <a:spcAft>
+              <a:spcPct val="35000"/>
+            </a:spcAft>
+            <a:buNone/>
+          </a:pPr>
+          <a:endParaRPr lang="en-GB" sz="1000" kern="1200">
+            <a:latin typeface="Times New Roman" panose="02020603050405020304" pitchFamily="18" charset="0"/>
+            <a:cs typeface="Times New Roman" panose="02020603050405020304" pitchFamily="18" charset="0"/>
+          </a:endParaRPr>
+        </a:p>
+      </dsp:txBody>
+      <dsp:txXfrm rot="-5400000">
+        <a:off x="5188745" y="1312486"/>
+        <a:ext cx="138110" cy="134273"/>
+      </dsp:txXfrm>
+    </dsp:sp>
+    <dsp:sp modelId="{09649040-238D-4A84-8D74-FD226F965C07}">
+      <dsp:nvSpPr>
+        <dsp:cNvPr id="0" name=""/>
+        <dsp:cNvSpPr/>
+      </dsp:nvSpPr>
+      <dsp:spPr>
+        <a:xfrm>
+          <a:off x="4561159" y="1536274"/>
+          <a:ext cx="1393281" cy="511515"/>
+        </a:xfrm>
+        <a:prstGeom prst="roundRect">
+          <a:avLst>
+            <a:gd name="adj" fmla="val 10000"/>
+          </a:avLst>
+        </a:prstGeom>
+        <a:solidFill>
+          <a:schemeClr val="accent1">
+            <a:hueOff val="0"/>
+            <a:satOff val="0"/>
+            <a:lumOff val="0"/>
+            <a:alphaOff val="0"/>
+          </a:schemeClr>
+        </a:solidFill>
+        <a:ln w="12700" cap="flat" cmpd="sng" algn="ctr">
+          <a:solidFill>
+            <a:schemeClr val="lt1">
+              <a:hueOff val="0"/>
+              <a:satOff val="0"/>
+              <a:lumOff val="0"/>
+              <a:alphaOff val="0"/>
+            </a:schemeClr>
+          </a:solidFill>
+          <a:prstDash val="solid"/>
+          <a:miter lim="800000"/>
+        </a:ln>
+        <a:effectLst/>
+      </dsp:spPr>
+      <dsp:style>
+        <a:lnRef idx="2">
+          <a:scrgbClr r="0" g="0" b="0"/>
+        </a:lnRef>
+        <a:fillRef idx="1">
+          <a:scrgbClr r="0" g="0" b="0"/>
+        </a:fillRef>
+        <a:effectRef idx="0">
+          <a:scrgbClr r="0" g="0" b="0"/>
+        </a:effectRef>
+        <a:fontRef idx="minor">
+          <a:schemeClr val="lt1"/>
+        </a:fontRef>
+      </dsp:style>
+      <dsp:txBody>
+        <a:bodyPr spcFirstLastPara="0" vert="horz" wrap="square" lIns="68580" tIns="68580" rIns="68580" bIns="68580" numCol="1" spcCol="1270" anchor="ctr" anchorCtr="0">
+          <a:noAutofit/>
+        </a:bodyPr>
+        <a:lstStyle/>
+        <a:p>
+          <a:pPr marL="0" lvl="0" indent="0" algn="ctr" defTabSz="800100">
+            <a:lnSpc>
+              <a:spcPct val="90000"/>
+            </a:lnSpc>
+            <a:spcBef>
+              <a:spcPct val="0"/>
+            </a:spcBef>
+            <a:spcAft>
+              <a:spcPct val="35000"/>
+            </a:spcAft>
+            <a:buNone/>
+          </a:pPr>
+          <a:r>
+            <a:rPr lang="en-GB" sz="1800" kern="1200" dirty="0">
+              <a:latin typeface="Times New Roman" panose="02020603050405020304" pitchFamily="18" charset="0"/>
+              <a:cs typeface="Times New Roman" panose="02020603050405020304" pitchFamily="18" charset="0"/>
+            </a:rPr>
+            <a:t>Dropout</a:t>
+          </a:r>
+        </a:p>
+      </dsp:txBody>
+      <dsp:txXfrm>
+        <a:off x="4576141" y="1551256"/>
+        <a:ext cx="1363317" cy="481551"/>
+      </dsp:txXfrm>
+    </dsp:sp>
+    <dsp:sp modelId="{67995EB8-7584-42DC-8514-81BE2E1DF0AA}">
+      <dsp:nvSpPr>
+        <dsp:cNvPr id="0" name=""/>
+        <dsp:cNvSpPr/>
+      </dsp:nvSpPr>
+      <dsp:spPr>
+        <a:xfrm rot="5400000">
+          <a:off x="5161890" y="2060577"/>
+          <a:ext cx="191818" cy="230182"/>
+        </a:xfrm>
+        <a:prstGeom prst="rightArrow">
+          <a:avLst>
+            <a:gd name="adj1" fmla="val 60000"/>
+            <a:gd name="adj2" fmla="val 50000"/>
+          </a:avLst>
+        </a:prstGeom>
+        <a:solidFill>
+          <a:schemeClr val="accent1">
+            <a:tint val="60000"/>
+            <a:hueOff val="0"/>
+            <a:satOff val="0"/>
+            <a:lumOff val="0"/>
+            <a:alphaOff val="0"/>
+          </a:schemeClr>
+        </a:solidFill>
+        <a:ln>
+          <a:noFill/>
+        </a:ln>
+        <a:effectLst/>
+      </dsp:spPr>
+      <dsp:style>
+        <a:lnRef idx="0">
+          <a:scrgbClr r="0" g="0" b="0"/>
+        </a:lnRef>
+        <a:fillRef idx="1">
+          <a:scrgbClr r="0" g="0" b="0"/>
+        </a:fillRef>
+        <a:effectRef idx="0">
+          <a:scrgbClr r="0" g="0" b="0"/>
+        </a:effectRef>
+        <a:fontRef idx="minor">
+          <a:schemeClr val="lt1"/>
+        </a:fontRef>
+      </dsp:style>
+      <dsp:txBody>
+        <a:bodyPr spcFirstLastPara="0" vert="horz" wrap="square" lIns="0" tIns="0" rIns="0" bIns="0" numCol="1" spcCol="1270" anchor="ctr" anchorCtr="0">
+          <a:noAutofit/>
+        </a:bodyPr>
+        <a:lstStyle/>
+        <a:p>
+          <a:pPr marL="0" lvl="0" indent="0" algn="ctr" defTabSz="444500">
+            <a:lnSpc>
+              <a:spcPct val="90000"/>
+            </a:lnSpc>
+            <a:spcBef>
+              <a:spcPct val="0"/>
+            </a:spcBef>
+            <a:spcAft>
+              <a:spcPct val="35000"/>
+            </a:spcAft>
+            <a:buNone/>
+          </a:pPr>
+          <a:endParaRPr lang="en-GB" sz="1000" kern="1200">
+            <a:latin typeface="Times New Roman" panose="02020603050405020304" pitchFamily="18" charset="0"/>
+            <a:cs typeface="Times New Roman" panose="02020603050405020304" pitchFamily="18" charset="0"/>
+          </a:endParaRPr>
+        </a:p>
+      </dsp:txBody>
+      <dsp:txXfrm rot="-5400000">
+        <a:off x="5188745" y="2079759"/>
+        <a:ext cx="138110" cy="134273"/>
+      </dsp:txXfrm>
+    </dsp:sp>
+    <dsp:sp modelId="{DE71A388-1059-4B7F-8CC3-41BC54FE047B}">
+      <dsp:nvSpPr>
+        <dsp:cNvPr id="0" name=""/>
+        <dsp:cNvSpPr/>
+      </dsp:nvSpPr>
+      <dsp:spPr>
+        <a:xfrm>
+          <a:off x="4561159" y="2303547"/>
+          <a:ext cx="1393281" cy="511515"/>
+        </a:xfrm>
+        <a:prstGeom prst="roundRect">
+          <a:avLst>
+            <a:gd name="adj" fmla="val 10000"/>
+          </a:avLst>
+        </a:prstGeom>
+        <a:solidFill>
+          <a:schemeClr val="accent1">
+            <a:hueOff val="0"/>
+            <a:satOff val="0"/>
+            <a:lumOff val="0"/>
+            <a:alphaOff val="0"/>
+          </a:schemeClr>
+        </a:solidFill>
+        <a:ln w="12700" cap="flat" cmpd="sng" algn="ctr">
+          <a:solidFill>
+            <a:schemeClr val="lt1">
+              <a:hueOff val="0"/>
+              <a:satOff val="0"/>
+              <a:lumOff val="0"/>
+              <a:alphaOff val="0"/>
+            </a:schemeClr>
+          </a:solidFill>
+          <a:prstDash val="solid"/>
+          <a:miter lim="800000"/>
+        </a:ln>
+        <a:effectLst/>
+      </dsp:spPr>
+      <dsp:style>
+        <a:lnRef idx="2">
+          <a:scrgbClr r="0" g="0" b="0"/>
+        </a:lnRef>
+        <a:fillRef idx="1">
+          <a:scrgbClr r="0" g="0" b="0"/>
+        </a:fillRef>
+        <a:effectRef idx="0">
+          <a:scrgbClr r="0" g="0" b="0"/>
+        </a:effectRef>
+        <a:fontRef idx="minor">
+          <a:schemeClr val="lt1"/>
+        </a:fontRef>
+      </dsp:style>
+      <dsp:txBody>
+        <a:bodyPr spcFirstLastPara="0" vert="horz" wrap="square" lIns="68580" tIns="68580" rIns="68580" bIns="68580" numCol="1" spcCol="1270" anchor="ctr" anchorCtr="0">
+          <a:noAutofit/>
+        </a:bodyPr>
+        <a:lstStyle/>
+        <a:p>
+          <a:pPr marL="0" lvl="0" indent="0" algn="ctr" defTabSz="800100">
+            <a:lnSpc>
+              <a:spcPct val="90000"/>
+            </a:lnSpc>
+            <a:spcBef>
+              <a:spcPct val="0"/>
+            </a:spcBef>
+            <a:spcAft>
+              <a:spcPct val="35000"/>
+            </a:spcAft>
+            <a:buNone/>
+          </a:pPr>
+          <a:r>
+            <a:rPr lang="en-GB" sz="1800" kern="1200" dirty="0">
+              <a:latin typeface="Times New Roman" panose="02020603050405020304" pitchFamily="18" charset="0"/>
+              <a:cs typeface="Times New Roman" panose="02020603050405020304" pitchFamily="18" charset="0"/>
+            </a:rPr>
+            <a:t>LSTM</a:t>
+          </a:r>
+        </a:p>
+      </dsp:txBody>
+      <dsp:txXfrm>
+        <a:off x="4576141" y="2318529"/>
+        <a:ext cx="1363317" cy="481551"/>
+      </dsp:txXfrm>
+    </dsp:sp>
+    <dsp:sp modelId="{0173D496-169F-4FE5-A51F-6408D09E87F2}">
+      <dsp:nvSpPr>
+        <dsp:cNvPr id="0" name=""/>
+        <dsp:cNvSpPr/>
+      </dsp:nvSpPr>
+      <dsp:spPr>
+        <a:xfrm rot="5400000">
+          <a:off x="5161890" y="2827851"/>
+          <a:ext cx="191818" cy="230182"/>
+        </a:xfrm>
+        <a:prstGeom prst="rightArrow">
+          <a:avLst>
+            <a:gd name="adj1" fmla="val 60000"/>
+            <a:gd name="adj2" fmla="val 50000"/>
+          </a:avLst>
+        </a:prstGeom>
+        <a:solidFill>
+          <a:schemeClr val="accent1">
+            <a:tint val="60000"/>
+            <a:hueOff val="0"/>
+            <a:satOff val="0"/>
+            <a:lumOff val="0"/>
+            <a:alphaOff val="0"/>
+          </a:schemeClr>
+        </a:solidFill>
+        <a:ln>
+          <a:noFill/>
+        </a:ln>
+        <a:effectLst/>
+      </dsp:spPr>
+      <dsp:style>
+        <a:lnRef idx="0">
+          <a:scrgbClr r="0" g="0" b="0"/>
+        </a:lnRef>
+        <a:fillRef idx="1">
+          <a:scrgbClr r="0" g="0" b="0"/>
+        </a:fillRef>
+        <a:effectRef idx="0">
+          <a:scrgbClr r="0" g="0" b="0"/>
+        </a:effectRef>
+        <a:fontRef idx="minor">
+          <a:schemeClr val="lt1"/>
+        </a:fontRef>
+      </dsp:style>
+      <dsp:txBody>
+        <a:bodyPr spcFirstLastPara="0" vert="horz" wrap="square" lIns="0" tIns="0" rIns="0" bIns="0" numCol="1" spcCol="1270" anchor="ctr" anchorCtr="0">
+          <a:noAutofit/>
+        </a:bodyPr>
+        <a:lstStyle/>
+        <a:p>
+          <a:pPr marL="0" lvl="0" indent="0" algn="ctr" defTabSz="444500">
+            <a:lnSpc>
+              <a:spcPct val="90000"/>
+            </a:lnSpc>
+            <a:spcBef>
+              <a:spcPct val="0"/>
+            </a:spcBef>
+            <a:spcAft>
+              <a:spcPct val="35000"/>
+            </a:spcAft>
+            <a:buNone/>
+          </a:pPr>
+          <a:endParaRPr lang="en-GB" sz="1000" kern="1200">
+            <a:latin typeface="Times New Roman" panose="02020603050405020304" pitchFamily="18" charset="0"/>
+            <a:cs typeface="Times New Roman" panose="02020603050405020304" pitchFamily="18" charset="0"/>
+          </a:endParaRPr>
+        </a:p>
+      </dsp:txBody>
+      <dsp:txXfrm rot="-5400000">
+        <a:off x="5188745" y="2847033"/>
+        <a:ext cx="138110" cy="134273"/>
+      </dsp:txXfrm>
+    </dsp:sp>
+    <dsp:sp modelId="{2A7F7168-6A81-4C98-BC32-05D499FD3B2B}">
+      <dsp:nvSpPr>
+        <dsp:cNvPr id="0" name=""/>
+        <dsp:cNvSpPr/>
+      </dsp:nvSpPr>
+      <dsp:spPr>
+        <a:xfrm>
+          <a:off x="4561159" y="3070821"/>
+          <a:ext cx="1393281" cy="511515"/>
+        </a:xfrm>
+        <a:prstGeom prst="roundRect">
+          <a:avLst>
+            <a:gd name="adj" fmla="val 10000"/>
+          </a:avLst>
+        </a:prstGeom>
+        <a:solidFill>
+          <a:schemeClr val="accent1">
+            <a:hueOff val="0"/>
+            <a:satOff val="0"/>
+            <a:lumOff val="0"/>
+            <a:alphaOff val="0"/>
+          </a:schemeClr>
+        </a:solidFill>
+        <a:ln w="12700" cap="flat" cmpd="sng" algn="ctr">
+          <a:solidFill>
+            <a:schemeClr val="lt1">
+              <a:hueOff val="0"/>
+              <a:satOff val="0"/>
+              <a:lumOff val="0"/>
+              <a:alphaOff val="0"/>
+            </a:schemeClr>
+          </a:solidFill>
+          <a:prstDash val="solid"/>
+          <a:miter lim="800000"/>
+        </a:ln>
+        <a:effectLst/>
+      </dsp:spPr>
+      <dsp:style>
+        <a:lnRef idx="2">
+          <a:scrgbClr r="0" g="0" b="0"/>
+        </a:lnRef>
+        <a:fillRef idx="1">
+          <a:scrgbClr r="0" g="0" b="0"/>
+        </a:fillRef>
+        <a:effectRef idx="0">
+          <a:scrgbClr r="0" g="0" b="0"/>
+        </a:effectRef>
+        <a:fontRef idx="minor">
+          <a:schemeClr val="lt1"/>
+        </a:fontRef>
+      </dsp:style>
+      <dsp:txBody>
+        <a:bodyPr spcFirstLastPara="0" vert="horz" wrap="square" lIns="68580" tIns="68580" rIns="68580" bIns="68580" numCol="1" spcCol="1270" anchor="ctr" anchorCtr="0">
+          <a:noAutofit/>
+        </a:bodyPr>
+        <a:lstStyle/>
+        <a:p>
+          <a:pPr marL="0" lvl="0" indent="0" algn="ctr" defTabSz="800100">
+            <a:lnSpc>
+              <a:spcPct val="90000"/>
+            </a:lnSpc>
+            <a:spcBef>
+              <a:spcPct val="0"/>
+            </a:spcBef>
+            <a:spcAft>
+              <a:spcPct val="35000"/>
+            </a:spcAft>
+            <a:buNone/>
+          </a:pPr>
+          <a:r>
+            <a:rPr lang="en-GB" sz="1800" kern="1200" dirty="0">
+              <a:latin typeface="Times New Roman" panose="02020603050405020304" pitchFamily="18" charset="0"/>
+              <a:cs typeface="Times New Roman" panose="02020603050405020304" pitchFamily="18" charset="0"/>
+            </a:rPr>
+            <a:t>Dropout</a:t>
+          </a:r>
+        </a:p>
+      </dsp:txBody>
+      <dsp:txXfrm>
+        <a:off x="4576141" y="3085803"/>
+        <a:ext cx="1363317" cy="481551"/>
+      </dsp:txXfrm>
+    </dsp:sp>
+    <dsp:sp modelId="{89866E51-491D-4294-AF43-1D99D51564F1}">
+      <dsp:nvSpPr>
+        <dsp:cNvPr id="0" name=""/>
+        <dsp:cNvSpPr/>
+      </dsp:nvSpPr>
+      <dsp:spPr>
+        <a:xfrm rot="5400000">
+          <a:off x="5161890" y="3595125"/>
+          <a:ext cx="191818" cy="230182"/>
+        </a:xfrm>
+        <a:prstGeom prst="rightArrow">
+          <a:avLst>
+            <a:gd name="adj1" fmla="val 60000"/>
+            <a:gd name="adj2" fmla="val 50000"/>
+          </a:avLst>
+        </a:prstGeom>
+        <a:solidFill>
+          <a:schemeClr val="accent1">
+            <a:tint val="60000"/>
+            <a:hueOff val="0"/>
+            <a:satOff val="0"/>
+            <a:lumOff val="0"/>
+            <a:alphaOff val="0"/>
+          </a:schemeClr>
+        </a:solidFill>
+        <a:ln>
+          <a:noFill/>
+        </a:ln>
+        <a:effectLst/>
+      </dsp:spPr>
+      <dsp:style>
+        <a:lnRef idx="0">
+          <a:scrgbClr r="0" g="0" b="0"/>
+        </a:lnRef>
+        <a:fillRef idx="1">
+          <a:scrgbClr r="0" g="0" b="0"/>
+        </a:fillRef>
+        <a:effectRef idx="0">
+          <a:scrgbClr r="0" g="0" b="0"/>
+        </a:effectRef>
+        <a:fontRef idx="minor">
+          <a:schemeClr val="lt1"/>
+        </a:fontRef>
+      </dsp:style>
+      <dsp:txBody>
+        <a:bodyPr spcFirstLastPara="0" vert="horz" wrap="square" lIns="0" tIns="0" rIns="0" bIns="0" numCol="1" spcCol="1270" anchor="ctr" anchorCtr="0">
+          <a:noAutofit/>
+        </a:bodyPr>
+        <a:lstStyle/>
+        <a:p>
+          <a:pPr marL="0" lvl="0" indent="0" algn="ctr" defTabSz="444500">
+            <a:lnSpc>
+              <a:spcPct val="90000"/>
+            </a:lnSpc>
+            <a:spcBef>
+              <a:spcPct val="0"/>
+            </a:spcBef>
+            <a:spcAft>
+              <a:spcPct val="35000"/>
+            </a:spcAft>
+            <a:buNone/>
+          </a:pPr>
+          <a:endParaRPr lang="en-GB" sz="1000" kern="1200">
+            <a:latin typeface="Times New Roman" panose="02020603050405020304" pitchFamily="18" charset="0"/>
+            <a:cs typeface="Times New Roman" panose="02020603050405020304" pitchFamily="18" charset="0"/>
+          </a:endParaRPr>
+        </a:p>
+      </dsp:txBody>
+      <dsp:txXfrm rot="-5400000">
+        <a:off x="5188745" y="3614307"/>
+        <a:ext cx="138110" cy="134273"/>
+      </dsp:txXfrm>
+    </dsp:sp>
+    <dsp:sp modelId="{DBEC4543-E3A7-4707-AA0E-52B7A3A2CBEB}">
+      <dsp:nvSpPr>
+        <dsp:cNvPr id="0" name=""/>
+        <dsp:cNvSpPr/>
+      </dsp:nvSpPr>
+      <dsp:spPr>
+        <a:xfrm>
+          <a:off x="4561159" y="3838095"/>
+          <a:ext cx="1393281" cy="511515"/>
+        </a:xfrm>
+        <a:prstGeom prst="roundRect">
+          <a:avLst>
+            <a:gd name="adj" fmla="val 10000"/>
+          </a:avLst>
+        </a:prstGeom>
+        <a:solidFill>
+          <a:schemeClr val="accent1">
+            <a:hueOff val="0"/>
+            <a:satOff val="0"/>
+            <a:lumOff val="0"/>
+            <a:alphaOff val="0"/>
+          </a:schemeClr>
+        </a:solidFill>
+        <a:ln w="12700" cap="flat" cmpd="sng" algn="ctr">
+          <a:solidFill>
+            <a:schemeClr val="lt1">
+              <a:hueOff val="0"/>
+              <a:satOff val="0"/>
+              <a:lumOff val="0"/>
+              <a:alphaOff val="0"/>
+            </a:schemeClr>
+          </a:solidFill>
+          <a:prstDash val="solid"/>
+          <a:miter lim="800000"/>
+        </a:ln>
+        <a:effectLst/>
+      </dsp:spPr>
+      <dsp:style>
+        <a:lnRef idx="2">
+          <a:scrgbClr r="0" g="0" b="0"/>
+        </a:lnRef>
+        <a:fillRef idx="1">
+          <a:scrgbClr r="0" g="0" b="0"/>
+        </a:fillRef>
+        <a:effectRef idx="0">
+          <a:scrgbClr r="0" g="0" b="0"/>
+        </a:effectRef>
+        <a:fontRef idx="minor">
+          <a:schemeClr val="lt1"/>
+        </a:fontRef>
+      </dsp:style>
+      <dsp:txBody>
+        <a:bodyPr spcFirstLastPara="0" vert="horz" wrap="square" lIns="68580" tIns="68580" rIns="68580" bIns="68580" numCol="1" spcCol="1270" anchor="ctr" anchorCtr="0">
+          <a:noAutofit/>
+        </a:bodyPr>
+        <a:lstStyle/>
+        <a:p>
+          <a:pPr marL="0" lvl="0" indent="0" algn="ctr" defTabSz="800100">
+            <a:lnSpc>
+              <a:spcPct val="90000"/>
+            </a:lnSpc>
+            <a:spcBef>
+              <a:spcPct val="0"/>
+            </a:spcBef>
+            <a:spcAft>
+              <a:spcPct val="35000"/>
+            </a:spcAft>
+            <a:buNone/>
+          </a:pPr>
+          <a:r>
+            <a:rPr lang="en-GB" sz="1800" kern="1200" dirty="0">
+              <a:latin typeface="Times New Roman" panose="02020603050405020304" pitchFamily="18" charset="0"/>
+              <a:cs typeface="Times New Roman" panose="02020603050405020304" pitchFamily="18" charset="0"/>
+            </a:rPr>
+            <a:t>Output Layer</a:t>
+          </a:r>
+        </a:p>
+      </dsp:txBody>
+      <dsp:txXfrm>
+        <a:off x="4576141" y="3853077"/>
+        <a:ext cx="1363317" cy="481551"/>
+      </dsp:txXfrm>
+    </dsp:sp>
+  </dsp:spTree>
+</dsp:drawing>
+</file>
+
+<file path=ppt/diagrams/layout1.xml><?xml version="1.0" encoding="utf-8"?>
+<dgm:layoutDef xmlns:dgm="http://schemas.openxmlformats.org/drawingml/2006/diagram" xmlns:a="http://schemas.openxmlformats.org/drawingml/2006/main" uniqueId="urn:microsoft.com/office/officeart/2005/8/layout/process2">
+  <dgm:title val=""/>
+  <dgm:desc val=""/>
+  <dgm:catLst>
+    <dgm:cat type="process" pri="13000"/>
+  </dgm:catLst>
+  <dgm:sampData useDef="1">
+    <dgm:dataModel>
+      <dgm:ptLst/>
+      <dgm:bg/>
+      <dgm:whole/>
+    </dgm:dataModel>
+  </dgm:sampData>
+  <dgm:styleData>
+    <dgm:dataModel>
+      <dgm:ptLst>
+        <dgm:pt modelId="0" type="doc"/>
+        <dgm:pt modelId="1"/>
+        <dgm:pt modelId="2"/>
+      </dgm:ptLst>
+      <dgm:cxnLst>
+        <dgm:cxn modelId="3" srcId="0" destId="1" srcOrd="0" destOrd="0"/>
+        <dgm:cxn modelId="4" srcId="0" destId="2" srcOrd="1" destOrd="0"/>
+      </dgm:cxnLst>
+      <dgm:bg/>
+      <dgm:whole/>
+    </dgm:dataModel>
+  </dgm:styleData>
+  <dgm:clrData>
+    <dgm:dataModel>
+      <dgm:ptLst>
+        <dgm:pt modelId="0" type="doc"/>
+        <dgm:pt modelId="1"/>
+        <dgm:pt modelId="2"/>
+        <dgm:pt modelId="3"/>
+        <dgm:pt modelId="4"/>
+      </dgm:ptLst>
+      <dgm:cxnLst>
+        <dgm:cxn modelId="5" srcId="0" destId="1" srcOrd="0" destOrd="0"/>
+        <dgm:cxn modelId="6" srcId="0" destId="2" srcOrd="1" destOrd="0"/>
+        <dgm:cxn modelId="7" srcId="0" destId="3" srcOrd="2" destOrd="0"/>
+        <dgm:cxn modelId="8" srcId="0" destId="4" srcOrd="3" destOrd="0"/>
+      </dgm:cxnLst>
+      <dgm:bg/>
+      <dgm:whole/>
+    </dgm:dataModel>
+  </dgm:clrData>
+  <dgm:layoutNode name="linearFlow">
+    <dgm:varLst>
+      <dgm:resizeHandles val="exact"/>
+    </dgm:varLst>
+    <dgm:alg type="lin">
+      <dgm:param type="linDir" val="fromT"/>
+    </dgm:alg>
+    <dgm:shape xmlns:r="http://schemas.openxmlformats.org/officeDocument/2006/relationships" r:blip="">
+      <dgm:adjLst/>
+    </dgm:shape>
+    <dgm:presOf/>
+    <dgm:constrLst>
+      <dgm:constr type="h" for="ch" ptType="node" refType="h"/>
+      <dgm:constr type="h" for="ch" ptType="sibTrans" refType="h" refFor="ch" refPtType="node" fact="0.5"/>
+      <dgm:constr type="w" for="ch" ptType="node" op="equ"/>
+      <dgm:constr type="primFontSz" for="ch" ptType="node" op="equ" val="65"/>
+      <dgm:constr type="primFontSz" for="des" forName="connectorText" op="equ" val="55"/>
+      <dgm:constr type="primFontSz" for="des" forName="connectorText" refType="primFontSz" refFor="ch" refPtType="node" op="lte" fact="0.8"/>
+    </dgm:constrLst>
+    <dgm:ruleLst/>
+    <dgm:forEach name="nodesForEach" axis="ch" ptType="node">
+      <dgm:layoutNode name="node">
+        <dgm:varLst>
+          <dgm:bulletEnabled val="1"/>
+        </dgm:varLst>
+        <dgm:choose name="Name0">
+          <dgm:if name="Name1" axis="root des" ptType="all node" func="maxDepth" op="gt" val="1">
+            <dgm:alg type="tx">
+              <dgm:param type="parTxLTRAlign" val="l"/>
+              <dgm:param type="parTxRTLAlign" val="r"/>
+              <dgm:param type="txAnchorVertCh" val="mid"/>
+            </dgm:alg>
+          </dgm:if>
+          <dgm:else name="Name2">
+            <dgm:alg type="tx"/>
+          </dgm:else>
+        </dgm:choose>
+        <dgm:shape xmlns:r="http://schemas.openxmlformats.org/officeDocument/2006/relationships" type="roundRect" r:blip="">
+          <dgm:adjLst>
+            <dgm:adj idx="1" val="0.1"/>
+          </dgm:adjLst>
+        </dgm:shape>
+        <dgm:presOf axis="desOrSelf" ptType="node"/>
+        <dgm:constrLst>
+          <dgm:constr type="w" refType="h" fact="1.8"/>
+          <dgm:constr type="tMarg" refType="primFontSz" fact="0.3"/>
+          <dgm:constr type="bMarg" refType="primFontSz" fact="0.3"/>
+          <dgm:constr type="lMarg" refType="primFontSz" fact="0.3"/>
+          <dgm:constr type="rMarg" refType="primFontSz" fact="0.3"/>
+        </dgm:constrLst>
+        <dgm:ruleLst>
+          <dgm:rule type="primFontSz" val="18" fact="NaN" max="NaN"/>
+          <dgm:rule type="w" val="NaN" fact="4" max="NaN"/>
+          <dgm:rule type="primFontSz" val="5" fact="NaN" max="NaN"/>
+        </dgm:ruleLst>
+      </dgm:layoutNode>
+      <dgm:forEach name="sibTransForEach" axis="followSib" ptType="sibTrans" cnt="1">
+        <dgm:layoutNode name="sibTrans">
+          <dgm:alg type="conn">
+            <dgm:param type="begPts" val="auto"/>
+            <dgm:param type="endPts" val="auto"/>
+          </dgm:alg>
+          <dgm:shape xmlns:r="http://schemas.openxmlformats.org/officeDocument/2006/relationships" type="conn" r:blip="">
+            <dgm:adjLst/>
+          </dgm:shape>
+          <dgm:presOf axis="self"/>
+          <dgm:constrLst>
+            <dgm:constr type="w" refType="h" fact="0.9"/>
+            <dgm:constr type="connDist"/>
+            <dgm:constr type="wArH" refType="w" fact="0.5"/>
+            <dgm:constr type="hArH" refType="w"/>
+            <dgm:constr type="stemThick" refType="w" fact="0.6"/>
+            <dgm:constr type="begPad" refType="connDist" fact="0.125"/>
+            <dgm:constr type="endPad" refType="connDist" fact="0.125"/>
+          </dgm:constrLst>
+          <dgm:ruleLst/>
+          <dgm:layoutNode name="connectorText">
+            <dgm:alg type="tx">
+              <dgm:param type="autoTxRot" val="upr"/>
+            </dgm:alg>
+            <dgm:shape xmlns:r="http://schemas.openxmlformats.org/officeDocument/2006/relationships" type="conn" r:blip="" hideGeom="1">
+              <dgm:adjLst/>
+            </dgm:shape>
+            <dgm:presOf axis="self"/>
+            <dgm:constrLst>
+              <dgm:constr type="lMarg"/>
+              <dgm:constr type="rMarg"/>
+              <dgm:constr type="tMarg"/>
+              <dgm:constr type="bMarg"/>
+            </dgm:constrLst>
+            <dgm:ruleLst>
+              <dgm:rule type="primFontSz" val="5" fact="NaN" max="NaN"/>
+            </dgm:ruleLst>
+          </dgm:layoutNode>
+        </dgm:layoutNode>
+      </dgm:forEach>
+    </dgm:forEach>
+  </dgm:layoutNode>
+</dgm:layoutDef>
+</file>
+
+<file path=ppt/diagrams/quickStyle1.xml><?xml version="1.0" encoding="utf-8"?>
+<dgm:styleDef xmlns:dgm="http://schemas.openxmlformats.org/drawingml/2006/diagram" xmlns:a="http://schemas.openxmlformats.org/drawingml/2006/main" uniqueId="urn:microsoft.com/office/officeart/2005/8/quickstyle/simple1">
+  <dgm:title val=""/>
+  <dgm:desc val=""/>
+  <dgm:catLst>
+    <dgm:cat type="simple" pri="10100"/>
+  </dgm:catLst>
+  <dgm:scene3d>
+    <a:camera prst="orthographicFront"/>
+    <a:lightRig rig="threePt" dir="t"/>
+  </dgm:scene3d>
+  <dgm:styleLbl name="node0">
+    <dgm:scene3d>
+      <a:camera prst="orthographicFront"/>
+      <a:lightRig rig="threePt" dir="t"/>
+    </dgm:scene3d>
+    <dgm:sp3d/>
+    <dgm:txPr/>
+    <dgm:style>
+      <a:lnRef idx="2">
+        <a:scrgbClr r="0" g="0" b="0"/>
+      </a:lnRef>
+      <a:fillRef idx="1">
+        <a:scrgbClr r="0" g="0" b="0"/>
+      </a:fillRef>
+      <a:effectRef idx="0">
+        <a:scrgbClr r="0" g="0" b="0"/>
+      </a:effectRef>
+      <a:fontRef idx="minor">
+        <a:schemeClr val="lt1"/>
+      </a:fontRef>
+    </dgm:style>
+  </dgm:styleLbl>
+  <dgm:styleLbl name="lnNode1">
+    <dgm:scene3d>
+      <a:camera prst="orthographicFront"/>
+      <a:lightRig rig="threePt" dir="t"/>
+    </dgm:scene3d>
+    <dgm:sp3d/>
+    <dgm:txPr/>
+    <dgm:style>
+      <a:lnRef idx="2">
+        <a:scrgbClr r="0" g="0" b="0"/>
+      </a:lnRef>
+      <a:fillRef idx="1">
+        <a:scrgbClr r="0" g="0" b="0"/>
+      </a:fillRef>
+      <a:effectRef idx="0">
+        <a:scrgbClr r="0" g="0" b="0"/>
+      </a:effectRef>
+      <a:fontRef idx="minor">
+        <a:schemeClr val="lt1"/>
+      </a:fontRef>
+    </dgm:style>
+  </dgm:styleLbl>
+  <dgm:styleLbl name="vennNode1">
+    <dgm:scene3d>
+      <a:camera prst="orthographicFront"/>
+      <a:lightRig rig="threePt" dir="t"/>
+    </dgm:scene3d>
+    <dgm:sp3d/>
+    <dgm:txPr/>
+    <dgm:style>
+      <a:lnRef idx="2">
+        <a:scrgbClr r="0" g="0" b="0"/>
+      </a:lnRef>
+      <a:fillRef idx="1">
+        <a:scrgbClr r="0" g="0" b="0"/>
+      </a:fillRef>
+      <a:effectRef idx="0">
+        <a:scrgbClr r="0" g="0" b="0"/>
+      </a:effectRef>
+      <a:fontRef idx="minor">
+        <a:schemeClr val="tx1"/>
+      </a:fontRef>
+    </dgm:style>
+  </dgm:styleLbl>
+  <dgm:styleLbl name="alignNode1">
+    <dgm:scene3d>
+      <a:camera prst="orthographicFront"/>
+      <a:lightRig rig="threePt" dir="t"/>
+    </dgm:scene3d>
+    <dgm:sp3d/>
+    <dgm:txPr/>
+    <dgm:style>
+      <a:lnRef idx="2">
+        <a:scrgbClr r="0" g="0" b="0"/>
+      </a:lnRef>
+      <a:fillRef idx="1">
+        <a:scrgbClr r="0" g="0" b="0"/>
+      </a:fillRef>
+      <a:effectRef idx="0">
+        <a:scrgbClr r="0" g="0" b="0"/>
+      </a:effectRef>
+      <a:fontRef idx="minor">
+        <a:schemeClr val="lt1"/>
+      </a:fontRef>
+    </dgm:style>
+  </dgm:styleLbl>
+  <dgm:styleLbl name="node1">
+    <dgm:scene3d>
+      <a:camera prst="orthographicFront"/>
+      <a:lightRig rig="threePt" dir="t"/>
+    </dgm:scene3d>
+    <dgm:sp3d/>
+    <dgm:txPr/>
+    <dgm:style>
+      <a:lnRef idx="2">
+        <a:scrgbClr r="0" g="0" b="0"/>
+      </a:lnRef>
+      <a:fillRef idx="1">
+        <a:scrgbClr r="0" g="0" b="0"/>
+      </a:fillRef>
+      <a:effectRef idx="0">
+        <a:scrgbClr r="0" g="0" b="0"/>
+      </a:effectRef>
+      <a:fontRef idx="minor">
+        <a:schemeClr val="lt1"/>
+      </a:fontRef>
+    </dgm:style>
+  </dgm:styleLbl>
+  <dgm:styleLbl name="node2">
+    <dgm:scene3d>
+      <a:camera prst="orthographicFront"/>
+      <a:lightRig rig="threePt" dir="t"/>
+    </dgm:scene3d>
+    <dgm:sp3d/>
+    <dgm:txPr/>
+    <dgm:style>
+      <a:lnRef idx="2">
+        <a:scrgbClr r="0" g="0" b="0"/>
+      </a:lnRef>
+      <a:fillRef idx="1">
+        <a:scrgbClr r="0" g="0" b="0"/>
+      </a:fillRef>
+      <a:effectRef idx="0">
+        <a:scrgbClr r="0" g="0" b="0"/>
+      </a:effectRef>
+      <a:fontRef idx="minor">
+        <a:schemeClr val="lt1"/>
+      </a:fontRef>
+    </dgm:style>
+  </dgm:styleLbl>
+  <dgm:styleLbl name="node3">
+    <dgm:scene3d>
+      <a:camera prst="orthographicFront"/>
+      <a:lightRig rig="threePt" dir="t"/>
+    </dgm:scene3d>
+    <dgm:sp3d/>
+    <dgm:txPr/>
+    <dgm:style>
+      <a:lnRef idx="2">
+        <a:scrgbClr r="0" g="0" b="0"/>
+      </a:lnRef>
+      <a:fillRef idx="1">
+        <a:scrgbClr r="0" g="0" b="0"/>
+      </a:fillRef>
+      <a:effectRef idx="0">
+        <a:scrgbClr r="0" g="0" b="0"/>
+      </a:effectRef>
+      <a:fontRef idx="minor">
+        <a:schemeClr val="lt1"/>
+      </a:fontRef>
+    </dgm:style>
+  </dgm:styleLbl>
+  <dgm:styleLbl name="node4">
+    <dgm:scene3d>
+      <a:camera prst="orthographicFront"/>
+      <a:lightRig rig="threePt" dir="t"/>
+    </dgm:scene3d>
+    <dgm:sp3d/>
+    <dgm:txPr/>
+    <dgm:style>
+      <a:lnRef idx="2">
+        <a:scrgbClr r="0" g="0" b="0"/>
+      </a:lnRef>
+      <a:fillRef idx="1">
+        <a:scrgbClr r="0" g="0" b="0"/>
+      </a:fillRef>
+      <a:effectRef idx="0">
+        <a:scrgbClr r="0" g="0" b="0"/>
+      </a:effectRef>
+      <a:fontRef idx="minor">
+        <a:schemeClr val="lt1"/>
+      </a:fontRef>
+    </dgm:style>
+  </dgm:styleLbl>
+  <dgm:styleLbl name="fgImgPlace1">
+    <dgm:scene3d>
+      <a:camera prst="orthographicFront"/>
+      <a:lightRig rig="threePt" dir="t"/>
+    </dgm:scene3d>
+    <dgm:sp3d/>
+    <dgm:txPr/>
+    <dgm:style>
+      <a:lnRef idx="2">
+        <a:scrgbClr r="0" g="0" b="0"/>
+      </a:lnRef>
+      <a:fillRef idx="1">
+        <a:scrgbClr r="0" g="0" b="0"/>
+      </a:fillRef>
+      <a:effectRef idx="0">
+        <a:scrgbClr r="0" g="0" b="0"/>
+      </a:effectRef>
+      <a:fontRef idx="minor"/>
+    </dgm:style>
+  </dgm:styleLbl>
+  <dgm:styleLbl name="alignImgPlace1">
+    <dgm:scene3d>
+      <a:camera prst="orthographicFront"/>
+      <a:lightRig rig="threePt" dir="t"/>
+    </dgm:scene3d>
+    <dgm:sp3d/>
+    <dgm:txPr/>
+    <dgm:style>
+      <a:lnRef idx="2">
+        <a:scrgbClr r="0" g="0" b="0"/>
+      </a:lnRef>
+      <a:fillRef idx="1">
+        <a:scrgbClr r="0" g="0" b="0"/>
+      </a:fillRef>
+      <a:effectRef idx="0">
+        <a:scrgbClr r="0" g="0" b="0"/>
+      </a:effectRef>
+      <a:fontRef idx="minor"/>
+    </dgm:style>
+  </dgm:styleLbl>
+  <dgm:styleLbl name="bgImgPlace1">
+    <dgm:scene3d>
+      <a:camera prst="orthographicFront"/>
+      <a:lightRig rig="threePt" dir="t"/>
+    </dgm:scene3d>
+    <dgm:sp3d/>
+    <dgm:txPr/>
+    <dgm:style>
+      <a:lnRef idx="2">
+        <a:scrgbClr r="0" g="0" b="0"/>
+      </a:lnRef>
+      <a:fillRef idx="1">
+        <a:scrgbClr r="0" g="0" b="0"/>
+      </a:fillRef>
+      <a:effectRef idx="0">
+        <a:scrgbClr r="0" g="0" b="0"/>
+      </a:effectRef>
+      <a:fontRef idx="minor"/>
+    </dgm:style>
+  </dgm:styleLbl>
+  <dgm:styleLbl name="sibTrans2D1">
+    <dgm:scene3d>
+      <a:camera prst="orthographicFront"/>
+      <a:lightRig rig="threePt" dir="t"/>
+    </dgm:scene3d>
+    <dgm:sp3d/>
+    <dgm:txPr/>
+    <dgm:style>
+      <a:lnRef idx="0">
+        <a:scrgbClr r="0" g="0" b="0"/>
+      </a:lnRef>
+      <a:fillRef idx="1">
+        <a:scrgbClr r="0" g="0" b="0"/>
+      </a:fillRef>
+      <a:effectRef idx="0">
+        <a:scrgbClr r="0" g="0" b="0"/>
+      </a:effectRef>
+      <a:fontRef idx="minor">
+        <a:schemeClr val="lt1"/>
+      </a:fontRef>
+    </dgm:style>
+  </dgm:styleLbl>
+  <dgm:styleLbl name="fgSibTrans2D1">
+    <dgm:scene3d>
+      <a:camera prst="orthographicFront"/>
+      <a:lightRig rig="threePt" dir="t"/>
+    </dgm:scene3d>
+    <dgm:sp3d/>
+    <dgm:txPr/>
+    <dgm:style>
+      <a:lnRef idx="0">
+        <a:scrgbClr r="0" g="0" b="0"/>
+      </a:lnRef>
+      <a:fillRef idx="1">
+        <a:scrgbClr r="0" g="0" b="0"/>
+      </a:fillRef>
+      <a:effectRef idx="0">
+        <a:scrgbClr r="0" g="0" b="0"/>
+      </a:effectRef>
+      <a:fontRef idx="minor">
+        <a:schemeClr val="lt1"/>
+      </a:fontRef>
+    </dgm:style>
+  </dgm:styleLbl>
+  <dgm:styleLbl name="bgSibTrans2D1">
+    <dgm:scene3d>
+      <a:camera prst="orthographicFront"/>
+      <a:lightRig rig="threePt" dir="t"/>
+    </dgm:scene3d>
+    <dgm:sp3d/>
+    <dgm:txPr/>
+    <dgm:style>
+      <a:lnRef idx="0">
+        <a:scrgbClr r="0" g="0" b="0"/>
+      </a:lnRef>
+      <a:fillRef idx="1">
+        <a:scrgbClr r="0" g="0" b="0"/>
+      </a:fillRef>
+      <a:effectRef idx="0">
+        <a:scrgbClr r="0" g="0" b="0"/>
+      </a:effectRef>
+      <a:fontRef idx="minor">
+        <a:schemeClr val="lt1"/>
+      </a:fontRef>
+    </dgm:style>
+  </dgm:styleLbl>
+  <dgm:styleLbl name="sibTrans1D1">
+    <dgm:scene3d>
+      <a:camera prst="orthographicFront"/>
+      <a:lightRig rig="threePt" dir="t"/>
+    </dgm:scene3d>
+    <dgm:sp3d/>
+    <dgm:txPr/>
+    <dgm:style>
+      <a:lnRef idx="1">
+        <a:scrgbClr r="0" g="0" b="0"/>
+      </a:lnRef>
+      <a:fillRef idx="0">
+        <a:scrgbClr r="0" g="0" b="0"/>
+      </a:fillRef>
+      <a:effectRef idx="0">
+        <a:scrgbClr r="0" g="0" b="0"/>
+      </a:effectRef>
+      <a:fontRef idx="minor"/>
+    </dgm:style>
+  </dgm:styleLbl>
+  <dgm:styleLbl name="callout">
+    <dgm:scene3d>
+      <a:camera prst="orthographicFront"/>
+      <a:lightRig rig="threePt" dir="t"/>
+    </dgm:scene3d>
+    <dgm:sp3d/>
+    <dgm:txPr/>
+    <dgm:style>
+      <a:lnRef idx="2">
+        <a:scrgbClr r="0" g="0" b="0"/>
+      </a:lnRef>
+      <a:fillRef idx="1">
+        <a:scrgbClr r="0" g="0" b="0"/>
+      </a:fillRef>
+      <a:effectRef idx="0">
+        <a:scrgbClr r="0" g="0" b="0"/>
+      </a:effectRef>
+      <a:fontRef idx="minor"/>
+    </dgm:style>
+  </dgm:styleLbl>
+  <dgm:styleLbl name="asst0">
+    <dgm:scene3d>
+      <a:camera prst="orthographicFront"/>
+      <a:lightRig rig="threePt" dir="t"/>
+    </dgm:scene3d>
+    <dgm:sp3d/>
+    <dgm:txPr/>
+    <dgm:style>
+      <a:lnRef idx="2">
+        <a:scrgbClr r="0" g="0" b="0"/>
+      </a:lnRef>
+      <a:fillRef idx="1">
+        <a:scrgbClr r="0" g="0" b="0"/>
+      </a:fillRef>
+      <a:effectRef idx="0">
+        <a:scrgbClr r="0" g="0" b="0"/>
+      </a:effectRef>
+      <a:fontRef idx="minor">
+        <a:schemeClr val="lt1"/>
+      </a:fontRef>
+    </dgm:style>
+  </dgm:styleLbl>
+  <dgm:styleLbl name="asst1">
+    <dgm:scene3d>
+      <a:camera prst="orthographicFront"/>
+      <a:lightRig rig="threePt" dir="t"/>
+    </dgm:scene3d>
+    <dgm:sp3d/>
+    <dgm:txPr/>
+    <dgm:style>
+      <a:lnRef idx="2">
+        <a:scrgbClr r="0" g="0" b="0"/>
+      </a:lnRef>
+      <a:fillRef idx="1">
+        <a:scrgbClr r="0" g="0" b="0"/>
+      </a:fillRef>
+      <a:effectRef idx="0">
+        <a:scrgbClr r="0" g="0" b="0"/>
+      </a:effectRef>
+      <a:fontRef idx="minor">
+        <a:schemeClr val="lt1"/>
+      </a:fontRef>
+    </dgm:style>
+  </dgm:styleLbl>
+  <dgm:styleLbl name="asst2">
+    <dgm:scene3d>
+      <a:camera prst="orthographicFront"/>
+      <a:lightRig rig="threePt" dir="t"/>
+    </dgm:scene3d>
+    <dgm:sp3d/>
+    <dgm:txPr/>
+    <dgm:style>
+      <a:lnRef idx="2">
+        <a:scrgbClr r="0" g="0" b="0"/>
+      </a:lnRef>
+      <a:fillRef idx="1">
+        <a:scrgbClr r="0" g="0" b="0"/>
+      </a:fillRef>
+      <a:effectRef idx="0">
+        <a:scrgbClr r="0" g="0" b="0"/>
+      </a:effectRef>
+      <a:fontRef idx="minor">
+        <a:schemeClr val="lt1"/>
+      </a:fontRef>
+    </dgm:style>
+  </dgm:styleLbl>
+  <dgm:styleLbl name="asst3">
+    <dgm:scene3d>
+      <a:camera prst="orthographicFront"/>
+      <a:lightRig rig="threePt" dir="t"/>
+    </dgm:scene3d>
+    <dgm:sp3d/>
+    <dgm:txPr/>
+    <dgm:style>
+      <a:lnRef idx="2">
+        <a:scrgbClr r="0" g="0" b="0"/>
+      </a:lnRef>
+      <a:fillRef idx="1">
+        <a:scrgbClr r="0" g="0" b="0"/>
+      </a:fillRef>
+      <a:effectRef idx="0">
+        <a:scrgbClr r="0" g="0" b="0"/>
+      </a:effectRef>
+      <a:fontRef idx="minor">
+        <a:schemeClr val="lt1"/>
+      </a:fontRef>
+    </dgm:style>
+  </dgm:styleLbl>
+  <dgm:styleLbl name="asst4">
+    <dgm:scene3d>
+      <a:camera prst="orthographicFront"/>
+      <a:lightRig rig="threePt" dir="t"/>
+    </dgm:scene3d>
+    <dgm:sp3d/>
+    <dgm:txPr/>
+    <dgm:style>
+      <a:lnRef idx="2">
+        <a:scrgbClr r="0" g="0" b="0"/>
+      </a:lnRef>
+      <a:fillRef idx="1">
+        <a:scrgbClr r="0" g="0" b="0"/>
+      </a:fillRef>
+      <a:effectRef idx="0">
+        <a:scrgbClr r="0" g="0" b="0"/>
+      </a:effectRef>
+      <a:fontRef idx="minor">
+        <a:schemeClr val="lt1"/>
+      </a:fontRef>
+    </dgm:style>
+  </dgm:styleLbl>
+  <dgm:styleLbl name="parChTrans2D1">
+    <dgm:scene3d>
+      <a:camera prst="orthographicFront"/>
+      <a:lightRig rig="threePt" dir="t"/>
+    </dgm:scene3d>
+    <dgm:sp3d/>
+    <dgm:txPr/>
+    <dgm:style>
+      <a:lnRef idx="2">
+        <a:scrgbClr r="0" g="0" b="0"/>
+      </a:lnRef>
+      <a:fillRef idx="1">
+        <a:scrgbClr r="0" g="0" b="0"/>
+      </a:fillRef>
+      <a:effectRef idx="0">
+        <a:scrgbClr r="0" g="0" b="0"/>
+      </a:effectRef>
+      <a:fontRef idx="minor">
+        <a:schemeClr val="lt1"/>
+      </a:fontRef>
+    </dgm:style>
+  </dgm:styleLbl>
+  <dgm:styleLbl name="parChTrans2D2">
+    <dgm:scene3d>
+      <a:camera prst="orthographicFront"/>
+      <a:lightRig rig="threePt" dir="t"/>
+    </dgm:scene3d>
+    <dgm:sp3d/>
+    <dgm:txPr/>
+    <dgm:style>
+      <a:lnRef idx="2">
+        <a:scrgbClr r="0" g="0" b="0"/>
+      </a:lnRef>
+      <a:fillRef idx="1">
+        <a:scrgbClr r="0" g="0" b="0"/>
+      </a:fillRef>
+      <a:effectRef idx="0">
+        <a:scrgbClr r="0" g="0" b="0"/>
+      </a:effectRef>
+      <a:fontRef idx="minor">
+        <a:schemeClr val="lt1"/>
+      </a:fontRef>
+    </dgm:style>
+  </dgm:styleLbl>
+  <dgm:styleLbl name="parChTrans2D3">
+    <dgm:scene3d>
+      <a:camera prst="orthographicFront"/>
+      <a:lightRig rig="threePt" dir="t"/>
+    </dgm:scene3d>
+    <dgm:sp3d/>
+    <dgm:txPr/>
+    <dgm:style>
+      <a:lnRef idx="2">
+        <a:scrgbClr r="0" g="0" b="0"/>
+      </a:lnRef>
+      <a:fillRef idx="1">
+        <a:scrgbClr r="0" g="0" b="0"/>
+      </a:fillRef>
+      <a:effectRef idx="0">
+        <a:scrgbClr r="0" g="0" b="0"/>
+      </a:effectRef>
+      <a:fontRef idx="minor">
+        <a:schemeClr val="lt1"/>
+      </a:fontRef>
+    </dgm:style>
+  </dgm:styleLbl>
+  <dgm:styleLbl name="parChTrans2D4">
+    <dgm:scene3d>
+      <a:camera prst="orthographicFront"/>
+      <a:lightRig rig="threePt" dir="t"/>
+    </dgm:scene3d>
+    <dgm:sp3d/>
+    <dgm:txPr/>
+    <dgm:style>
+      <a:lnRef idx="2">
+        <a:scrgbClr r="0" g="0" b="0"/>
+      </a:lnRef>
+      <a:fillRef idx="1">
+        <a:scrgbClr r="0" g="0" b="0"/>
+      </a:fillRef>
+      <a:effectRef idx="0">
+        <a:scrgbClr r="0" g="0" b="0"/>
+      </a:effectRef>
+      <a:fontRef idx="minor">
+        <a:schemeClr val="lt1"/>
+      </a:fontRef>
+    </dgm:style>
+  </dgm:styleLbl>
+  <dgm:styleLbl name="parChTrans1D1">
+    <dgm:scene3d>
+      <a:camera prst="orthographicFront"/>
+      <a:lightRig rig="threePt" dir="t"/>
+    </dgm:scene3d>
+    <dgm:sp3d/>
+    <dgm:txPr/>
+    <dgm:style>
+      <a:lnRef idx="2">
+        <a:scrgbClr r="0" g="0" b="0"/>
+      </a:lnRef>
+      <a:fillRef idx="0">
+        <a:scrgbClr r="0" g="0" b="0"/>
+      </a:fillRef>
+      <a:effectRef idx="0">
+        <a:scrgbClr r="0" g="0" b="0"/>
+      </a:effectRef>
+      <a:fontRef idx="minor"/>
+    </dgm:style>
+  </dgm:styleLbl>
+  <dgm:styleLbl name="parChTrans1D2">
+    <dgm:scene3d>
+      <a:camera prst="orthographicFront"/>
+      <a:lightRig rig="threePt" dir="t"/>
+    </dgm:scene3d>
+    <dgm:sp3d/>
+    <dgm:txPr/>
+    <dgm:style>
+      <a:lnRef idx="2">
+        <a:scrgbClr r="0" g="0" b="0"/>
+      </a:lnRef>
+      <a:fillRef idx="0">
+        <a:scrgbClr r="0" g="0" b="0"/>
+      </a:fillRef>
+      <a:effectRef idx="0">
+        <a:scrgbClr r="0" g="0" b="0"/>
+      </a:effectRef>
+      <a:fontRef idx="minor"/>
+    </dgm:style>
+  </dgm:styleLbl>
+  <dgm:styleLbl name="parChTrans1D3">
+    <dgm:scene3d>
+      <a:camera prst="orthographicFront"/>
+      <a:lightRig rig="threePt" dir="t"/>
+    </dgm:scene3d>
+    <dgm:sp3d/>
+    <dgm:txPr/>
+    <dgm:style>
+      <a:lnRef idx="2">
+        <a:scrgbClr r="0" g="0" b="0"/>
+      </a:lnRef>
+      <a:fillRef idx="0">
+        <a:scrgbClr r="0" g="0" b="0"/>
+      </a:fillRef>
+      <a:effectRef idx="0">
+        <a:scrgbClr r="0" g="0" b="0"/>
+      </a:effectRef>
+      <a:fontRef idx="minor"/>
+    </dgm:style>
+  </dgm:styleLbl>
+  <dgm:styleLbl name="parChTrans1D4">
+    <dgm:scene3d>
+      <a:camera prst="orthographicFront"/>
+      <a:lightRig rig="threePt" dir="t"/>
+    </dgm:scene3d>
+    <dgm:sp3d/>
+    <dgm:txPr/>
+    <dgm:style>
+      <a:lnRef idx="2">
+        <a:scrgbClr r="0" g="0" b="0"/>
+      </a:lnRef>
+      <a:fillRef idx="0">
+        <a:scrgbClr r="0" g="0" b="0"/>
+      </a:fillRef>
+      <a:effectRef idx="0">
+        <a:scrgbClr r="0" g="0" b="0"/>
+      </a:effectRef>
+      <a:fontRef idx="minor"/>
+    </dgm:style>
+  </dgm:styleLbl>
+  <dgm:styleLbl name="fgAcc1">
+    <dgm:scene3d>
+      <a:camera prst="orthographicFront"/>
+      <a:lightRig rig="threePt" dir="t"/>
+    </dgm:scene3d>
+    <dgm:sp3d/>
+    <dgm:txPr/>
+    <dgm:style>
+      <a:lnRef idx="2">
+        <a:scrgbClr r="0" g="0" b="0"/>
+      </a:lnRef>
+      <a:fillRef idx="1">
+        <a:scrgbClr r="0" g="0" b="0"/>
+      </a:fillRef>
+      <a:effectRef idx="0">
+        <a:scrgbClr r="0" g="0" b="0"/>
+      </a:effectRef>
+      <a:fontRef idx="minor"/>
+    </dgm:style>
+  </dgm:styleLbl>
+  <dgm:styleLbl name="conFgAcc1">
+    <dgm:scene3d>
+      <a:camera prst="orthographicFront"/>
+      <a:lightRig rig="threePt" dir="t"/>
+    </dgm:scene3d>
+    <dgm:sp3d/>
+    <dgm:txPr/>
+    <dgm:style>
+      <a:lnRef idx="2">
+        <a:scrgbClr r="0" g="0" b="0"/>
+      </a:lnRef>
+      <a:fillRef idx="1">
+        <a:scrgbClr r="0" g="0" b="0"/>
+      </a:fillRef>
+      <a:effectRef idx="0">
+        <a:scrgbClr r="0" g="0" b="0"/>
+      </a:effectRef>
+      <a:fontRef idx="minor"/>
+    </dgm:style>
+  </dgm:styleLbl>
+  <dgm:styleLbl name="alignAcc1">
+    <dgm:scene3d>
+      <a:camera prst="orthographicFront"/>
+      <a:lightRig rig="threePt" dir="t"/>
+    </dgm:scene3d>
+    <dgm:sp3d/>
+    <dgm:txPr/>
+    <dgm:style>
+      <a:lnRef idx="2">
+        <a:scrgbClr r="0" g="0" b="0"/>
+      </a:lnRef>
+      <a:fillRef idx="1">
+        <a:scrgbClr r="0" g="0" b="0"/>
+      </a:fillRef>
+      <a:effectRef idx="0">
+        <a:scrgbClr r="0" g="0" b="0"/>
+      </a:effectRef>
+      <a:fontRef idx="minor"/>
+    </dgm:style>
+  </dgm:styleLbl>
+  <dgm:styleLbl name="trAlignAcc1">
+    <dgm:scene3d>
+      <a:camera prst="orthographicFront"/>
+      <a:lightRig rig="threePt" dir="t"/>
+    </dgm:scene3d>
+    <dgm:sp3d/>
+    <dgm:txPr/>
+    <dgm:style>
+      <a:lnRef idx="1">
+        <a:scrgbClr r="0" g="0" b="0"/>
+      </a:lnRef>
+      <a:fillRef idx="1">
+        <a:scrgbClr r="0" g="0" b="0"/>
+      </a:fillRef>
+      <a:effectRef idx="0">
+        <a:scrgbClr r="0" g="0" b="0"/>
+      </a:effectRef>
+      <a:fontRef idx="minor"/>
+    </dgm:style>
+  </dgm:styleLbl>
+  <dgm:styleLbl name="bgAcc1">
+    <dgm:scene3d>
+      <a:camera prst="orthographicFront"/>
+      <a:lightRig rig="threePt" dir="t"/>
+    </dgm:scene3d>
+    <dgm:sp3d/>
+    <dgm:txPr/>
+    <dgm:style>
+      <a:lnRef idx="2">
+        <a:scrgbClr r="0" g="0" b="0"/>
+      </a:lnRef>
+      <a:fillRef idx="1">
+        <a:scrgbClr r="0" g="0" b="0"/>
+      </a:fillRef>
+      <a:effectRef idx="0">
+        <a:scrgbClr r="0" g="0" b="0"/>
+      </a:effectRef>
+      <a:fontRef idx="minor"/>
+    </dgm:style>
+  </dgm:styleLbl>
+  <dgm:styleLbl name="solidFgAcc1">
+    <dgm:scene3d>
+      <a:camera prst="orthographicFront"/>
+      <a:lightRig rig="threePt" dir="t"/>
+    </dgm:scene3d>
+    <dgm:sp3d/>
+    <dgm:txPr/>
+    <dgm:style>
+      <a:lnRef idx="2">
+        <a:scrgbClr r="0" g="0" b="0"/>
+      </a:lnRef>
+      <a:fillRef idx="1">
+        <a:scrgbClr r="0" g="0" b="0"/>
+      </a:fillRef>
+      <a:effectRef idx="0">
+        <a:scrgbClr r="0" g="0" b="0"/>
+      </a:effectRef>
+      <a:fontRef idx="minor"/>
+    </dgm:style>
+  </dgm:styleLbl>
+  <dgm:styleLbl name="solidAlignAcc1">
+    <dgm:scene3d>
+      <a:camera prst="orthographicFront"/>
+      <a:lightRig rig="threePt" dir="t"/>
+    </dgm:scene3d>
+    <dgm:sp3d/>
+    <dgm:txPr/>
+    <dgm:style>
+      <a:lnRef idx="2">
+        <a:scrgbClr r="0" g="0" b="0"/>
+      </a:lnRef>
+      <a:fillRef idx="1">
+        <a:scrgbClr r="0" g="0" b="0"/>
+      </a:fillRef>
+      <a:effectRef idx="0">
+        <a:scrgbClr r="0" g="0" b="0"/>
+      </a:effectRef>
+      <a:fontRef idx="minor"/>
+    </dgm:style>
+  </dgm:styleLbl>
+  <dgm:styleLbl name="solidBgAcc1">
+    <dgm:scene3d>
+      <a:camera prst="orthographicFront"/>
+      <a:lightRig rig="threePt" dir="t"/>
+    </dgm:scene3d>
+    <dgm:sp3d/>
+    <dgm:txPr/>
+    <dgm:style>
+      <a:lnRef idx="2">
+        <a:scrgbClr r="0" g="0" b="0"/>
+      </a:lnRef>
+      <a:fillRef idx="1">
+        <a:scrgbClr r="0" g="0" b="0"/>
+      </a:fillRef>
+      <a:effectRef idx="0">
+        <a:scrgbClr r="0" g="0" b="0"/>
+      </a:effectRef>
+      <a:fontRef idx="minor"/>
+    </dgm:style>
+  </dgm:styleLbl>
+  <dgm:styleLbl name="fgAccFollowNode1">
+    <dgm:scene3d>
+      <a:camera prst="orthographicFront"/>
+      <a:lightRig rig="threePt" dir="t"/>
+    </dgm:scene3d>
+    <dgm:sp3d/>
+    <dgm:txPr/>
+    <dgm:style>
+      <a:lnRef idx="2">
+        <a:scrgbClr r="0" g="0" b="0"/>
+      </a:lnRef>
+      <a:fillRef idx="1">
+        <a:scrgbClr r="0" g="0" b="0"/>
+      </a:fillRef>
+      <a:effectRef idx="0">
+        <a:scrgbClr r="0" g="0" b="0"/>
+      </a:effectRef>
+      <a:fontRef idx="minor"/>
+    </dgm:style>
+  </dgm:styleLbl>
+  <dgm:styleLbl name="alignAccFollowNode1">
+    <dgm:scene3d>
+      <a:camera prst="orthographicFront"/>
+      <a:lightRig rig="threePt" dir="t"/>
+    </dgm:scene3d>
+    <dgm:sp3d/>
+    <dgm:txPr/>
+    <dgm:style>
+      <a:lnRef idx="2">
+        <a:scrgbClr r="0" g="0" b="0"/>
+      </a:lnRef>
+      <a:fillRef idx="1">
+        <a:scrgbClr r="0" g="0" b="0"/>
+      </a:fillRef>
+      <a:effectRef idx="0">
+        <a:scrgbClr r="0" g="0" b="0"/>
+      </a:effectRef>
+      <a:fontRef idx="minor"/>
+    </dgm:style>
+  </dgm:styleLbl>
+  <dgm:styleLbl name="bgAccFollowNode1">
+    <dgm:scene3d>
+      <a:camera prst="orthographicFront"/>
+      <a:lightRig rig="threePt" dir="t"/>
+    </dgm:scene3d>
+    <dgm:sp3d/>
+    <dgm:txPr/>
+    <dgm:style>
+      <a:lnRef idx="2">
+        <a:scrgbClr r="0" g="0" b="0"/>
+      </a:lnRef>
+      <a:fillRef idx="1">
+        <a:scrgbClr r="0" g="0" b="0"/>
+      </a:fillRef>
+      <a:effectRef idx="0">
+        <a:scrgbClr r="0" g="0" b="0"/>
+      </a:effectRef>
+      <a:fontRef idx="minor"/>
+    </dgm:style>
+  </dgm:styleLbl>
+  <dgm:styleLbl name="fgAcc0">
+    <dgm:scene3d>
+      <a:camera prst="orthographicFront"/>
+      <a:lightRig rig="threePt" dir="t"/>
+    </dgm:scene3d>
+    <dgm:sp3d/>
+    <dgm:txPr/>
+    <dgm:style>
+      <a:lnRef idx="2">
+        <a:scrgbClr r="0" g="0" b="0"/>
+      </a:lnRef>
+      <a:fillRef idx="1">
+        <a:scrgbClr r="0" g="0" b="0"/>
+      </a:fillRef>
+      <a:effectRef idx="0">
+        <a:scrgbClr r="0" g="0" b="0"/>
+      </a:effectRef>
+      <a:fontRef idx="minor"/>
+    </dgm:style>
+  </dgm:styleLbl>
+  <dgm:styleLbl name="fgAcc2">
+    <dgm:scene3d>
+      <a:camera prst="orthographicFront"/>
+      <a:lightRig rig="threePt" dir="t"/>
+    </dgm:scene3d>
+    <dgm:sp3d/>
+    <dgm:txPr/>
+    <dgm:style>
+      <a:lnRef idx="2">
+        <a:scrgbClr r="0" g="0" b="0"/>
+      </a:lnRef>
+      <a:fillRef idx="1">
+        <a:scrgbClr r="0" g="0" b="0"/>
+      </a:fillRef>
+      <a:effectRef idx="0">
+        <a:scrgbClr r="0" g="0" b="0"/>
+      </a:effectRef>
+      <a:fontRef idx="minor"/>
+    </dgm:style>
+  </dgm:styleLbl>
+  <dgm:styleLbl name="fgAcc3">
+    <dgm:scene3d>
+      <a:camera prst="orthographicFront"/>
+      <a:lightRig rig="threePt" dir="t"/>
+    </dgm:scene3d>
+    <dgm:sp3d/>
+    <dgm:txPr/>
+    <dgm:style>
+      <a:lnRef idx="2">
+        <a:scrgbClr r="0" g="0" b="0"/>
+      </a:lnRef>
+      <a:fillRef idx="1">
+        <a:scrgbClr r="0" g="0" b="0"/>
+      </a:fillRef>
+      <a:effectRef idx="0">
+        <a:scrgbClr r="0" g="0" b="0"/>
+      </a:effectRef>
+      <a:fontRef idx="minor"/>
+    </dgm:style>
+  </dgm:styleLbl>
+  <dgm:styleLbl name="fgAcc4">
+    <dgm:scene3d>
+      <a:camera prst="orthographicFront"/>
+      <a:lightRig rig="threePt" dir="t"/>
+    </dgm:scene3d>
+    <dgm:sp3d/>
+    <dgm:txPr/>
+    <dgm:style>
+      <a:lnRef idx="2">
+        <a:scrgbClr r="0" g="0" b="0"/>
+      </a:lnRef>
+      <a:fillRef idx="1">
+        <a:scrgbClr r="0" g="0" b="0"/>
+      </a:fillRef>
+      <a:effectRef idx="0">
+        <a:scrgbClr r="0" g="0" b="0"/>
+      </a:effectRef>
+      <a:fontRef idx="minor"/>
+    </dgm:style>
+  </dgm:styleLbl>
+  <dgm:styleLbl name="bgShp">
+    <dgm:scene3d>
+      <a:camera prst="orthographicFront"/>
+      <a:lightRig rig="threePt" dir="t"/>
+    </dgm:scene3d>
+    <dgm:sp3d/>
+    <dgm:txPr/>
+    <dgm:style>
+      <a:lnRef idx="0">
+        <a:scrgbClr r="0" g="0" b="0"/>
+      </a:lnRef>
+      <a:fillRef idx="1">
+        <a:scrgbClr r="0" g="0" b="0"/>
+      </a:fillRef>
+      <a:effectRef idx="0">
+        <a:scrgbClr r="0" g="0" b="0"/>
+      </a:effectRef>
+      <a:fontRef idx="minor"/>
+    </dgm:style>
+  </dgm:styleLbl>
+  <dgm:styleLbl name="dkBgShp">
+    <dgm:scene3d>
+      <a:camera prst="orthographicFront"/>
+      <a:lightRig rig="threePt" dir="t"/>
+    </dgm:scene3d>
+    <dgm:sp3d/>
+    <dgm:txPr/>
+    <dgm:style>
+      <a:lnRef idx="0">
+        <a:scrgbClr r="0" g="0" b="0"/>
+      </a:lnRef>
+      <a:fillRef idx="1">
+        <a:scrgbClr r="0" g="0" b="0"/>
+      </a:fillRef>
+      <a:effectRef idx="0">
+        <a:scrgbClr r="0" g="0" b="0"/>
+      </a:effectRef>
+      <a:fontRef idx="minor"/>
+    </dgm:style>
+  </dgm:styleLbl>
+  <dgm:styleLbl name="trBgShp">
+    <dgm:scene3d>
+      <a:camera prst="orthographicFront"/>
+      <a:lightRig rig="threePt" dir="t"/>
+    </dgm:scene3d>
+    <dgm:sp3d/>
+    <dgm:txPr/>
+    <dgm:style>
+      <a:lnRef idx="0">
+        <a:scrgbClr r="0" g="0" b="0"/>
+      </a:lnRef>
+      <a:fillRef idx="1">
+        <a:scrgbClr r="0" g="0" b="0"/>
+      </a:fillRef>
+      <a:effectRef idx="0">
+        <a:scrgbClr r="0" g="0" b="0"/>
+      </a:effectRef>
+      <a:fontRef idx="minor"/>
+    </dgm:style>
+  </dgm:styleLbl>
+  <dgm:styleLbl name="fgShp">
+    <dgm:scene3d>
+      <a:camera prst="orthographicFront"/>
+      <a:lightRig rig="threePt" dir="t"/>
+    </dgm:scene3d>
+    <dgm:sp3d/>
+    <dgm:txPr/>
+    <dgm:style>
+      <a:lnRef idx="2">
+        <a:scrgbClr r="0" g="0" b="0"/>
+      </a:lnRef>
+      <a:fillRef idx="1">
+        <a:scrgbClr r="0" g="0" b="0"/>
+      </a:fillRef>
+      <a:effectRef idx="0">
+        <a:scrgbClr r="0" g="0" b="0"/>
+      </a:effectRef>
+      <a:fontRef idx="minor"/>
+    </dgm:style>
+  </dgm:styleLbl>
+  <dgm:styleLbl name="revTx">
+    <dgm:scene3d>
+      <a:camera prst="orthographicFront"/>
+      <a:lightRig rig="threePt" dir="t"/>
+    </dgm:scene3d>
+    <dgm:sp3d/>
+    <dgm:txPr/>
+    <dgm:style>
+      <a:lnRef idx="0">
+        <a:scrgbClr r="0" g="0" b="0"/>
+      </a:lnRef>
+      <a:fillRef idx="0">
+        <a:scrgbClr r="0" g="0" b="0"/>
+      </a:fillRef>
+      <a:effectRef idx="0">
+        <a:scrgbClr r="0" g="0" b="0"/>
+      </a:effectRef>
+      <a:fontRef idx="minor"/>
+    </dgm:style>
+  </dgm:styleLbl>
+</dgm:styleDef>
 </file>
 
 <file path=ppt/slideLayouts/slideLayout1.xml><?xml version="1.0" encoding="utf-8"?>
@@ -273,7 +3485,7 @@
           <a:p>
             <a:fld id="{A5742A81-1D1E-49CD-A26D-486A8B05C7FB}" type="datetimeFigureOut">
               <a:rPr lang="en-GB" smtClean="0"/>
-              <a:t>14/10/2023</a:t>
+              <a:t>04/11/2023</a:t>
             </a:fld>
             <a:endParaRPr lang="en-GB"/>
           </a:p>
@@ -473,7 +3685,7 @@
           <a:p>
             <a:fld id="{A5742A81-1D1E-49CD-A26D-486A8B05C7FB}" type="datetimeFigureOut">
               <a:rPr lang="en-GB" smtClean="0"/>
-              <a:t>14/10/2023</a:t>
+              <a:t>04/11/2023</a:t>
             </a:fld>
             <a:endParaRPr lang="en-GB"/>
           </a:p>
@@ -683,7 +3895,7 @@
           <a:p>
             <a:fld id="{A5742A81-1D1E-49CD-A26D-486A8B05C7FB}" type="datetimeFigureOut">
               <a:rPr lang="en-GB" smtClean="0"/>
-              <a:t>14/10/2023</a:t>
+              <a:t>04/11/2023</a:t>
             </a:fld>
             <a:endParaRPr lang="en-GB"/>
           </a:p>
@@ -883,7 +4095,7 @@
           <a:p>
             <a:fld id="{A5742A81-1D1E-49CD-A26D-486A8B05C7FB}" type="datetimeFigureOut">
               <a:rPr lang="en-GB" smtClean="0"/>
-              <a:t>14/10/2023</a:t>
+              <a:t>04/11/2023</a:t>
             </a:fld>
             <a:endParaRPr lang="en-GB"/>
           </a:p>
@@ -1159,7 +4371,7 @@
           <a:p>
             <a:fld id="{A5742A81-1D1E-49CD-A26D-486A8B05C7FB}" type="datetimeFigureOut">
               <a:rPr lang="en-GB" smtClean="0"/>
-              <a:t>14/10/2023</a:t>
+              <a:t>04/11/2023</a:t>
             </a:fld>
             <a:endParaRPr lang="en-GB"/>
           </a:p>
@@ -1427,7 +4639,7 @@
           <a:p>
             <a:fld id="{A5742A81-1D1E-49CD-A26D-486A8B05C7FB}" type="datetimeFigureOut">
               <a:rPr lang="en-GB" smtClean="0"/>
-              <a:t>14/10/2023</a:t>
+              <a:t>04/11/2023</a:t>
             </a:fld>
             <a:endParaRPr lang="en-GB"/>
           </a:p>
@@ -1842,7 +5054,7 @@
           <a:p>
             <a:fld id="{A5742A81-1D1E-49CD-A26D-486A8B05C7FB}" type="datetimeFigureOut">
               <a:rPr lang="en-GB" smtClean="0"/>
-              <a:t>14/10/2023</a:t>
+              <a:t>04/11/2023</a:t>
             </a:fld>
             <a:endParaRPr lang="en-GB"/>
           </a:p>
@@ -1984,7 +5196,7 @@
           <a:p>
             <a:fld id="{A5742A81-1D1E-49CD-A26D-486A8B05C7FB}" type="datetimeFigureOut">
               <a:rPr lang="en-GB" smtClean="0"/>
-              <a:t>14/10/2023</a:t>
+              <a:t>04/11/2023</a:t>
             </a:fld>
             <a:endParaRPr lang="en-GB"/>
           </a:p>
@@ -2097,7 +5309,7 @@
           <a:p>
             <a:fld id="{A5742A81-1D1E-49CD-A26D-486A8B05C7FB}" type="datetimeFigureOut">
               <a:rPr lang="en-GB" smtClean="0"/>
-              <a:t>14/10/2023</a:t>
+              <a:t>04/11/2023</a:t>
             </a:fld>
             <a:endParaRPr lang="en-GB"/>
           </a:p>
@@ -2410,7 +5622,7 @@
           <a:p>
             <a:fld id="{A5742A81-1D1E-49CD-A26D-486A8B05C7FB}" type="datetimeFigureOut">
               <a:rPr lang="en-GB" smtClean="0"/>
-              <a:t>14/10/2023</a:t>
+              <a:t>04/11/2023</a:t>
             </a:fld>
             <a:endParaRPr lang="en-GB"/>
           </a:p>
@@ -2699,7 +5911,7 @@
           <a:p>
             <a:fld id="{A5742A81-1D1E-49CD-A26D-486A8B05C7FB}" type="datetimeFigureOut">
               <a:rPr lang="en-GB" smtClean="0"/>
-              <a:t>14/10/2023</a:t>
+              <a:t>04/11/2023</a:t>
             </a:fld>
             <a:endParaRPr lang="en-GB"/>
           </a:p>
@@ -2942,7 +6154,7 @@
           <a:p>
             <a:fld id="{A5742A81-1D1E-49CD-A26D-486A8B05C7FB}" type="datetimeFigureOut">
               <a:rPr lang="en-GB" smtClean="0"/>
-              <a:t>14/10/2023</a:t>
+              <a:t>04/11/2023</a:t>
             </a:fld>
             <a:endParaRPr lang="en-GB"/>
           </a:p>
@@ -4178,8 +7390,8 @@
           <a:chExt cx="0" cy="0"/>
         </a:xfrm>
       </p:grpSpPr>
-      <mc:AlternateContent xmlns:mc="http://schemas.openxmlformats.org/markup-compatibility/2006">
-        <mc:Choice xmlns:a14="http://schemas.microsoft.com/office/drawing/2010/main" Requires="a14">
+      <mc:AlternateContent xmlns:mc="http://schemas.openxmlformats.org/markup-compatibility/2006" xmlns:a14="http://schemas.microsoft.com/office/drawing/2010/main">
+        <mc:Choice Requires="a14">
           <p:graphicFrame>
             <p:nvGraphicFramePr>
               <p:cNvPr id="4" name="Content Placeholder 3">
@@ -4476,7 +7688,7 @@
             </a:graphic>
           </p:graphicFrame>
         </mc:Choice>
-        <mc:Fallback>
+        <mc:Fallback xmlns="">
           <p:graphicFrame>
             <p:nvGraphicFramePr>
               <p:cNvPr id="4" name="Content Placeholder 3">
@@ -4743,8 +7955,8 @@
           </p:graphicFrame>
         </mc:Fallback>
       </mc:AlternateContent>
-      <mc:AlternateContent xmlns:mc="http://schemas.openxmlformats.org/markup-compatibility/2006">
-        <mc:Choice xmlns:a14="http://schemas.microsoft.com/office/drawing/2010/main" Requires="a14">
+      <mc:AlternateContent xmlns:mc="http://schemas.openxmlformats.org/markup-compatibility/2006" xmlns:a14="http://schemas.microsoft.com/office/drawing/2010/main">
+        <mc:Choice Requires="a14">
           <p:graphicFrame>
             <p:nvGraphicFramePr>
               <p:cNvPr id="5" name="Content Placeholder 3">
@@ -5210,7 +8422,7 @@
             </a:graphic>
           </p:graphicFrame>
         </mc:Choice>
-        <mc:Fallback>
+        <mc:Fallback xmlns="">
           <p:graphicFrame>
             <p:nvGraphicFramePr>
               <p:cNvPr id="5" name="Content Placeholder 3">
@@ -5582,8 +8794,8 @@
           </a:p>
         </p:txBody>
       </p:sp>
-      <mc:AlternateContent xmlns:mc="http://schemas.openxmlformats.org/markup-compatibility/2006">
-        <mc:Choice xmlns:a14="http://schemas.microsoft.com/office/drawing/2010/main" Requires="a14">
+      <mc:AlternateContent xmlns:mc="http://schemas.openxmlformats.org/markup-compatibility/2006" xmlns:a14="http://schemas.microsoft.com/office/drawing/2010/main">
+        <mc:Choice Requires="a14">
           <p:graphicFrame>
             <p:nvGraphicFramePr>
               <p:cNvPr id="8" name="Content Placeholder 3">
@@ -6264,7 +9476,7 @@
             </a:graphic>
           </p:graphicFrame>
         </mc:Choice>
-        <mc:Fallback>
+        <mc:Fallback xmlns="">
           <p:graphicFrame>
             <p:nvGraphicFramePr>
               <p:cNvPr id="8" name="Content Placeholder 3">
@@ -6621,8 +9833,8 @@
           </p:graphicFrame>
         </mc:Fallback>
       </mc:AlternateContent>
-      <mc:AlternateContent xmlns:mc="http://schemas.openxmlformats.org/markup-compatibility/2006">
-        <mc:Choice xmlns:a14="http://schemas.microsoft.com/office/drawing/2010/main" Requires="a14">
+      <mc:AlternateContent xmlns:mc="http://schemas.openxmlformats.org/markup-compatibility/2006" xmlns:a14="http://schemas.microsoft.com/office/drawing/2010/main">
+        <mc:Choice Requires="a14">
           <p:graphicFrame>
             <p:nvGraphicFramePr>
               <p:cNvPr id="9" name="Content Placeholder 3">
@@ -7162,7 +10374,7 @@
             </a:graphic>
           </p:graphicFrame>
         </mc:Choice>
-        <mc:Fallback>
+        <mc:Fallback xmlns="">
           <p:graphicFrame>
             <p:nvGraphicFramePr>
               <p:cNvPr id="9" name="Content Placeholder 3">
@@ -7575,8 +10787,8 @@
           </a:p>
         </p:txBody>
       </p:sp>
-      <mc:AlternateContent xmlns:mc="http://schemas.openxmlformats.org/markup-compatibility/2006">
-        <mc:Choice xmlns:a14="http://schemas.microsoft.com/office/drawing/2010/main" Requires="a14">
+      <mc:AlternateContent xmlns:mc="http://schemas.openxmlformats.org/markup-compatibility/2006" xmlns:a14="http://schemas.microsoft.com/office/drawing/2010/main">
+        <mc:Choice Requires="a14">
           <p:graphicFrame>
             <p:nvGraphicFramePr>
               <p:cNvPr id="12" name="Content Placeholder 3">
@@ -7919,7 +11131,7 @@
             </a:graphic>
           </p:graphicFrame>
         </mc:Choice>
-        <mc:Fallback>
+        <mc:Fallback xmlns="">
           <p:graphicFrame>
             <p:nvGraphicFramePr>
               <p:cNvPr id="12" name="Content Placeholder 3">
@@ -8428,6 +11640,1436 @@
 </p:sld>
 </file>
 
+<file path=ppt/slides/slide3.xml><?xml version="1.0" encoding="utf-8"?>
+<p:sld xmlns:a="http://schemas.openxmlformats.org/drawingml/2006/main" xmlns:r="http://schemas.openxmlformats.org/officeDocument/2006/relationships" xmlns:p="http://schemas.openxmlformats.org/presentationml/2006/main">
+  <p:cSld>
+    <p:spTree>
+      <p:nvGrpSpPr>
+        <p:cNvPr id="1" name=""/>
+        <p:cNvGrpSpPr/>
+        <p:nvPr/>
+      </p:nvGrpSpPr>
+      <p:grpSpPr>
+        <a:xfrm>
+          <a:off x="0" y="0"/>
+          <a:ext cx="0" cy="0"/>
+          <a:chOff x="0" y="0"/>
+          <a:chExt cx="0" cy="0"/>
+        </a:xfrm>
+      </p:grpSpPr>
+      <p:sp>
+        <p:nvSpPr>
+          <p:cNvPr id="2" name="Title 1">
+            <a:extLst>
+              <a:ext uri="{FF2B5EF4-FFF2-40B4-BE49-F238E27FC236}">
+                <a16:creationId xmlns:a16="http://schemas.microsoft.com/office/drawing/2014/main" id="{4423B487-B5A7-836A-86F3-BE6A1C51C856}"/>
+              </a:ext>
+            </a:extLst>
+          </p:cNvPr>
+          <p:cNvSpPr>
+            <a:spLocks noGrp="1"/>
+          </p:cNvSpPr>
+          <p:nvPr>
+            <p:ph type="title"/>
+          </p:nvPr>
+        </p:nvSpPr>
+        <p:spPr/>
+        <p:txBody>
+          <a:bodyPr/>
+          <a:lstStyle/>
+          <a:p>
+            <a:endParaRPr lang="en-GB"/>
+          </a:p>
+        </p:txBody>
+      </p:sp>
+      <p:graphicFrame>
+        <p:nvGraphicFramePr>
+          <p:cNvPr id="4" name="Content Placeholder 3">
+            <a:extLst>
+              <a:ext uri="{FF2B5EF4-FFF2-40B4-BE49-F238E27FC236}">
+                <a16:creationId xmlns:a16="http://schemas.microsoft.com/office/drawing/2014/main" id="{BF185E86-953F-895A-3A9A-A48AEA14DE9B}"/>
+              </a:ext>
+            </a:extLst>
+          </p:cNvPr>
+          <p:cNvGraphicFramePr>
+            <a:graphicFrameLocks noGrp="1"/>
+          </p:cNvGraphicFramePr>
+          <p:nvPr>
+            <p:ph idx="1"/>
+            <p:extLst>
+              <p:ext uri="{D42A27DB-BD31-4B8C-83A1-F6EECF244321}">
+                <p14:modId xmlns:p14="http://schemas.microsoft.com/office/powerpoint/2010/main" val="1053433578"/>
+              </p:ext>
+            </p:extLst>
+          </p:nvPr>
+        </p:nvGraphicFramePr>
+        <p:xfrm>
+          <a:off x="838200" y="1825625"/>
+          <a:ext cx="10515600" cy="4351338"/>
+        </p:xfrm>
+        <a:graphic>
+          <a:graphicData uri="http://schemas.openxmlformats.org/drawingml/2006/diagram">
+            <dgm:relIds xmlns:dgm="http://schemas.openxmlformats.org/drawingml/2006/diagram" xmlns:r="http://schemas.openxmlformats.org/officeDocument/2006/relationships" r:dm="rId2" r:lo="rId3" r:qs="rId4" r:cs="rId5"/>
+          </a:graphicData>
+        </a:graphic>
+      </p:graphicFrame>
+    </p:spTree>
+    <p:extLst>
+      <p:ext uri="{BB962C8B-B14F-4D97-AF65-F5344CB8AC3E}">
+        <p14:creationId xmlns:p14="http://schemas.microsoft.com/office/powerpoint/2010/main" val="2746436915"/>
+      </p:ext>
+    </p:extLst>
+  </p:cSld>
+  <p:clrMapOvr>
+    <a:masterClrMapping/>
+  </p:clrMapOvr>
+</p:sld>
+</file>
+
+<file path=ppt/slides/slide4.xml><?xml version="1.0" encoding="utf-8"?>
+<p:sld xmlns:a="http://schemas.openxmlformats.org/drawingml/2006/main" xmlns:r="http://schemas.openxmlformats.org/officeDocument/2006/relationships" xmlns:p="http://schemas.openxmlformats.org/presentationml/2006/main">
+  <p:cSld>
+    <p:spTree>
+      <p:nvGrpSpPr>
+        <p:cNvPr id="1" name=""/>
+        <p:cNvGrpSpPr/>
+        <p:nvPr/>
+      </p:nvGrpSpPr>
+      <p:grpSpPr>
+        <a:xfrm>
+          <a:off x="0" y="0"/>
+          <a:ext cx="0" cy="0"/>
+          <a:chOff x="0" y="0"/>
+          <a:chExt cx="0" cy="0"/>
+        </a:xfrm>
+      </p:grpSpPr>
+      <p:sp>
+        <p:nvSpPr>
+          <p:cNvPr id="2" name="Title 1">
+            <a:extLst>
+              <a:ext uri="{FF2B5EF4-FFF2-40B4-BE49-F238E27FC236}">
+                <a16:creationId xmlns:a16="http://schemas.microsoft.com/office/drawing/2014/main" id="{FD4F270D-8299-7F78-BFA1-ABA4FE348DD6}"/>
+              </a:ext>
+            </a:extLst>
+          </p:cNvPr>
+          <p:cNvSpPr>
+            <a:spLocks noGrp="1"/>
+          </p:cNvSpPr>
+          <p:nvPr>
+            <p:ph type="title"/>
+          </p:nvPr>
+        </p:nvSpPr>
+        <p:spPr/>
+        <p:txBody>
+          <a:bodyPr/>
+          <a:lstStyle/>
+          <a:p>
+            <a:endParaRPr lang="en-GB"/>
+          </a:p>
+        </p:txBody>
+      </p:sp>
+      <p:grpSp>
+        <p:nvGrpSpPr>
+          <p:cNvPr id="5" name="Group 4">
+            <a:extLst>
+              <a:ext uri="{FF2B5EF4-FFF2-40B4-BE49-F238E27FC236}">
+                <a16:creationId xmlns:a16="http://schemas.microsoft.com/office/drawing/2014/main" id="{50A752E1-70F8-7008-4015-78AB9BE346A3}"/>
+              </a:ext>
+            </a:extLst>
+          </p:cNvPr>
+          <p:cNvGrpSpPr/>
+          <p:nvPr/>
+        </p:nvGrpSpPr>
+        <p:grpSpPr>
+          <a:xfrm>
+            <a:off x="839585" y="1844244"/>
+            <a:ext cx="10512828" cy="4314099"/>
+            <a:chOff x="839585" y="1844244"/>
+            <a:chExt cx="10512828" cy="4314099"/>
+          </a:xfrm>
+        </p:grpSpPr>
+        <p:sp>
+          <p:nvSpPr>
+            <p:cNvPr id="6" name="Freeform: Shape 5">
+              <a:extLst>
+                <a:ext uri="{FF2B5EF4-FFF2-40B4-BE49-F238E27FC236}">
+                  <a16:creationId xmlns:a16="http://schemas.microsoft.com/office/drawing/2014/main" id="{D7647A11-5CF1-450C-4999-D3666DE0EFBF}"/>
+                </a:ext>
+              </a:extLst>
+            </p:cNvPr>
+            <p:cNvSpPr/>
+            <p:nvPr/>
+          </p:nvSpPr>
+          <p:spPr>
+            <a:xfrm>
+              <a:off x="839585" y="1884111"/>
+              <a:ext cx="3490326" cy="1404299"/>
+            </a:xfrm>
+            <a:custGeom>
+              <a:avLst/>
+              <a:gdLst>
+                <a:gd name="connsiteX0" fmla="*/ 0 w 3490326"/>
+                <a:gd name="connsiteY0" fmla="*/ 192705 h 1927047"/>
+                <a:gd name="connsiteX1" fmla="*/ 192705 w 3490326"/>
+                <a:gd name="connsiteY1" fmla="*/ 0 h 1927047"/>
+                <a:gd name="connsiteX2" fmla="*/ 3297621 w 3490326"/>
+                <a:gd name="connsiteY2" fmla="*/ 0 h 1927047"/>
+                <a:gd name="connsiteX3" fmla="*/ 3490326 w 3490326"/>
+                <a:gd name="connsiteY3" fmla="*/ 192705 h 1927047"/>
+                <a:gd name="connsiteX4" fmla="*/ 3490326 w 3490326"/>
+                <a:gd name="connsiteY4" fmla="*/ 1734342 h 1927047"/>
+                <a:gd name="connsiteX5" fmla="*/ 3297621 w 3490326"/>
+                <a:gd name="connsiteY5" fmla="*/ 1927047 h 1927047"/>
+                <a:gd name="connsiteX6" fmla="*/ 192705 w 3490326"/>
+                <a:gd name="connsiteY6" fmla="*/ 1927047 h 1927047"/>
+                <a:gd name="connsiteX7" fmla="*/ 0 w 3490326"/>
+                <a:gd name="connsiteY7" fmla="*/ 1734342 h 1927047"/>
+                <a:gd name="connsiteX8" fmla="*/ 0 w 3490326"/>
+                <a:gd name="connsiteY8" fmla="*/ 192705 h 1927047"/>
+              </a:gdLst>
+              <a:ahLst/>
+              <a:cxnLst>
+                <a:cxn ang="0">
+                  <a:pos x="connsiteX0" y="connsiteY0"/>
+                </a:cxn>
+                <a:cxn ang="0">
+                  <a:pos x="connsiteX1" y="connsiteY1"/>
+                </a:cxn>
+                <a:cxn ang="0">
+                  <a:pos x="connsiteX2" y="connsiteY2"/>
+                </a:cxn>
+                <a:cxn ang="0">
+                  <a:pos x="connsiteX3" y="connsiteY3"/>
+                </a:cxn>
+                <a:cxn ang="0">
+                  <a:pos x="connsiteX4" y="connsiteY4"/>
+                </a:cxn>
+                <a:cxn ang="0">
+                  <a:pos x="connsiteX5" y="connsiteY5"/>
+                </a:cxn>
+                <a:cxn ang="0">
+                  <a:pos x="connsiteX6" y="connsiteY6"/>
+                </a:cxn>
+                <a:cxn ang="0">
+                  <a:pos x="connsiteX7" y="connsiteY7"/>
+                </a:cxn>
+                <a:cxn ang="0">
+                  <a:pos x="connsiteX8" y="connsiteY8"/>
+                </a:cxn>
+              </a:cxnLst>
+              <a:rect l="l" t="t" r="r" b="b"/>
+              <a:pathLst>
+                <a:path w="3490326" h="1927047">
+                  <a:moveTo>
+                    <a:pt x="0" y="192705"/>
+                  </a:moveTo>
+                  <a:cubicBezTo>
+                    <a:pt x="0" y="86277"/>
+                    <a:pt x="86277" y="0"/>
+                    <a:pt x="192705" y="0"/>
+                  </a:cubicBezTo>
+                  <a:lnTo>
+                    <a:pt x="3297621" y="0"/>
+                  </a:lnTo>
+                  <a:cubicBezTo>
+                    <a:pt x="3404049" y="0"/>
+                    <a:pt x="3490326" y="86277"/>
+                    <a:pt x="3490326" y="192705"/>
+                  </a:cubicBezTo>
+                  <a:lnTo>
+                    <a:pt x="3490326" y="1734342"/>
+                  </a:lnTo>
+                  <a:cubicBezTo>
+                    <a:pt x="3490326" y="1840770"/>
+                    <a:pt x="3404049" y="1927047"/>
+                    <a:pt x="3297621" y="1927047"/>
+                  </a:cubicBezTo>
+                  <a:lnTo>
+                    <a:pt x="192705" y="1927047"/>
+                  </a:lnTo>
+                  <a:cubicBezTo>
+                    <a:pt x="86277" y="1927047"/>
+                    <a:pt x="0" y="1840770"/>
+                    <a:pt x="0" y="1734342"/>
+                  </a:cubicBezTo>
+                  <a:lnTo>
+                    <a:pt x="0" y="192705"/>
+                  </a:lnTo>
+                  <a:close/>
+                </a:path>
+              </a:pathLst>
+            </a:custGeom>
+          </p:spPr>
+          <p:style>
+            <a:lnRef idx="2">
+              <a:schemeClr val="lt1">
+                <a:hueOff val="0"/>
+                <a:satOff val="0"/>
+                <a:lumOff val="0"/>
+                <a:alphaOff val="0"/>
+              </a:schemeClr>
+            </a:lnRef>
+            <a:fillRef idx="1">
+              <a:schemeClr val="accent1">
+                <a:hueOff val="0"/>
+                <a:satOff val="0"/>
+                <a:lumOff val="0"/>
+                <a:alphaOff val="0"/>
+              </a:schemeClr>
+            </a:fillRef>
+            <a:effectRef idx="0">
+              <a:schemeClr val="accent1">
+                <a:hueOff val="0"/>
+                <a:satOff val="0"/>
+                <a:lumOff val="0"/>
+                <a:alphaOff val="0"/>
+              </a:schemeClr>
+            </a:effectRef>
+            <a:fontRef idx="minor">
+              <a:schemeClr val="lt1"/>
+            </a:fontRef>
+          </p:style>
+          <p:txBody>
+            <a:bodyPr spcFirstLastPara="0" vert="horz" wrap="square" lIns="234696" tIns="234696" rIns="234696" bIns="768079" numCol="1" spcCol="1270" anchor="t" anchorCtr="0">
+              <a:noAutofit/>
+            </a:bodyPr>
+            <a:lstStyle/>
+            <a:p>
+              <a:pPr marL="0" lvl="0" indent="0" algn="ctr" defTabSz="1466850">
+                <a:lnSpc>
+                  <a:spcPct val="90000"/>
+                </a:lnSpc>
+                <a:spcBef>
+                  <a:spcPct val="0"/>
+                </a:spcBef>
+                <a:spcAft>
+                  <a:spcPct val="35000"/>
+                </a:spcAft>
+                <a:buNone/>
+              </a:pPr>
+              <a:r>
+                <a:rPr lang="en-GB" sz="3300" kern="1200" dirty="0"/>
+                <a:t>Previous Data</a:t>
+              </a:r>
+            </a:p>
+          </p:txBody>
+        </p:sp>
+        <p:sp>
+          <p:nvSpPr>
+            <p:cNvPr id="7" name="Freeform: Shape 6">
+              <a:extLst>
+                <a:ext uri="{FF2B5EF4-FFF2-40B4-BE49-F238E27FC236}">
+                  <a16:creationId xmlns:a16="http://schemas.microsoft.com/office/drawing/2014/main" id="{3E019F12-FDD9-24C1-13AC-996426889F40}"/>
+                </a:ext>
+              </a:extLst>
+            </p:cNvPr>
+            <p:cNvSpPr/>
+            <p:nvPr/>
+          </p:nvSpPr>
+          <p:spPr>
+            <a:xfrm>
+              <a:off x="853666" y="3248543"/>
+              <a:ext cx="3476245" cy="1848974"/>
+            </a:xfrm>
+            <a:custGeom>
+              <a:avLst/>
+              <a:gdLst>
+                <a:gd name="connsiteX0" fmla="*/ 0 w 4891937"/>
+                <a:gd name="connsiteY0" fmla="*/ 286993 h 2869932"/>
+                <a:gd name="connsiteX1" fmla="*/ 286993 w 4891937"/>
+                <a:gd name="connsiteY1" fmla="*/ 0 h 2869932"/>
+                <a:gd name="connsiteX2" fmla="*/ 4604944 w 4891937"/>
+                <a:gd name="connsiteY2" fmla="*/ 0 h 2869932"/>
+                <a:gd name="connsiteX3" fmla="*/ 4891937 w 4891937"/>
+                <a:gd name="connsiteY3" fmla="*/ 286993 h 2869932"/>
+                <a:gd name="connsiteX4" fmla="*/ 4891937 w 4891937"/>
+                <a:gd name="connsiteY4" fmla="*/ 2582939 h 2869932"/>
+                <a:gd name="connsiteX5" fmla="*/ 4604944 w 4891937"/>
+                <a:gd name="connsiteY5" fmla="*/ 2869932 h 2869932"/>
+                <a:gd name="connsiteX6" fmla="*/ 286993 w 4891937"/>
+                <a:gd name="connsiteY6" fmla="*/ 2869932 h 2869932"/>
+                <a:gd name="connsiteX7" fmla="*/ 0 w 4891937"/>
+                <a:gd name="connsiteY7" fmla="*/ 2582939 h 2869932"/>
+                <a:gd name="connsiteX8" fmla="*/ 0 w 4891937"/>
+                <a:gd name="connsiteY8" fmla="*/ 286993 h 2869932"/>
+              </a:gdLst>
+              <a:ahLst/>
+              <a:cxnLst>
+                <a:cxn ang="0">
+                  <a:pos x="connsiteX0" y="connsiteY0"/>
+                </a:cxn>
+                <a:cxn ang="0">
+                  <a:pos x="connsiteX1" y="connsiteY1"/>
+                </a:cxn>
+                <a:cxn ang="0">
+                  <a:pos x="connsiteX2" y="connsiteY2"/>
+                </a:cxn>
+                <a:cxn ang="0">
+                  <a:pos x="connsiteX3" y="connsiteY3"/>
+                </a:cxn>
+                <a:cxn ang="0">
+                  <a:pos x="connsiteX4" y="connsiteY4"/>
+                </a:cxn>
+                <a:cxn ang="0">
+                  <a:pos x="connsiteX5" y="connsiteY5"/>
+                </a:cxn>
+                <a:cxn ang="0">
+                  <a:pos x="connsiteX6" y="connsiteY6"/>
+                </a:cxn>
+                <a:cxn ang="0">
+                  <a:pos x="connsiteX7" y="connsiteY7"/>
+                </a:cxn>
+                <a:cxn ang="0">
+                  <a:pos x="connsiteX8" y="connsiteY8"/>
+                </a:cxn>
+              </a:cxnLst>
+              <a:rect l="l" t="t" r="r" b="b"/>
+              <a:pathLst>
+                <a:path w="4891937" h="2869932">
+                  <a:moveTo>
+                    <a:pt x="0" y="286993"/>
+                  </a:moveTo>
+                  <a:cubicBezTo>
+                    <a:pt x="0" y="128491"/>
+                    <a:pt x="128491" y="0"/>
+                    <a:pt x="286993" y="0"/>
+                  </a:cubicBezTo>
+                  <a:lnTo>
+                    <a:pt x="4604944" y="0"/>
+                  </a:lnTo>
+                  <a:cubicBezTo>
+                    <a:pt x="4763446" y="0"/>
+                    <a:pt x="4891937" y="128491"/>
+                    <a:pt x="4891937" y="286993"/>
+                  </a:cubicBezTo>
+                  <a:lnTo>
+                    <a:pt x="4891937" y="2582939"/>
+                  </a:lnTo>
+                  <a:cubicBezTo>
+                    <a:pt x="4891937" y="2741441"/>
+                    <a:pt x="4763446" y="2869932"/>
+                    <a:pt x="4604944" y="2869932"/>
+                  </a:cubicBezTo>
+                  <a:lnTo>
+                    <a:pt x="286993" y="2869932"/>
+                  </a:lnTo>
+                  <a:cubicBezTo>
+                    <a:pt x="128491" y="2869932"/>
+                    <a:pt x="0" y="2741441"/>
+                    <a:pt x="0" y="2582939"/>
+                  </a:cubicBezTo>
+                  <a:lnTo>
+                    <a:pt x="0" y="286993"/>
+                  </a:lnTo>
+                  <a:close/>
+                </a:path>
+              </a:pathLst>
+            </a:custGeom>
+          </p:spPr>
+          <p:style>
+            <a:lnRef idx="2">
+              <a:schemeClr val="accent1">
+                <a:hueOff val="0"/>
+                <a:satOff val="0"/>
+                <a:lumOff val="0"/>
+                <a:alphaOff val="0"/>
+              </a:schemeClr>
+            </a:lnRef>
+            <a:fillRef idx="1">
+              <a:schemeClr val="lt1">
+                <a:alpha val="90000"/>
+                <a:hueOff val="0"/>
+                <a:satOff val="0"/>
+                <a:lumOff val="0"/>
+                <a:alphaOff val="0"/>
+              </a:schemeClr>
+            </a:fillRef>
+            <a:effectRef idx="0">
+              <a:schemeClr val="lt1">
+                <a:alpha val="90000"/>
+                <a:hueOff val="0"/>
+                <a:satOff val="0"/>
+                <a:lumOff val="0"/>
+                <a:alphaOff val="0"/>
+              </a:schemeClr>
+            </a:effectRef>
+            <a:fontRef idx="minor">
+              <a:schemeClr val="dk1">
+                <a:hueOff val="0"/>
+                <a:satOff val="0"/>
+                <a:lumOff val="0"/>
+                <a:alphaOff val="0"/>
+              </a:schemeClr>
+            </a:fontRef>
+          </p:style>
+          <p:txBody>
+            <a:bodyPr spcFirstLastPara="0" vert="horz" wrap="square" lIns="318753" tIns="318753" rIns="318753" bIns="318753" numCol="1" spcCol="1270" anchor="t" anchorCtr="0">
+              <a:noAutofit/>
+            </a:bodyPr>
+            <a:lstStyle/>
+            <a:p>
+              <a:pPr marL="285750" lvl="1" indent="-285750" algn="l" defTabSz="1466850">
+                <a:lnSpc>
+                  <a:spcPct val="90000"/>
+                </a:lnSpc>
+                <a:spcBef>
+                  <a:spcPct val="0"/>
+                </a:spcBef>
+                <a:spcAft>
+                  <a:spcPct val="15000"/>
+                </a:spcAft>
+                <a:buChar char="•"/>
+              </a:pPr>
+              <a:r>
+                <a:rPr lang="en-GB" sz="2400" kern="1200" dirty="0"/>
+                <a:t>Previous Closing Prices</a:t>
+              </a:r>
+            </a:p>
+            <a:p>
+              <a:pPr marL="285750" lvl="1" indent="-285750" algn="l" defTabSz="1466850">
+                <a:lnSpc>
+                  <a:spcPct val="90000"/>
+                </a:lnSpc>
+                <a:spcBef>
+                  <a:spcPct val="0"/>
+                </a:spcBef>
+                <a:spcAft>
+                  <a:spcPct val="15000"/>
+                </a:spcAft>
+                <a:buChar char="•"/>
+              </a:pPr>
+              <a:r>
+                <a:rPr lang="en-GB" sz="2400" kern="1200" dirty="0"/>
+                <a:t>Previous Sentiment Scores</a:t>
+              </a:r>
+            </a:p>
+          </p:txBody>
+        </p:sp>
+        <p:sp>
+          <p:nvSpPr>
+            <p:cNvPr id="8" name="Freeform: Shape 7">
+              <a:extLst>
+                <a:ext uri="{FF2B5EF4-FFF2-40B4-BE49-F238E27FC236}">
+                  <a16:creationId xmlns:a16="http://schemas.microsoft.com/office/drawing/2014/main" id="{3F58730A-0516-12BE-B088-558883F66D3D}"/>
+                </a:ext>
+              </a:extLst>
+            </p:cNvPr>
+            <p:cNvSpPr/>
+            <p:nvPr/>
+          </p:nvSpPr>
+          <p:spPr>
+            <a:xfrm rot="21578272">
+              <a:off x="5034219" y="2071765"/>
+              <a:ext cx="1493193" cy="868990"/>
+            </a:xfrm>
+            <a:custGeom>
+              <a:avLst/>
+              <a:gdLst>
+                <a:gd name="connsiteX0" fmla="*/ 0 w 1493193"/>
+                <a:gd name="connsiteY0" fmla="*/ 173798 h 868990"/>
+                <a:gd name="connsiteX1" fmla="*/ 1058698 w 1493193"/>
+                <a:gd name="connsiteY1" fmla="*/ 173798 h 868990"/>
+                <a:gd name="connsiteX2" fmla="*/ 1058698 w 1493193"/>
+                <a:gd name="connsiteY2" fmla="*/ 0 h 868990"/>
+                <a:gd name="connsiteX3" fmla="*/ 1493193 w 1493193"/>
+                <a:gd name="connsiteY3" fmla="*/ 434495 h 868990"/>
+                <a:gd name="connsiteX4" fmla="*/ 1058698 w 1493193"/>
+                <a:gd name="connsiteY4" fmla="*/ 868990 h 868990"/>
+                <a:gd name="connsiteX5" fmla="*/ 1058698 w 1493193"/>
+                <a:gd name="connsiteY5" fmla="*/ 695192 h 868990"/>
+                <a:gd name="connsiteX6" fmla="*/ 0 w 1493193"/>
+                <a:gd name="connsiteY6" fmla="*/ 695192 h 868990"/>
+                <a:gd name="connsiteX7" fmla="*/ 0 w 1493193"/>
+                <a:gd name="connsiteY7" fmla="*/ 173798 h 868990"/>
+              </a:gdLst>
+              <a:ahLst/>
+              <a:cxnLst>
+                <a:cxn ang="0">
+                  <a:pos x="connsiteX0" y="connsiteY0"/>
+                </a:cxn>
+                <a:cxn ang="0">
+                  <a:pos x="connsiteX1" y="connsiteY1"/>
+                </a:cxn>
+                <a:cxn ang="0">
+                  <a:pos x="connsiteX2" y="connsiteY2"/>
+                </a:cxn>
+                <a:cxn ang="0">
+                  <a:pos x="connsiteX3" y="connsiteY3"/>
+                </a:cxn>
+                <a:cxn ang="0">
+                  <a:pos x="connsiteX4" y="connsiteY4"/>
+                </a:cxn>
+                <a:cxn ang="0">
+                  <a:pos x="connsiteX5" y="connsiteY5"/>
+                </a:cxn>
+                <a:cxn ang="0">
+                  <a:pos x="connsiteX6" y="connsiteY6"/>
+                </a:cxn>
+                <a:cxn ang="0">
+                  <a:pos x="connsiteX7" y="connsiteY7"/>
+                </a:cxn>
+              </a:cxnLst>
+              <a:rect l="l" t="t" r="r" b="b"/>
+              <a:pathLst>
+                <a:path w="1493193" h="868990">
+                  <a:moveTo>
+                    <a:pt x="0" y="173798"/>
+                  </a:moveTo>
+                  <a:lnTo>
+                    <a:pt x="1058698" y="173798"/>
+                  </a:lnTo>
+                  <a:lnTo>
+                    <a:pt x="1058698" y="0"/>
+                  </a:lnTo>
+                  <a:lnTo>
+                    <a:pt x="1493193" y="434495"/>
+                  </a:lnTo>
+                  <a:lnTo>
+                    <a:pt x="1058698" y="868990"/>
+                  </a:lnTo>
+                  <a:lnTo>
+                    <a:pt x="1058698" y="695192"/>
+                  </a:lnTo>
+                  <a:lnTo>
+                    <a:pt x="0" y="695192"/>
+                  </a:lnTo>
+                  <a:lnTo>
+                    <a:pt x="0" y="173798"/>
+                  </a:lnTo>
+                  <a:close/>
+                </a:path>
+              </a:pathLst>
+            </a:custGeom>
+          </p:spPr>
+          <p:style>
+            <a:lnRef idx="0">
+              <a:schemeClr val="accent1">
+                <a:tint val="60000"/>
+                <a:hueOff val="0"/>
+                <a:satOff val="0"/>
+                <a:lumOff val="0"/>
+                <a:alphaOff val="0"/>
+              </a:schemeClr>
+            </a:lnRef>
+            <a:fillRef idx="1">
+              <a:schemeClr val="accent1">
+                <a:tint val="60000"/>
+                <a:hueOff val="0"/>
+                <a:satOff val="0"/>
+                <a:lumOff val="0"/>
+                <a:alphaOff val="0"/>
+              </a:schemeClr>
+            </a:fillRef>
+            <a:effectRef idx="0">
+              <a:schemeClr val="accent1">
+                <a:tint val="60000"/>
+                <a:hueOff val="0"/>
+                <a:satOff val="0"/>
+                <a:lumOff val="0"/>
+                <a:alphaOff val="0"/>
+              </a:schemeClr>
+            </a:effectRef>
+            <a:fontRef idx="minor">
+              <a:schemeClr val="lt1"/>
+            </a:fontRef>
+          </p:style>
+          <p:txBody>
+            <a:bodyPr spcFirstLastPara="0" vert="horz" wrap="square" lIns="0" tIns="173798" rIns="260696" bIns="173797" numCol="1" spcCol="1270" anchor="ctr" anchorCtr="0">
+              <a:noAutofit/>
+            </a:bodyPr>
+            <a:lstStyle/>
+            <a:p>
+              <a:pPr marL="0" lvl="0" indent="0" algn="ctr" defTabSz="1155700">
+                <a:lnSpc>
+                  <a:spcPct val="90000"/>
+                </a:lnSpc>
+                <a:spcBef>
+                  <a:spcPct val="0"/>
+                </a:spcBef>
+                <a:spcAft>
+                  <a:spcPct val="35000"/>
+                </a:spcAft>
+                <a:buNone/>
+              </a:pPr>
+              <a:endParaRPr lang="en-GB" sz="2600" kern="1200"/>
+            </a:p>
+          </p:txBody>
+        </p:sp>
+        <p:sp>
+          <p:nvSpPr>
+            <p:cNvPr id="9" name="Freeform: Shape 8">
+              <a:extLst>
+                <a:ext uri="{FF2B5EF4-FFF2-40B4-BE49-F238E27FC236}">
+                  <a16:creationId xmlns:a16="http://schemas.microsoft.com/office/drawing/2014/main" id="{3E123C9C-4792-5A93-2C44-38F27BC9C760}"/>
+                </a:ext>
+              </a:extLst>
+            </p:cNvPr>
+            <p:cNvSpPr/>
+            <p:nvPr/>
+          </p:nvSpPr>
+          <p:spPr>
+            <a:xfrm>
+              <a:off x="7147201" y="1844244"/>
+              <a:ext cx="3490326" cy="1404299"/>
+            </a:xfrm>
+            <a:custGeom>
+              <a:avLst/>
+              <a:gdLst>
+                <a:gd name="connsiteX0" fmla="*/ 0 w 3490326"/>
+                <a:gd name="connsiteY0" fmla="*/ 192705 h 1927047"/>
+                <a:gd name="connsiteX1" fmla="*/ 192705 w 3490326"/>
+                <a:gd name="connsiteY1" fmla="*/ 0 h 1927047"/>
+                <a:gd name="connsiteX2" fmla="*/ 3297621 w 3490326"/>
+                <a:gd name="connsiteY2" fmla="*/ 0 h 1927047"/>
+                <a:gd name="connsiteX3" fmla="*/ 3490326 w 3490326"/>
+                <a:gd name="connsiteY3" fmla="*/ 192705 h 1927047"/>
+                <a:gd name="connsiteX4" fmla="*/ 3490326 w 3490326"/>
+                <a:gd name="connsiteY4" fmla="*/ 1734342 h 1927047"/>
+                <a:gd name="connsiteX5" fmla="*/ 3297621 w 3490326"/>
+                <a:gd name="connsiteY5" fmla="*/ 1927047 h 1927047"/>
+                <a:gd name="connsiteX6" fmla="*/ 192705 w 3490326"/>
+                <a:gd name="connsiteY6" fmla="*/ 1927047 h 1927047"/>
+                <a:gd name="connsiteX7" fmla="*/ 0 w 3490326"/>
+                <a:gd name="connsiteY7" fmla="*/ 1734342 h 1927047"/>
+                <a:gd name="connsiteX8" fmla="*/ 0 w 3490326"/>
+                <a:gd name="connsiteY8" fmla="*/ 192705 h 1927047"/>
+              </a:gdLst>
+              <a:ahLst/>
+              <a:cxnLst>
+                <a:cxn ang="0">
+                  <a:pos x="connsiteX0" y="connsiteY0"/>
+                </a:cxn>
+                <a:cxn ang="0">
+                  <a:pos x="connsiteX1" y="connsiteY1"/>
+                </a:cxn>
+                <a:cxn ang="0">
+                  <a:pos x="connsiteX2" y="connsiteY2"/>
+                </a:cxn>
+                <a:cxn ang="0">
+                  <a:pos x="connsiteX3" y="connsiteY3"/>
+                </a:cxn>
+                <a:cxn ang="0">
+                  <a:pos x="connsiteX4" y="connsiteY4"/>
+                </a:cxn>
+                <a:cxn ang="0">
+                  <a:pos x="connsiteX5" y="connsiteY5"/>
+                </a:cxn>
+                <a:cxn ang="0">
+                  <a:pos x="connsiteX6" y="connsiteY6"/>
+                </a:cxn>
+                <a:cxn ang="0">
+                  <a:pos x="connsiteX7" y="connsiteY7"/>
+                </a:cxn>
+                <a:cxn ang="0">
+                  <a:pos x="connsiteX8" y="connsiteY8"/>
+                </a:cxn>
+              </a:cxnLst>
+              <a:rect l="l" t="t" r="r" b="b"/>
+              <a:pathLst>
+                <a:path w="3490326" h="1927047">
+                  <a:moveTo>
+                    <a:pt x="0" y="192705"/>
+                  </a:moveTo>
+                  <a:cubicBezTo>
+                    <a:pt x="0" y="86277"/>
+                    <a:pt x="86277" y="0"/>
+                    <a:pt x="192705" y="0"/>
+                  </a:cubicBezTo>
+                  <a:lnTo>
+                    <a:pt x="3297621" y="0"/>
+                  </a:lnTo>
+                  <a:cubicBezTo>
+                    <a:pt x="3404049" y="0"/>
+                    <a:pt x="3490326" y="86277"/>
+                    <a:pt x="3490326" y="192705"/>
+                  </a:cubicBezTo>
+                  <a:lnTo>
+                    <a:pt x="3490326" y="1734342"/>
+                  </a:lnTo>
+                  <a:cubicBezTo>
+                    <a:pt x="3490326" y="1840770"/>
+                    <a:pt x="3404049" y="1927047"/>
+                    <a:pt x="3297621" y="1927047"/>
+                  </a:cubicBezTo>
+                  <a:lnTo>
+                    <a:pt x="192705" y="1927047"/>
+                  </a:lnTo>
+                  <a:cubicBezTo>
+                    <a:pt x="86277" y="1927047"/>
+                    <a:pt x="0" y="1840770"/>
+                    <a:pt x="0" y="1734342"/>
+                  </a:cubicBezTo>
+                  <a:lnTo>
+                    <a:pt x="0" y="192705"/>
+                  </a:lnTo>
+                  <a:close/>
+                </a:path>
+              </a:pathLst>
+            </a:custGeom>
+          </p:spPr>
+          <p:style>
+            <a:lnRef idx="2">
+              <a:schemeClr val="lt1">
+                <a:hueOff val="0"/>
+                <a:satOff val="0"/>
+                <a:lumOff val="0"/>
+                <a:alphaOff val="0"/>
+              </a:schemeClr>
+            </a:lnRef>
+            <a:fillRef idx="1">
+              <a:schemeClr val="accent1">
+                <a:hueOff val="0"/>
+                <a:satOff val="0"/>
+                <a:lumOff val="0"/>
+                <a:alphaOff val="0"/>
+              </a:schemeClr>
+            </a:fillRef>
+            <a:effectRef idx="0">
+              <a:schemeClr val="accent1">
+                <a:hueOff val="0"/>
+                <a:satOff val="0"/>
+                <a:lumOff val="0"/>
+                <a:alphaOff val="0"/>
+              </a:schemeClr>
+            </a:effectRef>
+            <a:fontRef idx="minor">
+              <a:schemeClr val="lt1"/>
+            </a:fontRef>
+          </p:style>
+          <p:txBody>
+            <a:bodyPr spcFirstLastPara="0" vert="horz" wrap="square" lIns="234696" tIns="234696" rIns="234696" bIns="768079" numCol="1" spcCol="1270" anchor="t" anchorCtr="0">
+              <a:noAutofit/>
+            </a:bodyPr>
+            <a:lstStyle/>
+            <a:p>
+              <a:pPr marL="0" lvl="0" indent="0" algn="ctr" defTabSz="1466850">
+                <a:lnSpc>
+                  <a:spcPct val="90000"/>
+                </a:lnSpc>
+                <a:spcBef>
+                  <a:spcPct val="0"/>
+                </a:spcBef>
+                <a:spcAft>
+                  <a:spcPct val="35000"/>
+                </a:spcAft>
+                <a:buNone/>
+              </a:pPr>
+              <a:r>
+                <a:rPr lang="en-GB" sz="3300" kern="1200" dirty="0"/>
+                <a:t>Next Day’s Closing Price</a:t>
+              </a:r>
+            </a:p>
+          </p:txBody>
+        </p:sp>
+        <p:sp>
+          <p:nvSpPr>
+            <p:cNvPr id="10" name="Rectangle: Rounded Corners 9">
+              <a:extLst>
+                <a:ext uri="{FF2B5EF4-FFF2-40B4-BE49-F238E27FC236}">
+                  <a16:creationId xmlns:a16="http://schemas.microsoft.com/office/drawing/2014/main" id="{26708FF2-F69C-BB08-D736-457BD8525582}"/>
+                </a:ext>
+              </a:extLst>
+            </p:cNvPr>
+            <p:cNvSpPr/>
+            <p:nvPr/>
+          </p:nvSpPr>
+          <p:spPr>
+            <a:xfrm>
+              <a:off x="7862087" y="3128943"/>
+              <a:ext cx="3490326" cy="3029400"/>
+            </a:xfrm>
+            <a:prstGeom prst="roundRect">
+              <a:avLst>
+                <a:gd name="adj" fmla="val 10000"/>
+              </a:avLst>
+            </a:prstGeom>
+            <a:noFill/>
+            <a:ln>
+              <a:noFill/>
+            </a:ln>
+          </p:spPr>
+          <p:style>
+            <a:lnRef idx="2">
+              <a:scrgbClr r="0" g="0" b="0"/>
+            </a:lnRef>
+            <a:fillRef idx="1">
+              <a:scrgbClr r="0" g="0" b="0"/>
+            </a:fillRef>
+            <a:effectRef idx="0">
+              <a:schemeClr val="lt1">
+                <a:alpha val="90000"/>
+                <a:hueOff val="0"/>
+                <a:satOff val="0"/>
+                <a:lumOff val="0"/>
+                <a:alphaOff val="0"/>
+              </a:schemeClr>
+            </a:effectRef>
+            <a:fontRef idx="minor">
+              <a:schemeClr val="dk1">
+                <a:hueOff val="0"/>
+                <a:satOff val="0"/>
+                <a:lumOff val="0"/>
+                <a:alphaOff val="0"/>
+              </a:schemeClr>
+            </a:fontRef>
+          </p:style>
+          <p:txBody>
+            <a:bodyPr/>
+            <a:lstStyle/>
+            <a:p>
+              <a:endParaRPr lang="en-GB"/>
+            </a:p>
+          </p:txBody>
+        </p:sp>
+      </p:grpSp>
+    </p:spTree>
+    <p:extLst>
+      <p:ext uri="{BB962C8B-B14F-4D97-AF65-F5344CB8AC3E}">
+        <p14:creationId xmlns:p14="http://schemas.microsoft.com/office/powerpoint/2010/main" val="2739687130"/>
+      </p:ext>
+    </p:extLst>
+  </p:cSld>
+  <p:clrMapOvr>
+    <a:masterClrMapping/>
+  </p:clrMapOvr>
+</p:sld>
+</file>
+
+<file path=ppt/slides/slide5.xml><?xml version="1.0" encoding="utf-8"?>
+<p:sld xmlns:a="http://schemas.openxmlformats.org/drawingml/2006/main" xmlns:r="http://schemas.openxmlformats.org/officeDocument/2006/relationships" xmlns:p="http://schemas.openxmlformats.org/presentationml/2006/main">
+  <p:cSld>
+    <p:spTree>
+      <p:nvGrpSpPr>
+        <p:cNvPr id="1" name=""/>
+        <p:cNvGrpSpPr/>
+        <p:nvPr/>
+      </p:nvGrpSpPr>
+      <p:grpSpPr>
+        <a:xfrm>
+          <a:off x="0" y="0"/>
+          <a:ext cx="0" cy="0"/>
+          <a:chOff x="0" y="0"/>
+          <a:chExt cx="0" cy="0"/>
+        </a:xfrm>
+      </p:grpSpPr>
+      <p:sp>
+        <p:nvSpPr>
+          <p:cNvPr id="2" name="Title 1">
+            <a:extLst>
+              <a:ext uri="{FF2B5EF4-FFF2-40B4-BE49-F238E27FC236}">
+                <a16:creationId xmlns:a16="http://schemas.microsoft.com/office/drawing/2014/main" id="{0C8D4103-2E97-E8AE-EF13-62502B4600A1}"/>
+              </a:ext>
+            </a:extLst>
+          </p:cNvPr>
+          <p:cNvSpPr>
+            <a:spLocks noGrp="1"/>
+          </p:cNvSpPr>
+          <p:nvPr>
+            <p:ph type="title"/>
+          </p:nvPr>
+        </p:nvSpPr>
+        <p:spPr/>
+        <p:txBody>
+          <a:bodyPr/>
+          <a:lstStyle/>
+          <a:p>
+            <a:endParaRPr lang="en-GB"/>
+          </a:p>
+        </p:txBody>
+      </p:sp>
+      <p:grpSp>
+        <p:nvGrpSpPr>
+          <p:cNvPr id="31" name="Group 30">
+            <a:extLst>
+              <a:ext uri="{FF2B5EF4-FFF2-40B4-BE49-F238E27FC236}">
+                <a16:creationId xmlns:a16="http://schemas.microsoft.com/office/drawing/2014/main" id="{C1AFAAEF-150E-7BD4-D8E1-02EE93C38948}"/>
+              </a:ext>
+            </a:extLst>
+          </p:cNvPr>
+          <p:cNvGrpSpPr/>
+          <p:nvPr/>
+        </p:nvGrpSpPr>
+        <p:grpSpPr>
+          <a:xfrm>
+            <a:off x="6211614" y="3263477"/>
+            <a:ext cx="4253632" cy="1414361"/>
+            <a:chOff x="6211614" y="3263477"/>
+            <a:chExt cx="4253632" cy="1414361"/>
+          </a:xfrm>
+        </p:grpSpPr>
+        <p:cxnSp>
+          <p:nvCxnSpPr>
+            <p:cNvPr id="5" name="Straight Arrow Connector 4">
+              <a:extLst>
+                <a:ext uri="{FF2B5EF4-FFF2-40B4-BE49-F238E27FC236}">
+                  <a16:creationId xmlns:a16="http://schemas.microsoft.com/office/drawing/2014/main" id="{D812DBE9-99DD-7759-1B6E-88C23A271F9E}"/>
+                </a:ext>
+              </a:extLst>
+            </p:cNvPr>
+            <p:cNvCxnSpPr>
+              <a:cxnSpLocks/>
+            </p:cNvCxnSpPr>
+            <p:nvPr/>
+          </p:nvCxnSpPr>
+          <p:spPr>
+            <a:xfrm>
+              <a:off x="6211614" y="4001294"/>
+              <a:ext cx="3752193" cy="0"/>
+            </a:xfrm>
+            <a:prstGeom prst="straightConnector1">
+              <a:avLst/>
+            </a:prstGeom>
+            <a:ln w="76200">
+              <a:tailEnd type="triangle"/>
+            </a:ln>
+          </p:spPr>
+          <p:style>
+            <a:lnRef idx="1">
+              <a:schemeClr val="accent1"/>
+            </a:lnRef>
+            <a:fillRef idx="0">
+              <a:schemeClr val="accent1"/>
+            </a:fillRef>
+            <a:effectRef idx="0">
+              <a:schemeClr val="accent1"/>
+            </a:effectRef>
+            <a:fontRef idx="minor">
+              <a:schemeClr val="tx1"/>
+            </a:fontRef>
+          </p:style>
+        </p:cxnSp>
+        <p:cxnSp>
+          <p:nvCxnSpPr>
+            <p:cNvPr id="7" name="Straight Connector 6">
+              <a:extLst>
+                <a:ext uri="{FF2B5EF4-FFF2-40B4-BE49-F238E27FC236}">
+                  <a16:creationId xmlns:a16="http://schemas.microsoft.com/office/drawing/2014/main" id="{B3A6C336-641F-BE7E-ACEF-B83FD72D51C5}"/>
+                </a:ext>
+              </a:extLst>
+            </p:cNvPr>
+            <p:cNvCxnSpPr>
+              <a:cxnSpLocks/>
+            </p:cNvCxnSpPr>
+            <p:nvPr/>
+          </p:nvCxnSpPr>
+          <p:spPr>
+            <a:xfrm>
+              <a:off x="8986345" y="3755355"/>
+              <a:ext cx="0" cy="491878"/>
+            </a:xfrm>
+            <a:prstGeom prst="line">
+              <a:avLst/>
+            </a:prstGeom>
+            <a:ln w="28575"/>
+          </p:spPr>
+          <p:style>
+            <a:lnRef idx="1">
+              <a:schemeClr val="accent1"/>
+            </a:lnRef>
+            <a:fillRef idx="0">
+              <a:schemeClr val="accent1"/>
+            </a:fillRef>
+            <a:effectRef idx="0">
+              <a:schemeClr val="accent1"/>
+            </a:effectRef>
+            <a:fontRef idx="minor">
+              <a:schemeClr val="tx1"/>
+            </a:fontRef>
+          </p:style>
+        </p:cxnSp>
+        <p:cxnSp>
+          <p:nvCxnSpPr>
+            <p:cNvPr id="11" name="Straight Connector 10">
+              <a:extLst>
+                <a:ext uri="{FF2B5EF4-FFF2-40B4-BE49-F238E27FC236}">
+                  <a16:creationId xmlns:a16="http://schemas.microsoft.com/office/drawing/2014/main" id="{84B3B8BE-76B8-D25B-57F5-32EB709BF110}"/>
+                </a:ext>
+              </a:extLst>
+            </p:cNvPr>
+            <p:cNvCxnSpPr>
+              <a:cxnSpLocks/>
+            </p:cNvCxnSpPr>
+            <p:nvPr/>
+          </p:nvCxnSpPr>
+          <p:spPr>
+            <a:xfrm>
+              <a:off x="8266386" y="3755355"/>
+              <a:ext cx="0" cy="491878"/>
+            </a:xfrm>
+            <a:prstGeom prst="line">
+              <a:avLst/>
+            </a:prstGeom>
+            <a:ln w="28575"/>
+          </p:spPr>
+          <p:style>
+            <a:lnRef idx="1">
+              <a:schemeClr val="accent1"/>
+            </a:lnRef>
+            <a:fillRef idx="0">
+              <a:schemeClr val="accent1"/>
+            </a:fillRef>
+            <a:effectRef idx="0">
+              <a:schemeClr val="accent1"/>
+            </a:effectRef>
+            <a:fontRef idx="minor">
+              <a:schemeClr val="tx1"/>
+            </a:fontRef>
+          </p:style>
+        </p:cxnSp>
+        <p:cxnSp>
+          <p:nvCxnSpPr>
+            <p:cNvPr id="12" name="Straight Connector 11">
+              <a:extLst>
+                <a:ext uri="{FF2B5EF4-FFF2-40B4-BE49-F238E27FC236}">
+                  <a16:creationId xmlns:a16="http://schemas.microsoft.com/office/drawing/2014/main" id="{8520FD54-67F9-8FD1-AF74-61D83810CA7A}"/>
+                </a:ext>
+              </a:extLst>
+            </p:cNvPr>
+            <p:cNvCxnSpPr>
+              <a:cxnSpLocks/>
+            </p:cNvCxnSpPr>
+            <p:nvPr/>
+          </p:nvCxnSpPr>
+          <p:spPr>
+            <a:xfrm>
+              <a:off x="7620000" y="3755355"/>
+              <a:ext cx="0" cy="491878"/>
+            </a:xfrm>
+            <a:prstGeom prst="line">
+              <a:avLst/>
+            </a:prstGeom>
+            <a:ln w="28575"/>
+          </p:spPr>
+          <p:style>
+            <a:lnRef idx="1">
+              <a:schemeClr val="accent1"/>
+            </a:lnRef>
+            <a:fillRef idx="0">
+              <a:schemeClr val="accent1"/>
+            </a:fillRef>
+            <a:effectRef idx="0">
+              <a:schemeClr val="accent1"/>
+            </a:effectRef>
+            <a:fontRef idx="minor">
+              <a:schemeClr val="tx1"/>
+            </a:fontRef>
+          </p:style>
+        </p:cxnSp>
+        <p:sp>
+          <p:nvSpPr>
+            <p:cNvPr id="23" name="Arrow: Curved Down 22">
+              <a:extLst>
+                <a:ext uri="{FF2B5EF4-FFF2-40B4-BE49-F238E27FC236}">
+                  <a16:creationId xmlns:a16="http://schemas.microsoft.com/office/drawing/2014/main" id="{FDEDB101-BD25-A1DB-3B7E-E2E0F40C70FC}"/>
+                </a:ext>
+              </a:extLst>
+            </p:cNvPr>
+            <p:cNvSpPr/>
+            <p:nvPr/>
+          </p:nvSpPr>
+          <p:spPr>
+            <a:xfrm>
+              <a:off x="8219090" y="3263477"/>
+              <a:ext cx="890753" cy="478206"/>
+            </a:xfrm>
+            <a:prstGeom prst="curvedDownArrow">
+              <a:avLst/>
+            </a:prstGeom>
+          </p:spPr>
+          <p:style>
+            <a:lnRef idx="2">
+              <a:schemeClr val="accent1">
+                <a:shade val="15000"/>
+              </a:schemeClr>
+            </a:lnRef>
+            <a:fillRef idx="1">
+              <a:schemeClr val="accent1"/>
+            </a:fillRef>
+            <a:effectRef idx="0">
+              <a:schemeClr val="accent1"/>
+            </a:effectRef>
+            <a:fontRef idx="minor">
+              <a:schemeClr val="lt1"/>
+            </a:fontRef>
+          </p:style>
+          <p:txBody>
+            <a:bodyPr rtlCol="0" anchor="ctr"/>
+            <a:lstStyle/>
+            <a:p>
+              <a:pPr algn="ctr"/>
+              <a:endParaRPr lang="en-GB">
+                <a:solidFill>
+                  <a:schemeClr val="tx1"/>
+                </a:solidFill>
+              </a:endParaRPr>
+            </a:p>
+          </p:txBody>
+        </p:sp>
+        <p:cxnSp>
+          <p:nvCxnSpPr>
+            <p:cNvPr id="26" name="Straight Connector 25">
+              <a:extLst>
+                <a:ext uri="{FF2B5EF4-FFF2-40B4-BE49-F238E27FC236}">
+                  <a16:creationId xmlns:a16="http://schemas.microsoft.com/office/drawing/2014/main" id="{37670C6D-1A98-E26F-6FBC-CBF2D5657322}"/>
+                </a:ext>
+              </a:extLst>
+            </p:cNvPr>
+            <p:cNvCxnSpPr>
+              <a:cxnSpLocks/>
+            </p:cNvCxnSpPr>
+            <p:nvPr/>
+          </p:nvCxnSpPr>
+          <p:spPr>
+            <a:xfrm>
+              <a:off x="7620000" y="3741683"/>
+              <a:ext cx="0" cy="491878"/>
+            </a:xfrm>
+            <a:prstGeom prst="line">
+              <a:avLst/>
+            </a:prstGeom>
+            <a:ln w="28575"/>
+          </p:spPr>
+          <p:style>
+            <a:lnRef idx="1">
+              <a:schemeClr val="accent1"/>
+            </a:lnRef>
+            <a:fillRef idx="0">
+              <a:schemeClr val="accent1"/>
+            </a:fillRef>
+            <a:effectRef idx="0">
+              <a:schemeClr val="accent1"/>
+            </a:effectRef>
+            <a:fontRef idx="minor">
+              <a:schemeClr val="tx1"/>
+            </a:fontRef>
+          </p:style>
+        </p:cxnSp>
+        <p:cxnSp>
+          <p:nvCxnSpPr>
+            <p:cNvPr id="27" name="Straight Connector 26">
+              <a:extLst>
+                <a:ext uri="{FF2B5EF4-FFF2-40B4-BE49-F238E27FC236}">
+                  <a16:creationId xmlns:a16="http://schemas.microsoft.com/office/drawing/2014/main" id="{E2C824E8-7C7D-ECAE-2C92-7C358794A0DE}"/>
+                </a:ext>
+              </a:extLst>
+            </p:cNvPr>
+            <p:cNvCxnSpPr>
+              <a:cxnSpLocks/>
+            </p:cNvCxnSpPr>
+            <p:nvPr/>
+          </p:nvCxnSpPr>
+          <p:spPr>
+            <a:xfrm>
+              <a:off x="6973614" y="3741683"/>
+              <a:ext cx="0" cy="491878"/>
+            </a:xfrm>
+            <a:prstGeom prst="line">
+              <a:avLst/>
+            </a:prstGeom>
+            <a:ln w="28575"/>
+          </p:spPr>
+          <p:style>
+            <a:lnRef idx="1">
+              <a:schemeClr val="accent1"/>
+            </a:lnRef>
+            <a:fillRef idx="0">
+              <a:schemeClr val="accent1"/>
+            </a:fillRef>
+            <a:effectRef idx="0">
+              <a:schemeClr val="accent1"/>
+            </a:effectRef>
+            <a:fontRef idx="minor">
+              <a:schemeClr val="tx1"/>
+            </a:fontRef>
+          </p:style>
+        </p:cxnSp>
+        <p:cxnSp>
+          <p:nvCxnSpPr>
+            <p:cNvPr id="28" name="Straight Connector 27">
+              <a:extLst>
+                <a:ext uri="{FF2B5EF4-FFF2-40B4-BE49-F238E27FC236}">
+                  <a16:creationId xmlns:a16="http://schemas.microsoft.com/office/drawing/2014/main" id="{D1208E46-075A-D683-B001-7E0D9EB8C5C9}"/>
+                </a:ext>
+              </a:extLst>
+            </p:cNvPr>
+            <p:cNvCxnSpPr>
+              <a:cxnSpLocks/>
+            </p:cNvCxnSpPr>
+            <p:nvPr/>
+          </p:nvCxnSpPr>
+          <p:spPr>
+            <a:xfrm>
+              <a:off x="6973614" y="3741683"/>
+              <a:ext cx="0" cy="491878"/>
+            </a:xfrm>
+            <a:prstGeom prst="line">
+              <a:avLst/>
+            </a:prstGeom>
+            <a:ln w="28575"/>
+          </p:spPr>
+          <p:style>
+            <a:lnRef idx="1">
+              <a:schemeClr val="accent1"/>
+            </a:lnRef>
+            <a:fillRef idx="0">
+              <a:schemeClr val="accent1"/>
+            </a:fillRef>
+            <a:effectRef idx="0">
+              <a:schemeClr val="accent1"/>
+            </a:effectRef>
+            <a:fontRef idx="minor">
+              <a:schemeClr val="tx1"/>
+            </a:fontRef>
+          </p:style>
+        </p:cxnSp>
+        <p:sp>
+          <p:nvSpPr>
+            <p:cNvPr id="24" name="Rectangle 23">
+              <a:extLst>
+                <a:ext uri="{FF2B5EF4-FFF2-40B4-BE49-F238E27FC236}">
+                  <a16:creationId xmlns:a16="http://schemas.microsoft.com/office/drawing/2014/main" id="{C89F1040-BC31-D62A-25AF-0E4BF981E90D}"/>
+                </a:ext>
+              </a:extLst>
+            </p:cNvPr>
+            <p:cNvSpPr/>
+            <p:nvPr/>
+          </p:nvSpPr>
+          <p:spPr>
+            <a:xfrm>
+              <a:off x="6211614" y="3741684"/>
+              <a:ext cx="2130967" cy="505550"/>
+            </a:xfrm>
+            <a:prstGeom prst="rect">
+              <a:avLst/>
+            </a:prstGeom>
+            <a:solidFill>
+              <a:schemeClr val="accent1">
+                <a:alpha val="70000"/>
+              </a:schemeClr>
+            </a:solidFill>
+          </p:spPr>
+          <p:style>
+            <a:lnRef idx="2">
+              <a:schemeClr val="accent1">
+                <a:shade val="15000"/>
+              </a:schemeClr>
+            </a:lnRef>
+            <a:fillRef idx="1">
+              <a:schemeClr val="accent1"/>
+            </a:fillRef>
+            <a:effectRef idx="0">
+              <a:schemeClr val="accent1"/>
+            </a:effectRef>
+            <a:fontRef idx="minor">
+              <a:schemeClr val="lt1"/>
+            </a:fontRef>
+          </p:style>
+          <p:txBody>
+            <a:bodyPr rtlCol="0" anchor="ctr"/>
+            <a:lstStyle/>
+            <a:p>
+              <a:pPr algn="ctr"/>
+              <a:r>
+                <a:rPr lang="en-GB" dirty="0">
+                  <a:latin typeface="Times New Roman" panose="02020603050405020304" pitchFamily="18" charset="0"/>
+                  <a:cs typeface="Times New Roman" panose="02020603050405020304" pitchFamily="18" charset="0"/>
+                </a:rPr>
+                <a:t>Historical Data</a:t>
+              </a:r>
+            </a:p>
+          </p:txBody>
+        </p:sp>
+        <p:cxnSp>
+          <p:nvCxnSpPr>
+            <p:cNvPr id="29" name="Straight Connector 28">
+              <a:extLst>
+                <a:ext uri="{FF2B5EF4-FFF2-40B4-BE49-F238E27FC236}">
+                  <a16:creationId xmlns:a16="http://schemas.microsoft.com/office/drawing/2014/main" id="{842C0D04-B30A-B315-E730-7446E4DC1548}"/>
+                </a:ext>
+              </a:extLst>
+            </p:cNvPr>
+            <p:cNvCxnSpPr>
+              <a:cxnSpLocks/>
+            </p:cNvCxnSpPr>
+            <p:nvPr/>
+          </p:nvCxnSpPr>
+          <p:spPr>
+            <a:xfrm>
+              <a:off x="6327228" y="3741683"/>
+              <a:ext cx="0" cy="491878"/>
+            </a:xfrm>
+            <a:prstGeom prst="line">
+              <a:avLst/>
+            </a:prstGeom>
+            <a:ln w="28575"/>
+          </p:spPr>
+          <p:style>
+            <a:lnRef idx="1">
+              <a:schemeClr val="accent1"/>
+            </a:lnRef>
+            <a:fillRef idx="0">
+              <a:schemeClr val="accent1"/>
+            </a:fillRef>
+            <a:effectRef idx="0">
+              <a:schemeClr val="accent1"/>
+            </a:effectRef>
+            <a:fontRef idx="minor">
+              <a:schemeClr val="tx1"/>
+            </a:fontRef>
+          </p:style>
+        </p:cxnSp>
+        <p:sp>
+          <p:nvSpPr>
+            <p:cNvPr id="30" name="TextBox 29">
+              <a:extLst>
+                <a:ext uri="{FF2B5EF4-FFF2-40B4-BE49-F238E27FC236}">
+                  <a16:creationId xmlns:a16="http://schemas.microsoft.com/office/drawing/2014/main" id="{D2FC4DC4-A4C1-D774-32D6-6F64C9151164}"/>
+                </a:ext>
+              </a:extLst>
+            </p:cNvPr>
+            <p:cNvSpPr txBox="1"/>
+            <p:nvPr/>
+          </p:nvSpPr>
+          <p:spPr>
+            <a:xfrm>
+              <a:off x="7848824" y="4308506"/>
+              <a:ext cx="2616422" cy="369332"/>
+            </a:xfrm>
+            <a:prstGeom prst="rect">
+              <a:avLst/>
+            </a:prstGeom>
+            <a:noFill/>
+          </p:spPr>
+          <p:txBody>
+            <a:bodyPr wrap="none" rtlCol="0">
+              <a:spAutoFit/>
+            </a:bodyPr>
+            <a:lstStyle/>
+            <a:p>
+              <a:r>
+                <a:rPr lang="en-GB" dirty="0">
+                  <a:latin typeface="Times New Roman" panose="02020603050405020304" pitchFamily="18" charset="0"/>
+                  <a:cs typeface="Times New Roman" panose="02020603050405020304" pitchFamily="18" charset="0"/>
+                </a:rPr>
+                <a:t>Predict Closing Price N+1</a:t>
+              </a:r>
+            </a:p>
+          </p:txBody>
+        </p:sp>
+      </p:grpSp>
+    </p:spTree>
+    <p:extLst>
+      <p:ext uri="{BB962C8B-B14F-4D97-AF65-F5344CB8AC3E}">
+        <p14:creationId xmlns:p14="http://schemas.microsoft.com/office/powerpoint/2010/main" val="1044011811"/>
+      </p:ext>
+    </p:extLst>
+  </p:cSld>
+  <p:clrMapOvr>
+    <a:masterClrMapping/>
+  </p:clrMapOvr>
+</p:sld>
+</file>
+
 <file path=ppt/theme/theme1.xml><?xml version="1.0" encoding="utf-8"?>
 <a:theme xmlns:a="http://schemas.openxmlformats.org/drawingml/2006/main" name="Office Theme">
   <a:themeElements>
